--- a/3rd_Project/Member/Lee/기능,화면,테스트 문서/3th_Project_화면 설계도(이유의).pptx
+++ b/3rd_Project/Member/Lee/기능,화면,테스트 문서/3th_Project_화면 설계도(이유의).pptx
@@ -11,13 +11,13 @@
     <p:handoutMasterId r:id="rId11"/>
   </p:handoutMasterIdLst>
   <p:sldIdLst>
-    <p:sldId id="281" r:id="rId3"/>
-    <p:sldId id="282" r:id="rId5"/>
-    <p:sldId id="283" r:id="rId6"/>
-    <p:sldId id="284" r:id="rId7"/>
-    <p:sldId id="285" r:id="rId8"/>
-    <p:sldId id="286" r:id="rId9"/>
-    <p:sldId id="287" r:id="rId10"/>
+    <p:sldId id="288" r:id="rId3"/>
+    <p:sldId id="289" r:id="rId5"/>
+    <p:sldId id="290" r:id="rId6"/>
+    <p:sldId id="291" r:id="rId7"/>
+    <p:sldId id="292" r:id="rId8"/>
+    <p:sldId id="293" r:id="rId9"/>
+    <p:sldId id="294" r:id="rId10"/>
   </p:sldIdLst>
   <p:sldSz cx="12192000" cy="6858000"/>
   <p:notesSz cx="6858000" cy="9144000"/>
@@ -654,7 +654,7 @@
         <p:spPr>
           <a:xfrm>
             <a:off x="685800" y="1143000"/>
-            <a:ext cx="5487035" cy="3086735"/>
+            <a:ext cx="5487670" cy="3087370"/>
           </a:xfrm>
           <a:prstGeom prst="rect">
             <a:avLst/>
@@ -702,7 +702,7 @@
         <p:spPr>
           <a:xfrm>
             <a:off x="685800" y="4400550"/>
-            <a:ext cx="5487035" cy="3601085"/>
+            <a:ext cx="5487670" cy="3601720"/>
           </a:xfrm>
           <a:prstGeom prst="rect">
             <a:avLst/>
@@ -741,7 +741,7 @@
         <p:spPr>
           <a:xfrm>
             <a:off x="3884930" y="8685530"/>
-            <a:ext cx="2972435" cy="459105"/>
+            <a:ext cx="2973070" cy="459740"/>
           </a:xfrm>
           <a:prstGeom prst="rect">
             <a:avLst/>
@@ -811,7 +811,7 @@
         <p:spPr>
           <a:xfrm>
             <a:off x="685800" y="1143000"/>
-            <a:ext cx="5487035" cy="3086735"/>
+            <a:ext cx="5487670" cy="3087370"/>
           </a:xfrm>
           <a:prstGeom prst="rect">
             <a:avLst/>
@@ -859,7 +859,7 @@
         <p:spPr>
           <a:xfrm>
             <a:off x="685800" y="4400550"/>
-            <a:ext cx="5487035" cy="3601085"/>
+            <a:ext cx="5487670" cy="3601720"/>
           </a:xfrm>
           <a:prstGeom prst="rect">
             <a:avLst/>
@@ -898,7 +898,7 @@
         <p:spPr>
           <a:xfrm>
             <a:off x="3884930" y="8685530"/>
-            <a:ext cx="2972435" cy="459105"/>
+            <a:ext cx="2973070" cy="459740"/>
           </a:xfrm>
           <a:prstGeom prst="rect">
             <a:avLst/>
@@ -968,7 +968,7 @@
         <p:spPr>
           <a:xfrm>
             <a:off x="685800" y="1143000"/>
-            <a:ext cx="5487035" cy="3086735"/>
+            <a:ext cx="5487670" cy="3087370"/>
           </a:xfrm>
           <a:prstGeom prst="rect">
             <a:avLst/>
@@ -1016,7 +1016,7 @@
         <p:spPr>
           <a:xfrm>
             <a:off x="685800" y="4400550"/>
-            <a:ext cx="5487035" cy="3601085"/>
+            <a:ext cx="5487670" cy="3601720"/>
           </a:xfrm>
           <a:prstGeom prst="rect">
             <a:avLst/>
@@ -1055,7 +1055,7 @@
         <p:spPr>
           <a:xfrm>
             <a:off x="3884930" y="8685530"/>
-            <a:ext cx="2972435" cy="459105"/>
+            <a:ext cx="2973070" cy="459740"/>
           </a:xfrm>
           <a:prstGeom prst="rect">
             <a:avLst/>
@@ -1125,7 +1125,7 @@
         <p:spPr>
           <a:xfrm>
             <a:off x="685800" y="1143000"/>
-            <a:ext cx="5487035" cy="3086735"/>
+            <a:ext cx="5487670" cy="3087370"/>
           </a:xfrm>
           <a:prstGeom prst="rect">
             <a:avLst/>
@@ -1173,7 +1173,7 @@
         <p:spPr>
           <a:xfrm>
             <a:off x="685800" y="4400550"/>
-            <a:ext cx="5487035" cy="3601085"/>
+            <a:ext cx="5487670" cy="3601720"/>
           </a:xfrm>
           <a:prstGeom prst="rect">
             <a:avLst/>
@@ -1212,7 +1212,7 @@
         <p:spPr>
           <a:xfrm>
             <a:off x="3884930" y="8685530"/>
-            <a:ext cx="2972435" cy="459105"/>
+            <a:ext cx="2973070" cy="459740"/>
           </a:xfrm>
           <a:prstGeom prst="rect">
             <a:avLst/>
@@ -1282,7 +1282,7 @@
         <p:spPr>
           <a:xfrm>
             <a:off x="685800" y="1143000"/>
-            <a:ext cx="5487035" cy="3086735"/>
+            <a:ext cx="5487670" cy="3087370"/>
           </a:xfrm>
           <a:prstGeom prst="rect">
             <a:avLst/>
@@ -1330,7 +1330,7 @@
         <p:spPr>
           <a:xfrm>
             <a:off x="685800" y="4400550"/>
-            <a:ext cx="5487035" cy="3601085"/>
+            <a:ext cx="5487670" cy="3601720"/>
           </a:xfrm>
           <a:prstGeom prst="rect">
             <a:avLst/>
@@ -1369,7 +1369,7 @@
         <p:spPr>
           <a:xfrm>
             <a:off x="3884930" y="8685530"/>
-            <a:ext cx="2972435" cy="459105"/>
+            <a:ext cx="2973070" cy="459740"/>
           </a:xfrm>
           <a:prstGeom prst="rect">
             <a:avLst/>
@@ -1439,7 +1439,7 @@
         <p:spPr>
           <a:xfrm>
             <a:off x="685800" y="1143000"/>
-            <a:ext cx="5487035" cy="3086735"/>
+            <a:ext cx="5487670" cy="3087370"/>
           </a:xfrm>
           <a:prstGeom prst="rect">
             <a:avLst/>
@@ -1487,7 +1487,7 @@
         <p:spPr>
           <a:xfrm>
             <a:off x="685800" y="4400550"/>
-            <a:ext cx="5487035" cy="3601085"/>
+            <a:ext cx="5487670" cy="3601720"/>
           </a:xfrm>
           <a:prstGeom prst="rect">
             <a:avLst/>
@@ -1526,7 +1526,7 @@
         <p:spPr>
           <a:xfrm>
             <a:off x="3884930" y="8685530"/>
-            <a:ext cx="2972435" cy="459105"/>
+            <a:ext cx="2973070" cy="459740"/>
           </a:xfrm>
           <a:prstGeom prst="rect">
             <a:avLst/>
@@ -1596,7 +1596,7 @@
         <p:spPr>
           <a:xfrm>
             <a:off x="685800" y="1143000"/>
-            <a:ext cx="5487035" cy="3086735"/>
+            <a:ext cx="5487670" cy="3087370"/>
           </a:xfrm>
           <a:prstGeom prst="rect">
             <a:avLst/>
@@ -1644,7 +1644,7 @@
         <p:spPr>
           <a:xfrm>
             <a:off x="685800" y="4400550"/>
-            <a:ext cx="5487035" cy="3601085"/>
+            <a:ext cx="5487670" cy="3601720"/>
           </a:xfrm>
           <a:prstGeom prst="rect">
             <a:avLst/>
@@ -1683,7 +1683,7 @@
         <p:spPr>
           <a:xfrm>
             <a:off x="3884930" y="8685530"/>
-            <a:ext cx="2972435" cy="459105"/>
+            <a:ext cx="2973070" cy="459740"/>
           </a:xfrm>
           <a:prstGeom prst="rect">
             <a:avLst/>
@@ -6130,7 +6130,7 @@
         <p:spPr>
           <a:xfrm>
             <a:off x="142875" y="714375"/>
-            <a:ext cx="8993505" cy="5945505"/>
+            <a:ext cx="8994140" cy="5946140"/>
           </a:xfrm>
           <a:prstGeom prst="rect">
             <a:avLst/>
@@ -6665,17 +6665,7 @@
                         <a:buFontTx/>
                         <a:buNone/>
                       </a:pPr>
-                      <a:r>
-                        <a:rPr lang="en-US" altLang="ko-KR" sz="1000" kern="1200">
-                          <a:solidFill>
-                            <a:schemeClr val="tx1"/>
-                          </a:solidFill>
-                          <a:latin typeface="맑은 고딕" panose="020B0503020000020004" charset="-127"/>
-                          <a:ea typeface="맑은 고딕" panose="020B0503020000020004" charset="-127"/>
-                        </a:rPr>
-                        <a:t>사용자로부터 교재의 수량을 입력 받음</a:t>
-                      </a:r>
-                      <a:endParaRPr lang="ko-KR" altLang="en-US" sz="1000" kern="1200">
+                      <a:endParaRPr lang="en-US" altLang="ko-KR" sz="1000" kern="1200">
                         <a:solidFill>
                           <a:schemeClr val="tx1"/>
                         </a:solidFill>
@@ -7444,7 +7434,7 @@
                         <a:buFontTx/>
                         <a:buNone/>
                       </a:pPr>
-                      <a:endParaRPr lang="en-US" altLang="ko-KR" sz="1000" b="0" i="0" kern="1200">
+                      <a:endParaRPr lang="ko-KR" altLang="en-US" sz="1000" b="0" i="0" kern="1200">
                         <a:solidFill>
                           <a:schemeClr val="tx1"/>
                         </a:solidFill>
@@ -9120,27 +9110,21 @@
         <p:grpSpPr>
           <a:xfrm rot="0">
             <a:off x="2323465" y="720725"/>
-            <a:ext cx="4742815" cy="5850255"/>
+            <a:ext cx="4743450" cy="5850890"/>
             <a:chOff x="2323465" y="720725"/>
-            <a:chExt cx="4742815" cy="5850255"/>
+            <a:chExt cx="4743450" cy="5850890"/>
           </a:xfrm>
         </p:grpSpPr>
         <p:pic>
           <p:nvPicPr>
-            <p:cNvPr id="34" name="그림 33" descr="C:/Users/KOSMO-08/AppData/Roaming/PolarisOffice/ETemp/11312_17366784/fImage711519426827.png"/>
+            <p:cNvPr id="34" name="그림 33" descr="C:/Users/KOSMO-08/AppData/Roaming/PolarisOffice/ETemp/12752_7558552/fImage711512826962.png"/>
             <p:cNvPicPr>
               <a:picLocks noChangeAspect="1"/>
             </p:cNvPicPr>
             <p:nvPr/>
           </p:nvPicPr>
           <p:blipFill rotWithShape="1">
-            <a:blip r:embed="rId1" cstate="print">
-              <a:extLst>
-                <a:ext uri="{28A0092B-C50C-407E-A947-70E740481C1C}">
-                  <a14:useLocalDpi xmlns:a14="http://schemas.microsoft.com/office/drawing/2010/main" val="0"/>
-                </a:ext>
-              </a:extLst>
-            </a:blip>
+            <a:blip r:embed="rId1" cstate="hqprint"/>
             <a:srcRect/>
             <a:stretch>
               <a:fillRect/>
@@ -9149,7 +9133,7 @@
           <p:spPr>
             <a:xfrm>
               <a:off x="2323465" y="720725"/>
-              <a:ext cx="4742815" cy="5800090"/>
+              <a:ext cx="4743450" cy="5800725"/>
             </a:xfrm>
             <a:prstGeom prst="rect">
               <a:avLst/>
@@ -9166,7 +9150,7 @@
           <p:spPr>
             <a:xfrm>
               <a:off x="4003675" y="2434590"/>
-              <a:ext cx="207645" cy="207645"/>
+              <a:ext cx="208280" cy="208280"/>
             </a:xfrm>
             <a:prstGeom prst="ellipse">
               <a:avLst/>
@@ -9227,7 +9211,7 @@
           <p:spPr>
             <a:xfrm>
               <a:off x="3973830" y="2400300"/>
-              <a:ext cx="217805" cy="260985"/>
+              <a:ext cx="218440" cy="261620"/>
             </a:xfrm>
             <a:prstGeom prst="rect">
               <a:avLst/>
@@ -9282,7 +9266,7 @@
           <p:spPr>
             <a:xfrm>
               <a:off x="4296410" y="2686050"/>
-              <a:ext cx="207645" cy="207645"/>
+              <a:ext cx="208280" cy="208280"/>
             </a:xfrm>
             <a:prstGeom prst="ellipse">
               <a:avLst/>
@@ -9343,7 +9327,7 @@
           <p:spPr>
             <a:xfrm>
               <a:off x="4266565" y="2651760"/>
-              <a:ext cx="217805" cy="260985"/>
+              <a:ext cx="218440" cy="261620"/>
             </a:xfrm>
             <a:prstGeom prst="rect">
               <a:avLst/>
@@ -9391,20 +9375,14 @@
         </p:sp>
         <p:pic>
           <p:nvPicPr>
-            <p:cNvPr id="39" name="그림 38" descr="C:/Users/KOSMO-08/AppData/Roaming/PolarisOffice/ETemp/11312_17366784/fImage14429479961.png"/>
+            <p:cNvPr id="39" name="그림 38" descr="C:/Users/KOSMO-08/AppData/Roaming/PolarisOffice/ETemp/12752_7558552/fImage14422874464.png"/>
             <p:cNvPicPr>
               <a:picLocks noChangeAspect="1"/>
             </p:cNvPicPr>
             <p:nvPr/>
           </p:nvPicPr>
           <p:blipFill rotWithShape="1">
-            <a:blip r:embed="rId2" cstate="print">
-              <a:extLst>
-                <a:ext uri="{28A0092B-C50C-407E-A947-70E740481C1C}">
-                  <a14:useLocalDpi xmlns:a14="http://schemas.microsoft.com/office/drawing/2010/main" val="0"/>
-                </a:ext>
-              </a:extLst>
-            </a:blip>
+            <a:blip r:embed="rId2" cstate="hqprint"/>
             <a:srcRect/>
             <a:stretch>
               <a:fillRect/>
@@ -9413,7 +9391,7 @@
           <p:spPr>
             <a:xfrm>
               <a:off x="4247515" y="6242685"/>
-              <a:ext cx="811530" cy="328295"/>
+              <a:ext cx="812165" cy="328930"/>
             </a:xfrm>
             <a:prstGeom prst="rect">
               <a:avLst/>
@@ -9430,7 +9408,7 @@
           <p:spPr>
             <a:xfrm>
               <a:off x="4851400" y="6167120"/>
-              <a:ext cx="207645" cy="207645"/>
+              <a:ext cx="208280" cy="208280"/>
             </a:xfrm>
             <a:prstGeom prst="ellipse">
               <a:avLst/>
@@ -9491,7 +9469,7 @@
           <p:spPr>
             <a:xfrm>
               <a:off x="4822190" y="6132195"/>
-              <a:ext cx="217805" cy="260985"/>
+              <a:ext cx="218440" cy="261620"/>
             </a:xfrm>
             <a:prstGeom prst="rect">
               <a:avLst/>
@@ -9540,7 +9518,7 @@
       </p:grpSp>
       <p:graphicFrame>
         <p:nvGraphicFramePr>
-          <p:cNvPr id="8" name="표 1"/>
+          <p:cNvPr id="8" name="표 7"/>
           <p:cNvGraphicFramePr>
             <a:graphicFrameLocks noGrp="1"/>
           </p:cNvGraphicFramePr>
@@ -9566,6 +9544,7 @@
                 <a:tc>
                   <a:txBody>
                     <a:bodyPr/>
+                    <a:lstStyle/>
                     <a:p>
                       <a:pPr marL="0" indent="0" algn="ctr" defTabSz="914400" eaLnBrk="1" latinLnBrk="1" hangingPunct="1">
                         <a:lnSpc>
@@ -9655,6 +9634,7 @@
                 <a:tc>
                   <a:txBody>
                     <a:bodyPr/>
+                    <a:lstStyle/>
                     <a:p>
                       <a:pPr marL="0" indent="0" algn="ctr" defTabSz="914400" eaLnBrk="1" latinLnBrk="1" hangingPunct="1">
                         <a:lnSpc>
@@ -9744,6 +9724,7 @@
                 <a:tc>
                   <a:txBody>
                     <a:bodyPr/>
+                    <a:lstStyle/>
                     <a:p>
                       <a:pPr marL="0" indent="0" algn="ctr" defTabSz="914400" eaLnBrk="1" latinLnBrk="1" hangingPunct="1">
                         <a:lnSpc>
@@ -9833,6 +9814,7 @@
                 <a:tc>
                   <a:txBody>
                     <a:bodyPr/>
+                    <a:lstStyle/>
                     <a:p>
                       <a:pPr marL="0" indent="0" algn="ctr" defTabSz="914400" eaLnBrk="1" latinLnBrk="1" hangingPunct="1">
                         <a:lnSpc>
@@ -9924,6 +9906,7 @@
                 <a:tc>
                   <a:txBody>
                     <a:bodyPr/>
+                    <a:lstStyle/>
                     <a:p>
                       <a:pPr marL="0" indent="0" algn="ctr" defTabSz="914400" eaLnBrk="1" latinLnBrk="1" hangingPunct="1">
                         <a:lnSpc>
@@ -9939,23 +9922,21 @@
                         <a:buNone/>
                       </a:pPr>
                       <a:r>
-                        <a:rPr lang="en-US" altLang="ko-KR" sz="1000" b="0">
+                        <a:rPr lang="en-US" altLang="ko-KR" sz="1000" b="0" kern="1200">
                           <a:solidFill>
                             <a:schemeClr val="tx1"/>
                           </a:solidFill>
                           <a:latin typeface="맑은 고딕" panose="020B0503020000020004" charset="-127"/>
                           <a:ea typeface="맑은 고딕" panose="020B0503020000020004" charset="-127"/>
-                          <a:sym typeface="+mn-ea"/>
                         </a:rPr>
                         <a:t>F-BP-BS</a:t>
                       </a:r>
-                      <a:endParaRPr lang="en-US" altLang="ko-KR" sz="1000" b="0" i="0" kern="1200">
+                      <a:endParaRPr lang="ko-KR" altLang="en-US" sz="1000" b="0" kern="1200">
                         <a:solidFill>
                           <a:schemeClr val="tx1"/>
                         </a:solidFill>
                         <a:latin typeface="맑은 고딕" panose="020B0503020000020004" charset="-127"/>
                         <a:ea typeface="맑은 고딕" panose="020B0503020000020004" charset="-127"/>
-                        <a:sym typeface="+mn-ea"/>
                       </a:endParaRPr>
                     </a:p>
                   </a:txBody>
@@ -10012,6 +9993,7 @@
                 <a:tc>
                   <a:txBody>
                     <a:bodyPr/>
+                    <a:lstStyle/>
                     <a:p>
                       <a:pPr marL="0" indent="0" algn="ctr" defTabSz="914400" eaLnBrk="1" latinLnBrk="1" hangingPunct="1">
                         <a:lnSpc>
@@ -10036,7 +10018,7 @@
                         </a:rPr>
                         <a:t>buybook.html</a:t>
                       </a:r>
-                      <a:endParaRPr lang="en-US" altLang="ko-KR" sz="1000" b="0" i="0" kern="1200">
+                      <a:endParaRPr lang="ko-KR" altLang="en-US" sz="1000" b="0" i="0" kern="1200">
                         <a:solidFill>
                           <a:schemeClr val="tx1"/>
                         </a:solidFill>
@@ -10098,6 +10080,7 @@
                 <a:tc>
                   <a:txBody>
                     <a:bodyPr/>
+                    <a:lstStyle/>
                     <a:p>
                       <a:pPr marL="0" indent="0" algn="ctr" defTabSz="914400" eaLnBrk="1" latinLnBrk="1" hangingPunct="1">
                         <a:lnSpc>
@@ -10112,16 +10095,6 @@
                         <a:buFontTx/>
                         <a:buNone/>
                       </a:pPr>
-                      <a:r>
-                        <a:rPr lang="ko-KR" altLang="en-US" sz="1000" b="0" i="0" kern="1200">
-                          <a:solidFill>
-                            <a:schemeClr val="tx1"/>
-                          </a:solidFill>
-                          <a:latin typeface="맑은 고딕" panose="020B0503020000020004" charset="-127"/>
-                          <a:ea typeface="맑은 고딕" panose="020B0503020000020004" charset="-127"/>
-                        </a:rPr>
-                        <a:t>교재구매 </a:t>
-                      </a:r>
                       <a:r>
                         <a:rPr lang="en-US" altLang="ko-KR" sz="1000" b="0" i="0" kern="1200">
                           <a:solidFill>
@@ -10130,17 +10103,7 @@
                           <a:latin typeface="맑은 고딕" panose="020B0503020000020004" charset="-127"/>
                           <a:ea typeface="맑은 고딕" panose="020B0503020000020004" charset="-127"/>
                         </a:rPr>
-                        <a:t>&gt; </a:t>
-                      </a:r>
-                      <a:r>
-                        <a:rPr lang="ko-KR" altLang="en-US" sz="1000" b="0" i="0" kern="1200">
-                          <a:solidFill>
-                            <a:schemeClr val="tx1"/>
-                          </a:solidFill>
-                          <a:latin typeface="맑은 고딕" panose="020B0503020000020004" charset="-127"/>
-                          <a:ea typeface="맑은 고딕" panose="020B0503020000020004" charset="-127"/>
-                        </a:rPr>
-                        <a:t>구매</a:t>
+                        <a:t>교재구매 &gt; 구매</a:t>
                       </a:r>
                       <a:endParaRPr lang="ko-KR" altLang="en-US" sz="1000" b="0" i="0" kern="1200">
                         <a:solidFill>
@@ -10204,6 +10167,7 @@
                 <a:tc>
                   <a:txBody>
                     <a:bodyPr/>
+                    <a:lstStyle/>
                     <a:p>
                       <a:pPr marL="0" indent="0" algn="ctr" defTabSz="914400" eaLnBrk="1" latinLnBrk="1" hangingPunct="1">
                         <a:lnSpc>
@@ -10219,7 +10183,7 @@
                         <a:buNone/>
                       </a:pPr>
                       <a:r>
-                        <a:rPr lang="ko-KR" altLang="en-US" sz="1000" b="0" i="0" kern="1200">
+                        <a:rPr lang="en-US" altLang="ko-KR" sz="1000" b="0" i="0" kern="1200">
                           <a:solidFill>
                             <a:schemeClr val="tx1"/>
                           </a:solidFill>
@@ -10341,7 +10305,7 @@
         <p:spPr>
           <a:xfrm>
             <a:off x="142875" y="714375"/>
-            <a:ext cx="8993505" cy="5945505"/>
+            <a:ext cx="8994140" cy="5946140"/>
           </a:xfrm>
           <a:prstGeom prst="rect">
             <a:avLst/>
@@ -10412,7 +10376,7 @@
         </p:nvGraphicFramePr>
         <p:xfrm>
           <a:off x="9196070" y="718185"/>
-          <a:ext cx="2900680" cy="5941695"/>
+          <a:ext cx="2900680" cy="5946775"/>
         </p:xfrm>
         <a:graphic>
           <a:graphicData uri="http://schemas.openxmlformats.org/drawingml/2006/table">
@@ -10726,7 +10690,7 @@
                         </a:rPr>
                         <a:t>1</a:t>
                       </a:r>
-                      <a:endParaRPr lang="en-US" altLang="ko-KR" sz="1000" b="0" i="0" kern="1200">
+                      <a:endParaRPr lang="ko-KR" altLang="en-US" sz="1000" b="0" i="0" kern="1200">
                         <a:solidFill>
                           <a:schemeClr val="tx1"/>
                         </a:solidFill>
@@ -10811,7 +10775,7 @@
                         </a:rPr>
                         <a:t>R</a:t>
                       </a:r>
-                      <a:endParaRPr lang="en-US" altLang="ko-KR" sz="1000" b="0" i="0" kern="1200">
+                      <a:endParaRPr lang="ko-KR" altLang="en-US" sz="1000" b="0" i="0" kern="1200">
                         <a:solidFill>
                           <a:schemeClr val="tx1"/>
                         </a:solidFill>
@@ -10887,14 +10851,14 @@
                         <a:buNone/>
                       </a:pPr>
                       <a:r>
-                        <a:rPr altLang="en-US" sz="1000" kern="1200">
+                        <a:rPr lang="en-US" altLang="ko-KR" sz="1000" kern="1200">
                           <a:solidFill>
                             <a:schemeClr val="tx1"/>
                           </a:solidFill>
                           <a:latin typeface="맑은 고딕" panose="020B0503020000020004" charset="-127"/>
                           <a:ea typeface="맑은 고딕" panose="020B0503020000020004" charset="-127"/>
                         </a:rPr>
-                        <a:t>사용자가 선택</a:t>
+                        <a:t>사용자가 선택한 교재의 상품명</a:t>
                       </a:r>
                       <a:r>
                         <a:rPr altLang="en-US" sz="1000" kern="1200">
@@ -10904,7 +10868,7 @@
                           <a:latin typeface="맑은 고딕" panose="020B0503020000020004" charset="-127"/>
                           <a:ea typeface="맑은 고딕" panose="020B0503020000020004" charset="-127"/>
                         </a:rPr>
-                        <a:t>한 교재의 상품명 데이터를 </a:t>
+                        <a:t>이 입력된다</a:t>
                       </a:r>
                       <a:r>
                         <a:rPr lang="en-US" altLang="ko-KR" sz="1000" kern="1200">
@@ -10914,29 +10878,9 @@
                           <a:latin typeface="맑은 고딕" panose="020B0503020000020004" charset="-127"/>
                           <a:ea typeface="맑은 고딕" panose="020B0503020000020004" charset="-127"/>
                         </a:rPr>
-                        <a:t>DB</a:t>
+                        <a:t>.</a:t>
                       </a:r>
-                      <a:r>
-                        <a:rPr altLang="en-US" sz="1000" kern="1200">
-                          <a:solidFill>
-                            <a:schemeClr val="tx1"/>
-                          </a:solidFill>
-                          <a:latin typeface="맑은 고딕" panose="020B0503020000020004" charset="-127"/>
-                          <a:ea typeface="맑은 고딕" panose="020B0503020000020004" charset="-127"/>
-                        </a:rPr>
-                        <a:t>로부터 읽어</a:t>
-                      </a:r>
-                      <a:r>
-                        <a:rPr altLang="en-US" sz="1000" kern="1200">
-                          <a:solidFill>
-                            <a:schemeClr val="tx1"/>
-                          </a:solidFill>
-                          <a:latin typeface="맑은 고딕" panose="020B0503020000020004" charset="-127"/>
-                          <a:ea typeface="맑은 고딕" panose="020B0503020000020004" charset="-127"/>
-                        </a:rPr>
-                        <a:t>와 입력</a:t>
-                      </a:r>
-                      <a:endParaRPr altLang="en-US" sz="1000" kern="1200">
+                      <a:endParaRPr lang="en-US" altLang="ko-KR" sz="1000" kern="1200">
                         <a:solidFill>
                           <a:schemeClr val="tx1"/>
                         </a:solidFill>
@@ -11025,7 +10969,7 @@
                         </a:rPr>
                         <a:t>2</a:t>
                       </a:r>
-                      <a:endParaRPr lang="en-US" altLang="ko-KR" sz="1000" b="0" i="0" kern="1200">
+                      <a:endParaRPr lang="ko-KR" altLang="en-US" sz="1000" b="0" i="0" kern="1200">
                         <a:solidFill>
                           <a:schemeClr val="tx1"/>
                         </a:solidFill>
@@ -11110,7 +11054,7 @@
                         </a:rPr>
                         <a:t>R</a:t>
                       </a:r>
-                      <a:endParaRPr lang="en-US" altLang="ko-KR" sz="1000" b="0" i="0" kern="1200">
+                      <a:endParaRPr lang="ko-KR" altLang="en-US" sz="1000" b="0" i="0" kern="1200">
                         <a:solidFill>
                           <a:schemeClr val="tx1"/>
                         </a:solidFill>
@@ -11186,15 +11130,14 @@
                         <a:buNone/>
                       </a:pPr>
                       <a:r>
-                        <a:rPr altLang="en-US" sz="1000" kern="1200">
+                        <a:rPr lang="en-US" altLang="ko-KR" sz="1000" kern="1200">
                           <a:solidFill>
                             <a:schemeClr val="tx1"/>
                           </a:solidFill>
                           <a:latin typeface="맑은 고딕" panose="020B0503020000020004" charset="-127"/>
                           <a:ea typeface="맑은 고딕" panose="020B0503020000020004" charset="-127"/>
-                          <a:sym typeface="+mn-ea"/>
                         </a:rPr>
-                        <a:t>사용자가 선택</a:t>
+                        <a:t>사용자가 선택한 교재의 판매가</a:t>
                       </a:r>
                       <a:r>
                         <a:rPr altLang="en-US" sz="1000" kern="1200">
@@ -11203,9 +11146,8 @@
                           </a:solidFill>
                           <a:latin typeface="맑은 고딕" panose="020B0503020000020004" charset="-127"/>
                           <a:ea typeface="맑은 고딕" panose="020B0503020000020004" charset="-127"/>
-                          <a:sym typeface="+mn-ea"/>
                         </a:rPr>
-                        <a:t>한 교재의 판매가 데이터를 </a:t>
+                        <a:t>가 입력된다</a:t>
                       </a:r>
                       <a:r>
                         <a:rPr lang="en-US" altLang="ko-KR" sz="1000" kern="1200">
@@ -11214,33 +11156,10 @@
                           </a:solidFill>
                           <a:latin typeface="맑은 고딕" panose="020B0503020000020004" charset="-127"/>
                           <a:ea typeface="맑은 고딕" panose="020B0503020000020004" charset="-127"/>
-                          <a:sym typeface="+mn-ea"/>
                         </a:rPr>
-                        <a:t>DB</a:t>
+                        <a:t>.</a:t>
                       </a:r>
-                      <a:r>
-                        <a:rPr altLang="en-US" sz="1000" kern="1200">
-                          <a:solidFill>
-                            <a:schemeClr val="tx1"/>
-                          </a:solidFill>
-                          <a:latin typeface="맑은 고딕" panose="020B0503020000020004" charset="-127"/>
-                          <a:ea typeface="맑은 고딕" panose="020B0503020000020004" charset="-127"/>
-                          <a:sym typeface="+mn-ea"/>
-                        </a:rPr>
-                        <a:t>로부터 읽어</a:t>
-                      </a:r>
-                      <a:r>
-                        <a:rPr altLang="en-US" sz="1000" kern="1200">
-                          <a:solidFill>
-                            <a:schemeClr val="tx1"/>
-                          </a:solidFill>
-                          <a:latin typeface="맑은 고딕" panose="020B0503020000020004" charset="-127"/>
-                          <a:ea typeface="맑은 고딕" panose="020B0503020000020004" charset="-127"/>
-                          <a:sym typeface="+mn-ea"/>
-                        </a:rPr>
-                        <a:t>와 입력</a:t>
-                      </a:r>
-                      <a:endParaRPr lang="ko-KR" altLang="en-US" sz="1000" kern="1200">
+                      <a:endParaRPr lang="en-US" altLang="ko-KR" sz="1000" kern="1200">
                         <a:solidFill>
                           <a:schemeClr val="tx1"/>
                         </a:solidFill>
@@ -11329,7 +11248,7 @@
                         </a:rPr>
                         <a:t>3</a:t>
                       </a:r>
-                      <a:endParaRPr lang="en-US" altLang="ko-KR" sz="1000" b="0" i="0" kern="1200">
+                      <a:endParaRPr lang="ko-KR" altLang="en-US" sz="1000" b="0" i="0" kern="1200">
                         <a:solidFill>
                           <a:schemeClr val="tx1"/>
                         </a:solidFill>
@@ -11414,7 +11333,7 @@
                         </a:rPr>
                         <a:t>R</a:t>
                       </a:r>
-                      <a:endParaRPr lang="en-US" altLang="ko-KR" sz="1000" b="0" i="0" kern="1200">
+                      <a:endParaRPr lang="ko-KR" altLang="en-US" sz="1000" b="0" i="0" kern="1200">
                         <a:solidFill>
                           <a:schemeClr val="tx1"/>
                         </a:solidFill>
@@ -11490,15 +11409,14 @@
                         <a:buNone/>
                       </a:pPr>
                       <a:r>
-                        <a:rPr altLang="en-US" sz="1000" kern="1200">
+                        <a:rPr lang="en-US" altLang="ko-KR" sz="1000" kern="1200">
                           <a:solidFill>
                             <a:schemeClr val="tx1"/>
                           </a:solidFill>
                           <a:latin typeface="맑은 고딕" panose="020B0503020000020004" charset="-127"/>
                           <a:ea typeface="맑은 고딕" panose="020B0503020000020004" charset="-127"/>
-                          <a:sym typeface="+mn-ea"/>
                         </a:rPr>
-                        <a:t>사용자가 선택</a:t>
+                        <a:t>사용자가 선택한 교재의 할인가</a:t>
                       </a:r>
                       <a:r>
                         <a:rPr altLang="en-US" sz="1000" kern="1200">
@@ -11507,9 +11425,8 @@
                           </a:solidFill>
                           <a:latin typeface="맑은 고딕" panose="020B0503020000020004" charset="-127"/>
                           <a:ea typeface="맑은 고딕" panose="020B0503020000020004" charset="-127"/>
-                          <a:sym typeface="+mn-ea"/>
                         </a:rPr>
-                        <a:t>한 교재의 할인가 데이터를 </a:t>
+                        <a:t>가 입력된다</a:t>
                       </a:r>
                       <a:r>
                         <a:rPr lang="en-US" altLang="ko-KR" sz="1000" kern="1200">
@@ -11518,33 +11435,10 @@
                           </a:solidFill>
                           <a:latin typeface="맑은 고딕" panose="020B0503020000020004" charset="-127"/>
                           <a:ea typeface="맑은 고딕" panose="020B0503020000020004" charset="-127"/>
-                          <a:sym typeface="+mn-ea"/>
                         </a:rPr>
-                        <a:t>DB</a:t>
+                        <a:t>.</a:t>
                       </a:r>
-                      <a:r>
-                        <a:rPr altLang="en-US" sz="1000" kern="1200">
-                          <a:solidFill>
-                            <a:schemeClr val="tx1"/>
-                          </a:solidFill>
-                          <a:latin typeface="맑은 고딕" panose="020B0503020000020004" charset="-127"/>
-                          <a:ea typeface="맑은 고딕" panose="020B0503020000020004" charset="-127"/>
-                          <a:sym typeface="+mn-ea"/>
-                        </a:rPr>
-                        <a:t>로부터 읽어</a:t>
-                      </a:r>
-                      <a:r>
-                        <a:rPr altLang="en-US" sz="1000" kern="1200">
-                          <a:solidFill>
-                            <a:schemeClr val="tx1"/>
-                          </a:solidFill>
-                          <a:latin typeface="맑은 고딕" panose="020B0503020000020004" charset="-127"/>
-                          <a:ea typeface="맑은 고딕" panose="020B0503020000020004" charset="-127"/>
-                          <a:sym typeface="+mn-ea"/>
-                        </a:rPr>
-                        <a:t>와 입력</a:t>
-                      </a:r>
-                      <a:endParaRPr lang="ko-KR" altLang="en-US" sz="1000" kern="1200">
+                      <a:endParaRPr lang="en-US" altLang="ko-KR" sz="1000" kern="1200">
                         <a:solidFill>
                           <a:schemeClr val="tx1"/>
                         </a:solidFill>
@@ -11604,7 +11498,7 @@
                   </a:tcPr>
                 </a:tc>
               </a:tr>
-              <a:tr h="609600">
+              <a:tr h="614680">
                 <a:tc>
                   <a:txBody>
                     <a:bodyPr/>
@@ -11633,7 +11527,7 @@
                         </a:rPr>
                         <a:t>4</a:t>
                       </a:r>
-                      <a:endParaRPr lang="en-US" altLang="ko-KR" sz="1000" b="0" i="0" kern="1200">
+                      <a:endParaRPr lang="ko-KR" altLang="en-US" sz="1000" b="0" i="0" kern="1200">
                         <a:solidFill>
                           <a:schemeClr val="tx1"/>
                         </a:solidFill>
@@ -11801,9 +11695,29 @@
                           <a:latin typeface="맑은 고딕" panose="020B0503020000020004" charset="-127"/>
                           <a:ea typeface="맑은 고딕" panose="020B0503020000020004" charset="-127"/>
                         </a:rPr>
-                        <a:t>사용자로부터 입력받은 </a:t>
+                        <a:t>1 </a:t>
                       </a:r>
-                      <a:endParaRPr lang="ko-KR" altLang="en-US" sz="1000" kern="1200">
+                      <a:r>
+                        <a:rPr altLang="en-US" sz="1000" kern="1200">
+                          <a:solidFill>
+                            <a:schemeClr val="tx1"/>
+                          </a:solidFill>
+                          <a:latin typeface="맑은 고딕" panose="020B0503020000020004" charset="-127"/>
+                          <a:ea typeface="맑은 고딕" panose="020B0503020000020004" charset="-127"/>
+                        </a:rPr>
+                        <a:t>사용자가 선택한 교재의 수량이 입력된다</a:t>
+                      </a:r>
+                      <a:r>
+                        <a:rPr lang="en-US" altLang="ko-KR" sz="1000" kern="1200">
+                          <a:solidFill>
+                            <a:schemeClr val="tx1"/>
+                          </a:solidFill>
+                          <a:latin typeface="맑은 고딕" panose="020B0503020000020004" charset="-127"/>
+                          <a:ea typeface="맑은 고딕" panose="020B0503020000020004" charset="-127"/>
+                        </a:rPr>
+                        <a:t>.</a:t>
+                      </a:r>
+                      <a:endParaRPr lang="en-US" altLang="ko-KR" sz="1000" kern="1200">
                         <a:solidFill>
                           <a:schemeClr val="tx1"/>
                         </a:solidFill>
@@ -11833,73 +11747,9 @@
                           <a:latin typeface="맑은 고딕" panose="020B0503020000020004" charset="-127"/>
                           <a:ea typeface="맑은 고딕" panose="020B0503020000020004" charset="-127"/>
                         </a:rPr>
-                        <a:t>교재구매 데이터를 불러오고, </a:t>
+                        <a:t>2 validation</a:t>
                       </a:r>
-                      <a:endParaRPr lang="ko-KR" altLang="en-US" sz="1000" kern="1200">
-                        <a:solidFill>
-                          <a:schemeClr val="tx1"/>
-                        </a:solidFill>
-                        <a:latin typeface="맑은 고딕" panose="020B0503020000020004" charset="-127"/>
-                        <a:ea typeface="맑은 고딕" panose="020B0503020000020004" charset="-127"/>
-                      </a:endParaRPr>
-                    </a:p>
-                    <a:p>
-                      <a:pPr marL="0" indent="0" algn="ctr" defTabSz="914400" eaLnBrk="1" latinLnBrk="1" hangingPunct="1">
-                        <a:lnSpc>
-                          <a:spcPct val="100000"/>
-                        </a:lnSpc>
-                        <a:spcBef>
-                          <a:spcPts val="0"/>
-                        </a:spcBef>
-                        <a:spcAft>
-                          <a:spcPts val="0"/>
-                        </a:spcAft>
-                        <a:buFontTx/>
-                        <a:buNone/>
-                      </a:pPr>
-                      <a:r>
-                        <a:rPr lang="en-US" altLang="ko-KR" sz="1000" kern="1200">
-                          <a:solidFill>
-                            <a:schemeClr val="tx1"/>
-                          </a:solidFill>
-                          <a:latin typeface="맑은 고딕" panose="020B0503020000020004" charset="-127"/>
-                          <a:ea typeface="맑은 고딕" panose="020B0503020000020004" charset="-127"/>
-                        </a:rPr>
-                        <a:t>사용자로부터 교재의 수량을 </a:t>
-                      </a:r>
-                      <a:endParaRPr lang="ko-KR" altLang="en-US" sz="1000" kern="1200">
-                        <a:solidFill>
-                          <a:schemeClr val="tx1"/>
-                        </a:solidFill>
-                        <a:latin typeface="맑은 고딕" panose="020B0503020000020004" charset="-127"/>
-                        <a:ea typeface="맑은 고딕" panose="020B0503020000020004" charset="-127"/>
-                      </a:endParaRPr>
-                    </a:p>
-                    <a:p>
-                      <a:pPr marL="0" indent="0" algn="ctr" defTabSz="914400" eaLnBrk="1" latinLnBrk="1" hangingPunct="1">
-                        <a:lnSpc>
-                          <a:spcPct val="100000"/>
-                        </a:lnSpc>
-                        <a:spcBef>
-                          <a:spcPts val="0"/>
-                        </a:spcBef>
-                        <a:spcAft>
-                          <a:spcPts val="0"/>
-                        </a:spcAft>
-                        <a:buFontTx/>
-                        <a:buNone/>
-                      </a:pPr>
-                      <a:r>
-                        <a:rPr lang="en-US" altLang="ko-KR" sz="1000" kern="1200">
-                          <a:solidFill>
-                            <a:schemeClr val="tx1"/>
-                          </a:solidFill>
-                          <a:latin typeface="맑은 고딕" panose="020B0503020000020004" charset="-127"/>
-                          <a:ea typeface="맑은 고딕" panose="020B0503020000020004" charset="-127"/>
-                        </a:rPr>
-                        <a:t>재입력 / 수정 받음</a:t>
-                      </a:r>
-                      <a:endParaRPr lang="ko-KR" altLang="en-US" sz="1000" kern="1200">
+                      <a:endParaRPr altLang="en-US" sz="1000" kern="1200">
                         <a:solidFill>
                           <a:schemeClr val="tx1"/>
                         </a:solidFill>
@@ -11988,7 +11838,7 @@
                         </a:rPr>
                         <a:t>5</a:t>
                       </a:r>
-                      <a:endParaRPr lang="en-US" altLang="ko-KR" sz="1000" b="0" i="0" kern="1200">
+                      <a:endParaRPr lang="ko-KR" altLang="en-US" sz="1000" b="0" i="0" kern="1200">
                         <a:solidFill>
                           <a:schemeClr val="tx1"/>
                         </a:solidFill>
@@ -12156,29 +12006,9 @@
                           <a:latin typeface="맑은 고딕" panose="020B0503020000020004" charset="-127"/>
                           <a:ea typeface="맑은 고딕" panose="020B0503020000020004" charset="-127"/>
                         </a:rPr>
-                        <a:t>사용자</a:t>
+                        <a:t>사용자가 입력한 교재 수량으로 </a:t>
                       </a:r>
-                      <a:r>
-                        <a:rPr altLang="en-US" sz="1000" kern="1200">
-                          <a:solidFill>
-                            <a:schemeClr val="tx1"/>
-                          </a:solidFill>
-                          <a:latin typeface="맑은 고딕" panose="020B0503020000020004" charset="-127"/>
-                          <a:ea typeface="맑은 고딕" panose="020B0503020000020004" charset="-127"/>
-                        </a:rPr>
-                        <a:t>가 입력한 </a:t>
-                      </a:r>
-                      <a:r>
-                        <a:rPr lang="en-US" altLang="ko-KR" sz="1000" kern="1200">
-                          <a:solidFill>
-                            <a:schemeClr val="tx1"/>
-                          </a:solidFill>
-                          <a:latin typeface="맑은 고딕" panose="020B0503020000020004" charset="-127"/>
-                          <a:ea typeface="맑은 고딕" panose="020B0503020000020004" charset="-127"/>
-                        </a:rPr>
-                        <a:t>교재 수량으로 </a:t>
-                      </a:r>
-                      <a:endParaRPr lang="en-US" altLang="ko-KR" sz="1000" kern="1200">
+                      <a:endParaRPr lang="ko-KR" altLang="en-US" sz="1000" kern="1200">
                         <a:solidFill>
                           <a:schemeClr val="tx1"/>
                         </a:solidFill>
@@ -12208,37 +12038,7 @@
                           <a:latin typeface="맑은 고딕" panose="020B0503020000020004" charset="-127"/>
                           <a:ea typeface="맑은 고딕" panose="020B0503020000020004" charset="-127"/>
                         </a:rPr>
-                        <a:t>수정하여 </a:t>
-                      </a:r>
-                      <a:r>
-                        <a:rPr altLang="en-US" sz="1000" kern="1200">
-                          <a:solidFill>
-                            <a:schemeClr val="tx1"/>
-                          </a:solidFill>
-                          <a:latin typeface="맑은 고딕" panose="020B0503020000020004" charset="-127"/>
-                          <a:ea typeface="맑은 고딕" panose="020B0503020000020004" charset="-127"/>
-                        </a:rPr>
-                        <a:t>합계 입력 및</a:t>
-                      </a:r>
-                      <a:r>
-                        <a:rPr altLang="en-US" sz="1000" kern="1200">
-                          <a:solidFill>
-                            <a:schemeClr val="tx1"/>
-                          </a:solidFill>
-                          <a:latin typeface="맑은 고딕" panose="020B0503020000020004" charset="-127"/>
-                          <a:ea typeface="맑은 고딕" panose="020B0503020000020004" charset="-127"/>
-                        </a:rPr>
-                        <a:t> </a:t>
-                      </a:r>
-                      <a:r>
-                        <a:rPr lang="en-US" altLang="ko-KR" sz="1000" kern="1200">
-                          <a:solidFill>
-                            <a:schemeClr val="tx1"/>
-                          </a:solidFill>
-                          <a:latin typeface="맑은 고딕" panose="020B0503020000020004" charset="-127"/>
-                          <a:ea typeface="맑은 고딕" panose="020B0503020000020004" charset="-127"/>
-                        </a:rPr>
-                        <a:t>DB를 갱신</a:t>
+                        <a:t>수정하여 합계 입력 및 DB를 갱신</a:t>
                       </a:r>
                       <a:endParaRPr lang="ko-KR" altLang="en-US" sz="1000" kern="1200">
                         <a:solidFill>
@@ -12329,7 +12129,7 @@
                         </a:rPr>
                         <a:t>6</a:t>
                       </a:r>
-                      <a:endParaRPr lang="en-US" altLang="ko-KR" sz="1000" b="0" i="0" kern="1200">
+                      <a:endParaRPr lang="ko-KR" altLang="en-US" sz="1000" b="0" i="0" kern="1200">
                         <a:solidFill>
                           <a:schemeClr val="tx1"/>
                         </a:solidFill>
@@ -12414,7 +12214,7 @@
                         </a:rPr>
                         <a:t>RU</a:t>
                       </a:r>
-                      <a:endParaRPr lang="en-US" altLang="ko-KR" sz="1000" b="0" i="0" kern="1200">
+                      <a:endParaRPr lang="ko-KR" altLang="en-US" sz="1000" b="0" i="0" kern="1200">
                         <a:solidFill>
                           <a:schemeClr val="tx1"/>
                         </a:solidFill>
@@ -12490,38 +12290,27 @@
                         <a:buNone/>
                       </a:pPr>
                       <a:r>
-                        <a:rPr lang="ko-KR" altLang="en-US" sz="1000" b="0" i="0" kern="1200">
+                        <a:rPr lang="en-US" altLang="ko-KR" sz="1000" b="0" i="0" kern="1200">
                           <a:solidFill>
                             <a:schemeClr val="tx1"/>
                           </a:solidFill>
                           <a:latin typeface="맑은 고딕" panose="020B0503020000020004" charset="-127"/>
                           <a:ea typeface="맑은 고딕" panose="020B0503020000020004" charset="-127"/>
                         </a:rPr>
-                        <a:t>할인가와</a:t>
+                        <a:t>할인가와 </a:t>
                       </a:r>
                       <a:r>
-                        <a:rPr lang="ko-KR" altLang="en-US" sz="1000" b="0" i="0" kern="1200">
+                        <a:rPr lang="en-US" altLang="ko-KR" sz="1000" kern="1200">
                           <a:solidFill>
                             <a:schemeClr val="tx1"/>
                           </a:solidFill>
                           <a:latin typeface="맑은 고딕" panose="020B0503020000020004" charset="-127"/>
                           <a:ea typeface="맑은 고딕" panose="020B0503020000020004" charset="-127"/>
                         </a:rPr>
-                        <a:t> </a:t>
-                      </a:r>
-                      <a:r>
-                        <a:rPr altLang="en-US" sz="1000" kern="1200">
-                          <a:solidFill>
-                            <a:schemeClr val="tx1"/>
-                          </a:solidFill>
-                          <a:latin typeface="맑은 고딕" panose="020B0503020000020004" charset="-127"/>
-                          <a:ea typeface="맑은 고딕" panose="020B0503020000020004" charset="-127"/>
-                          <a:sym typeface="+mn-ea"/>
-                        </a:rPr>
                         <a:t>수량을 </a:t>
                       </a:r>
                       <a:r>
-                        <a:rPr lang="ko-KR" altLang="en-US" sz="1000" b="0" i="0" kern="1200">
+                        <a:rPr lang="en-US" altLang="ko-KR" sz="1000" b="0" i="0" kern="1200">
                           <a:solidFill>
                             <a:schemeClr val="tx1"/>
                           </a:solidFill>
@@ -12619,7 +12408,7 @@
                         </a:rPr>
                         <a:t>7</a:t>
                       </a:r>
-                      <a:endParaRPr lang="en-US" altLang="ko-KR" sz="1000" b="0" i="0" kern="1200">
+                      <a:endParaRPr lang="ko-KR" altLang="en-US" sz="1000" b="0" i="0" kern="1200">
                         <a:solidFill>
                           <a:schemeClr val="tx1"/>
                         </a:solidFill>
@@ -12787,39 +12576,9 @@
                           <a:latin typeface="맑은 고딕" panose="020B0503020000020004" charset="-127"/>
                           <a:ea typeface="맑은 고딕" panose="020B0503020000020004" charset="-127"/>
                         </a:rPr>
-                        <a:t>교재 목록을 장바구니에서 삭제 </a:t>
+                        <a:t>교재 목록을 장바구니에서 삭제 및 DB갱신</a:t>
                       </a:r>
-                      <a:r>
-                        <a:rPr altLang="en-US" sz="1000" kern="1200">
-                          <a:solidFill>
-                            <a:schemeClr val="tx1"/>
-                          </a:solidFill>
-                          <a:latin typeface="맑은 고딕" panose="020B0503020000020004" charset="-127"/>
-                          <a:ea typeface="맑은 고딕" panose="020B0503020000020004" charset="-127"/>
-                        </a:rPr>
-                        <a:t>및 </a:t>
-                      </a:r>
-                      <a:r>
-                        <a:rPr lang="en-US" altLang="ko-KR" sz="1000" kern="1200">
-                          <a:solidFill>
-                            <a:schemeClr val="tx1"/>
-                          </a:solidFill>
-                          <a:latin typeface="맑은 고딕" panose="020B0503020000020004" charset="-127"/>
-                          <a:ea typeface="맑은 고딕" panose="020B0503020000020004" charset="-127"/>
-                        </a:rPr>
-                        <a:t>DB</a:t>
-                      </a:r>
-                      <a:r>
-                        <a:rPr altLang="en-US" sz="1000" kern="1200">
-                          <a:solidFill>
-                            <a:schemeClr val="tx1"/>
-                          </a:solidFill>
-                          <a:latin typeface="맑은 고딕" panose="020B0503020000020004" charset="-127"/>
-                          <a:ea typeface="맑은 고딕" panose="020B0503020000020004" charset="-127"/>
-                        </a:rPr>
-                        <a:t>갱신</a:t>
-                      </a:r>
-                      <a:endParaRPr altLang="en-US" sz="1000" kern="1200">
+                      <a:endParaRPr lang="ko-KR" altLang="en-US" sz="1000" kern="1200">
                         <a:solidFill>
                           <a:schemeClr val="tx1"/>
                         </a:solidFill>
@@ -12908,7 +12667,7 @@
                         </a:rPr>
                         <a:t>8</a:t>
                       </a:r>
-                      <a:endParaRPr lang="en-US" altLang="ko-KR" sz="1000" b="0" i="0" kern="1200">
+                      <a:endParaRPr lang="ko-KR" altLang="en-US" sz="1000" b="0" i="0" kern="1200">
                         <a:solidFill>
                           <a:schemeClr val="tx1"/>
                         </a:solidFill>
@@ -13199,7 +12958,7 @@
                         </a:rPr>
                         <a:t>9</a:t>
                       </a:r>
-                      <a:endParaRPr lang="en-US" altLang="ko-KR" sz="1000" b="0" i="0" kern="1200">
+                      <a:endParaRPr lang="ko-KR" altLang="en-US" sz="1000" b="0" i="0" kern="1200">
                         <a:solidFill>
                           <a:schemeClr val="tx1"/>
                         </a:solidFill>
@@ -13356,7 +13115,6 @@
                           </a:solidFill>
                           <a:latin typeface="맑은 고딕" panose="020B0503020000020004" charset="-127"/>
                           <a:ea typeface="맑은 고딕" panose="020B0503020000020004" charset="-127"/>
-                          <a:sym typeface="+mn-ea"/>
                         </a:rPr>
                         <a:t>이전단계 교재구매 페이지로 이동</a:t>
                       </a:r>
@@ -13449,7 +13207,7 @@
                         </a:rPr>
                         <a:t>10</a:t>
                       </a:r>
-                      <a:endParaRPr lang="en-US" altLang="ko-KR" sz="1000" b="0" i="0" kern="1200">
+                      <a:endParaRPr lang="ko-KR" altLang="en-US" sz="1000" b="0" i="0" kern="1200">
                         <a:solidFill>
                           <a:schemeClr val="tx1"/>
                         </a:solidFill>
@@ -13534,7 +13292,7 @@
                         </a:rPr>
                         <a:t>R</a:t>
                       </a:r>
-                      <a:endParaRPr lang="en-US" altLang="ko-KR" sz="1000" b="0" i="0" kern="1200">
+                      <a:endParaRPr lang="ko-KR" altLang="en-US" sz="1000" b="0" i="0" kern="1200">
                         <a:solidFill>
                           <a:schemeClr val="tx1"/>
                         </a:solidFill>
@@ -13610,26 +13368,16 @@
                         <a:buNone/>
                       </a:pPr>
                       <a:r>
-                        <a:rPr altLang="en-US" sz="1000" b="0" i="0" kern="1200">
+                        <a:rPr lang="en-US" altLang="ko-KR" sz="1000" b="0" i="0" kern="1200">
                           <a:solidFill>
                             <a:schemeClr val="tx1"/>
                           </a:solidFill>
                           <a:latin typeface="맑은 고딕" panose="020B0503020000020004" charset="-127"/>
                           <a:ea typeface="맑은 고딕" panose="020B0503020000020004" charset="-127"/>
                         </a:rPr>
-                        <a:t>현재 페이지의 위치</a:t>
+                        <a:t>현재 페이지의 위치를 표시</a:t>
                       </a:r>
-                      <a:r>
-                        <a:rPr altLang="en-US" sz="1000" b="0" i="0" kern="1200">
-                          <a:solidFill>
-                            <a:schemeClr val="tx1"/>
-                          </a:solidFill>
-                          <a:latin typeface="맑은 고딕" panose="020B0503020000020004" charset="-127"/>
-                          <a:ea typeface="맑은 고딕" panose="020B0503020000020004" charset="-127"/>
-                        </a:rPr>
-                        <a:t>를 표시</a:t>
-                      </a:r>
-                      <a:endParaRPr altLang="en-US" sz="1000" b="0" i="0" kern="1200">
+                      <a:endParaRPr lang="ko-KR" altLang="en-US" sz="1000" b="0" i="0" kern="1200">
                         <a:solidFill>
                           <a:schemeClr val="tx1"/>
                         </a:solidFill>
@@ -13708,7 +13456,7 @@
                         <a:buFontTx/>
                         <a:buNone/>
                       </a:pPr>
-                      <a:endParaRPr lang="en-US" altLang="ko-KR" sz="1000" b="0" i="0" kern="1200">
+                      <a:endParaRPr lang="ko-KR" altLang="en-US" sz="1000" b="0" i="0" kern="1200">
                         <a:solidFill>
                           <a:schemeClr val="tx1"/>
                         </a:solidFill>
@@ -13924,20 +13672,14 @@
       </p:graphicFrame>
       <p:pic>
         <p:nvPicPr>
-          <p:cNvPr id="15" name="그림 14" descr="C:/Users/KOSMO-08/AppData/Roaming/PolarisOffice/ETemp/11312_17366784/fImage27018959491.png"/>
+          <p:cNvPr id="15" name="그림 14" descr="C:/Users/KOSMO-08/AppData/Roaming/PolarisOffice/ETemp/12752_7558552/fImage270182975705.png"/>
           <p:cNvPicPr>
             <a:picLocks noChangeAspect="1"/>
           </p:cNvPicPr>
           <p:nvPr/>
         </p:nvPicPr>
         <p:blipFill rotWithShape="1">
-          <a:blip r:embed="rId1" cstate="print">
-            <a:extLst>
-              <a:ext uri="{28A0092B-C50C-407E-A947-70E740481C1C}">
-                <a14:useLocalDpi xmlns:a14="http://schemas.microsoft.com/office/drawing/2010/main" val="0"/>
-              </a:ext>
-            </a:extLst>
-          </a:blip>
+          <a:blip r:embed="rId1" cstate="hqprint"/>
           <a:srcRect/>
           <a:stretch>
             <a:fillRect/>
@@ -13946,7 +13688,7 @@
         <p:spPr>
           <a:xfrm>
             <a:off x="211455" y="1634490"/>
-            <a:ext cx="8855710" cy="3707765"/>
+            <a:ext cx="8856345" cy="3708400"/>
           </a:xfrm>
           <a:prstGeom prst="rect">
             <a:avLst/>
@@ -13963,9 +13705,9 @@
         <p:grpSpPr>
           <a:xfrm rot="0">
             <a:off x="4343400" y="3289300"/>
-            <a:ext cx="239395" cy="260350"/>
-            <a:chOff x="4343400" y="3298825"/>
-            <a:chExt cx="239395" cy="260350"/>
+            <a:ext cx="240030" cy="260985"/>
+            <a:chOff x="4343400" y="3289300"/>
+            <a:chExt cx="240030" cy="260985"/>
           </a:xfrm>
         </p:grpSpPr>
         <p:sp>
@@ -13976,8 +13718,8 @@
           </p:nvSpPr>
           <p:spPr>
             <a:xfrm>
-              <a:off x="4373245" y="3333750"/>
-              <a:ext cx="209550" cy="209550"/>
+              <a:off x="4373245" y="3324225"/>
+              <a:ext cx="210185" cy="210185"/>
             </a:xfrm>
             <a:prstGeom prst="ellipse">
               <a:avLst/>
@@ -14037,8 +13779,8 @@
           </p:nvSpPr>
           <p:spPr>
             <a:xfrm>
-              <a:off x="4343400" y="3298825"/>
-              <a:ext cx="220345" cy="260350"/>
+              <a:off x="4343400" y="3289300"/>
+              <a:ext cx="220980" cy="260985"/>
             </a:xfrm>
             <a:prstGeom prst="rect">
               <a:avLst/>
@@ -14074,7 +13816,7 @@
                 </a:rPr>
                 <a:t>4</a:t>
               </a:r>
-              <a:endParaRPr lang="en-US" altLang="ko-KR" sz="1100" b="1">
+              <a:endParaRPr lang="ko-KR" altLang="en-US" sz="1100" b="1">
                 <a:solidFill>
                   <a:schemeClr val="bg1"/>
                 </a:solidFill>
@@ -14094,9 +13836,9 @@
         <p:grpSpPr>
           <a:xfrm rot="0">
             <a:off x="5524500" y="3282315"/>
-            <a:ext cx="239395" cy="260350"/>
+            <a:ext cx="240030" cy="260985"/>
             <a:chOff x="5524500" y="3282315"/>
-            <a:chExt cx="239395" cy="260350"/>
+            <a:chExt cx="240030" cy="260985"/>
           </a:xfrm>
         </p:grpSpPr>
         <p:sp>
@@ -14108,7 +13850,7 @@
           <p:spPr>
             <a:xfrm>
               <a:off x="5554345" y="3317240"/>
-              <a:ext cx="209550" cy="209550"/>
+              <a:ext cx="210185" cy="210185"/>
             </a:xfrm>
             <a:prstGeom prst="ellipse">
               <a:avLst/>
@@ -14169,7 +13911,7 @@
           <p:spPr>
             <a:xfrm>
               <a:off x="5524500" y="3282315"/>
-              <a:ext cx="220345" cy="260350"/>
+              <a:ext cx="220980" cy="260985"/>
             </a:xfrm>
             <a:prstGeom prst="rect">
               <a:avLst/>
@@ -14205,7 +13947,7 @@
                 </a:rPr>
                 <a:t>5</a:t>
               </a:r>
-              <a:endParaRPr lang="en-US" altLang="ko-KR" sz="1100" b="1">
+              <a:endParaRPr lang="ko-KR" altLang="en-US" sz="1100" b="1">
                 <a:solidFill>
                   <a:schemeClr val="bg1"/>
                 </a:solidFill>
@@ -14225,9 +13967,9 @@
         <p:grpSpPr>
           <a:xfrm rot="0">
             <a:off x="6240145" y="3282315"/>
-            <a:ext cx="239395" cy="260350"/>
-            <a:chOff x="7352665" y="3282315"/>
-            <a:chExt cx="239395" cy="260350"/>
+            <a:ext cx="240030" cy="260985"/>
+            <a:chOff x="6240145" y="3282315"/>
+            <a:chExt cx="240030" cy="260985"/>
           </a:xfrm>
         </p:grpSpPr>
         <p:sp>
@@ -14238,8 +13980,8 @@
           </p:nvSpPr>
           <p:spPr>
             <a:xfrm>
-              <a:off x="7382510" y="3317240"/>
-              <a:ext cx="209550" cy="209550"/>
+              <a:off x="6269990" y="3317240"/>
+              <a:ext cx="210185" cy="210185"/>
             </a:xfrm>
             <a:prstGeom prst="ellipse">
               <a:avLst/>
@@ -14299,8 +14041,8 @@
           </p:nvSpPr>
           <p:spPr>
             <a:xfrm>
-              <a:off x="7352665" y="3282315"/>
-              <a:ext cx="220345" cy="260350"/>
+              <a:off x="6240145" y="3282315"/>
+              <a:ext cx="220980" cy="260985"/>
             </a:xfrm>
             <a:prstGeom prst="rect">
               <a:avLst/>
@@ -14336,7 +14078,7 @@
                 </a:rPr>
                 <a:t>6</a:t>
               </a:r>
-              <a:endParaRPr lang="en-US" altLang="ko-KR" sz="1100" b="1">
+              <a:endParaRPr lang="ko-KR" altLang="en-US" sz="1100" b="1">
                 <a:solidFill>
                   <a:schemeClr val="bg1"/>
                 </a:solidFill>
@@ -14356,9 +14098,9 @@
         <p:grpSpPr>
           <a:xfrm rot="0">
             <a:off x="3289300" y="4148455"/>
-            <a:ext cx="239395" cy="260350"/>
+            <a:ext cx="240030" cy="260985"/>
             <a:chOff x="3289300" y="4148455"/>
-            <a:chExt cx="239395" cy="260350"/>
+            <a:chExt cx="240030" cy="260985"/>
           </a:xfrm>
         </p:grpSpPr>
         <p:sp>
@@ -14370,7 +14112,7 @@
           <p:spPr>
             <a:xfrm>
               <a:off x="3319145" y="4183380"/>
-              <a:ext cx="209550" cy="209550"/>
+              <a:ext cx="210185" cy="210185"/>
             </a:xfrm>
             <a:prstGeom prst="ellipse">
               <a:avLst/>
@@ -14431,7 +14173,7 @@
           <p:spPr>
             <a:xfrm>
               <a:off x="3289300" y="4148455"/>
-              <a:ext cx="220345" cy="260350"/>
+              <a:ext cx="220980" cy="260985"/>
             </a:xfrm>
             <a:prstGeom prst="rect">
               <a:avLst/>
@@ -14467,7 +14209,7 @@
                 </a:rPr>
                 <a:t>8</a:t>
               </a:r>
-              <a:endParaRPr lang="en-US" altLang="ko-KR" sz="1100" b="1">
+              <a:endParaRPr lang="ko-KR" altLang="en-US" sz="1100" b="1">
                 <a:solidFill>
                   <a:schemeClr val="bg1"/>
                 </a:solidFill>
@@ -14487,9 +14229,9 @@
         <p:grpSpPr>
           <a:xfrm rot="0">
             <a:off x="4474845" y="4141470"/>
-            <a:ext cx="239395" cy="260350"/>
-            <a:chOff x="5455920" y="4131945"/>
-            <a:chExt cx="239395" cy="260350"/>
+            <a:ext cx="240030" cy="260985"/>
+            <a:chOff x="4474845" y="4141470"/>
+            <a:chExt cx="240030" cy="260985"/>
           </a:xfrm>
         </p:grpSpPr>
         <p:sp>
@@ -14500,8 +14242,8 @@
           </p:nvSpPr>
           <p:spPr>
             <a:xfrm>
-              <a:off x="5485765" y="4166870"/>
-              <a:ext cx="209550" cy="209550"/>
+              <a:off x="4504690" y="4176395"/>
+              <a:ext cx="210185" cy="210185"/>
             </a:xfrm>
             <a:prstGeom prst="ellipse">
               <a:avLst/>
@@ -14561,8 +14303,8 @@
           </p:nvSpPr>
           <p:spPr>
             <a:xfrm>
-              <a:off x="5455920" y="4131945"/>
-              <a:ext cx="220345" cy="260350"/>
+              <a:off x="4474845" y="4141470"/>
+              <a:ext cx="220980" cy="260985"/>
             </a:xfrm>
             <a:prstGeom prst="rect">
               <a:avLst/>
@@ -14598,7 +14340,7 @@
                 </a:rPr>
                 <a:t>9</a:t>
               </a:r>
-              <a:endParaRPr lang="en-US" altLang="ko-KR" sz="1100" b="1">
+              <a:endParaRPr lang="ko-KR" altLang="en-US" sz="1100" b="1">
                 <a:solidFill>
                   <a:schemeClr val="bg1"/>
                 </a:solidFill>
@@ -14618,9 +14360,9 @@
         <p:grpSpPr>
           <a:xfrm rot="0">
             <a:off x="7014845" y="3285490"/>
-            <a:ext cx="239395" cy="260350"/>
-            <a:chOff x="5315585" y="2279015"/>
-            <a:chExt cx="239395" cy="260350"/>
+            <a:ext cx="240030" cy="260985"/>
+            <a:chOff x="7014845" y="3285490"/>
+            <a:chExt cx="240030" cy="260985"/>
           </a:xfrm>
         </p:grpSpPr>
         <p:sp>
@@ -14631,8 +14373,8 @@
           </p:nvSpPr>
           <p:spPr>
             <a:xfrm>
-              <a:off x="5345430" y="2313940"/>
-              <a:ext cx="209550" cy="209550"/>
+              <a:off x="7044690" y="3320415"/>
+              <a:ext cx="210185" cy="210185"/>
             </a:xfrm>
             <a:prstGeom prst="ellipse">
               <a:avLst/>
@@ -14692,8 +14434,8 @@
           </p:nvSpPr>
           <p:spPr>
             <a:xfrm>
-              <a:off x="5315585" y="2279015"/>
-              <a:ext cx="220345" cy="260350"/>
+              <a:off x="7014845" y="3285490"/>
+              <a:ext cx="220980" cy="260985"/>
             </a:xfrm>
             <a:prstGeom prst="rect">
               <a:avLst/>
@@ -14729,7 +14471,7 @@
                 </a:rPr>
                 <a:t>7</a:t>
               </a:r>
-              <a:endParaRPr lang="en-US" altLang="ko-KR" sz="1100" b="1">
+              <a:endParaRPr lang="ko-KR" altLang="en-US" sz="1100" b="1">
                 <a:solidFill>
                   <a:schemeClr val="bg1"/>
                 </a:solidFill>
@@ -14742,7 +14484,7 @@
       </p:grpSp>
       <p:graphicFrame>
         <p:nvGraphicFramePr>
-          <p:cNvPr id="7" name="표 1"/>
+          <p:cNvPr id="7" name="표 6"/>
           <p:cNvGraphicFramePr>
             <a:graphicFrameLocks noGrp="1"/>
           </p:cNvGraphicFramePr>
@@ -14768,6 +14510,7 @@
                 <a:tc>
                   <a:txBody>
                     <a:bodyPr/>
+                    <a:lstStyle/>
                     <a:p>
                       <a:pPr marL="0" indent="0" algn="ctr" defTabSz="914400" eaLnBrk="1" latinLnBrk="1" hangingPunct="1">
                         <a:lnSpc>
@@ -14857,6 +14600,7 @@
                 <a:tc>
                   <a:txBody>
                     <a:bodyPr/>
+                    <a:lstStyle/>
                     <a:p>
                       <a:pPr marL="0" indent="0" algn="ctr" defTabSz="914400" eaLnBrk="1" latinLnBrk="1" hangingPunct="1">
                         <a:lnSpc>
@@ -14946,6 +14690,7 @@
                 <a:tc>
                   <a:txBody>
                     <a:bodyPr/>
+                    <a:lstStyle/>
                     <a:p>
                       <a:pPr marL="0" indent="0" algn="ctr" defTabSz="914400" eaLnBrk="1" latinLnBrk="1" hangingPunct="1">
                         <a:lnSpc>
@@ -15035,6 +14780,7 @@
                 <a:tc>
                   <a:txBody>
                     <a:bodyPr/>
+                    <a:lstStyle/>
                     <a:p>
                       <a:pPr marL="0" indent="0" algn="ctr" defTabSz="914400" eaLnBrk="1" latinLnBrk="1" hangingPunct="1">
                         <a:lnSpc>
@@ -15126,6 +14872,7 @@
                 <a:tc>
                   <a:txBody>
                     <a:bodyPr/>
+                    <a:lstStyle/>
                     <a:p>
                       <a:pPr marL="0" indent="0" algn="ctr" defTabSz="914400" eaLnBrk="1" latinLnBrk="1" hangingPunct="1">
                         <a:lnSpc>
@@ -15141,17 +14888,16 @@
                         <a:buNone/>
                       </a:pPr>
                       <a:r>
-                        <a:rPr lang="en-US" altLang="ko-KR" sz="1000" b="0">
+                        <a:rPr lang="en-US" altLang="ko-KR" sz="1000" b="0" kern="1200">
                           <a:solidFill>
                             <a:schemeClr val="tx1"/>
                           </a:solidFill>
                           <a:latin typeface="맑은 고딕" panose="020B0503020000020004" charset="-127"/>
                           <a:ea typeface="맑은 고딕" panose="020B0503020000020004" charset="-127"/>
-                          <a:sym typeface="+mn-ea"/>
                         </a:rPr>
                         <a:t>F-BP-BC</a:t>
                       </a:r>
-                      <a:endParaRPr lang="ko-KR" altLang="en-US" sz="1000" b="0" i="0" kern="1200">
+                      <a:endParaRPr lang="ko-KR" altLang="en-US" sz="1000" b="0" kern="1200">
                         <a:solidFill>
                           <a:schemeClr val="tx1"/>
                         </a:solidFill>
@@ -15213,6 +14959,7 @@
                 <a:tc>
                   <a:txBody>
                     <a:bodyPr/>
+                    <a:lstStyle/>
                     <a:p>
                       <a:pPr marL="0" indent="0" algn="ctr" defTabSz="914400" eaLnBrk="1" latinLnBrk="1" hangingPunct="1">
                         <a:lnSpc>
@@ -15299,6 +15046,7 @@
                 <a:tc>
                   <a:txBody>
                     <a:bodyPr/>
+                    <a:lstStyle/>
                     <a:p>
                       <a:pPr marL="0" indent="0" algn="ctr" defTabSz="914400" eaLnBrk="1" latinLnBrk="1" hangingPunct="1">
                         <a:lnSpc>
@@ -15313,16 +15061,6 @@
                         <a:buFontTx/>
                         <a:buNone/>
                       </a:pPr>
-                      <a:r>
-                        <a:rPr lang="ko-KR" altLang="en-US" sz="1000" b="0" i="0" kern="1200">
-                          <a:solidFill>
-                            <a:schemeClr val="tx1"/>
-                          </a:solidFill>
-                          <a:latin typeface="맑은 고딕" panose="020B0503020000020004" charset="-127"/>
-                          <a:ea typeface="맑은 고딕" panose="020B0503020000020004" charset="-127"/>
-                        </a:rPr>
-                        <a:t>교재구매 </a:t>
-                      </a:r>
                       <a:r>
                         <a:rPr lang="en-US" altLang="ko-KR" sz="1000" b="0" i="0" kern="1200">
                           <a:solidFill>
@@ -15331,17 +15069,7 @@
                           <a:latin typeface="맑은 고딕" panose="020B0503020000020004" charset="-127"/>
                           <a:ea typeface="맑은 고딕" panose="020B0503020000020004" charset="-127"/>
                         </a:rPr>
-                        <a:t>&gt; </a:t>
-                      </a:r>
-                      <a:r>
-                        <a:rPr lang="ko-KR" altLang="en-US" sz="1000" b="0" i="0" kern="1200">
-                          <a:solidFill>
-                            <a:schemeClr val="tx1"/>
-                          </a:solidFill>
-                          <a:latin typeface="맑은 고딕" panose="020B0503020000020004" charset="-127"/>
-                          <a:ea typeface="맑은 고딕" panose="020B0503020000020004" charset="-127"/>
-                        </a:rPr>
-                        <a:t>장바구니</a:t>
+                        <a:t>교재구매 &gt; 장바구니</a:t>
                       </a:r>
                       <a:endParaRPr lang="ko-KR" altLang="en-US" sz="1000" b="0" i="0" kern="1200">
                         <a:solidFill>
@@ -15405,6 +15133,7 @@
                 <a:tc>
                   <a:txBody>
                     <a:bodyPr/>
+                    <a:lstStyle/>
                     <a:p>
                       <a:pPr marL="0" indent="0" algn="ctr" defTabSz="914400" eaLnBrk="1" latinLnBrk="1" hangingPunct="1">
                         <a:lnSpc>
@@ -15420,7 +15149,7 @@
                         <a:buNone/>
                       </a:pPr>
                       <a:r>
-                        <a:rPr lang="ko-KR" altLang="en-US" sz="1000" b="0" i="0" kern="1200">
+                        <a:rPr lang="en-US" altLang="ko-KR" sz="1000" b="0" i="0" kern="1200">
                           <a:solidFill>
                             <a:schemeClr val="tx1"/>
                           </a:solidFill>
@@ -15495,28 +15224,28 @@
       </p:graphicFrame>
       <p:grpSp>
         <p:nvGrpSpPr>
-          <p:cNvPr id="2" name="그룹 19"/>
+          <p:cNvPr id="2" name="그룹 1"/>
           <p:cNvGrpSpPr/>
           <p:nvPr/>
         </p:nvGrpSpPr>
         <p:grpSpPr>
           <a:xfrm rot="0">
             <a:off x="1347470" y="3285490"/>
-            <a:ext cx="239395" cy="260350"/>
-            <a:chOff x="4343400" y="3298825"/>
-            <a:chExt cx="239395" cy="260350"/>
+            <a:ext cx="240030" cy="260985"/>
+            <a:chOff x="1347470" y="3285490"/>
+            <a:chExt cx="240030" cy="260985"/>
           </a:xfrm>
         </p:grpSpPr>
         <p:sp>
           <p:nvSpPr>
-            <p:cNvPr id="5" name="도형 15"/>
+            <p:cNvPr id="5" name="도형 4"/>
             <p:cNvSpPr/>
             <p:nvPr/>
           </p:nvSpPr>
           <p:spPr>
             <a:xfrm>
-              <a:off x="4373245" y="3333750"/>
-              <a:ext cx="209550" cy="209550"/>
+              <a:off x="1377315" y="3320415"/>
+              <a:ext cx="210185" cy="210185"/>
             </a:xfrm>
             <a:prstGeom prst="ellipse">
               <a:avLst/>
@@ -15543,6 +15272,7 @@
             <a:bodyPr vert="horz" wrap="square" lIns="91440" tIns="45720" rIns="91440" bIns="45720" anchor="ctr">
               <a:noAutofit/>
             </a:bodyPr>
+            <a:lstStyle/>
             <a:p>
               <a:pPr marL="0" indent="0" algn="ctr" defTabSz="914400" eaLnBrk="1" latinLnBrk="1" hangingPunct="1">
                 <a:lnSpc>
@@ -15569,14 +15299,14 @@
         </p:sp>
         <p:sp>
           <p:nvSpPr>
-            <p:cNvPr id="6" name="텍스트 상자 16"/>
+            <p:cNvPr id="6" name="텍스트 상자 5"/>
             <p:cNvSpPr txBox="1"/>
             <p:nvPr/>
           </p:nvSpPr>
           <p:spPr>
             <a:xfrm>
-              <a:off x="4343400" y="3298825"/>
-              <a:ext cx="220345" cy="260350"/>
+              <a:off x="1347470" y="3285490"/>
+              <a:ext cx="220980" cy="260985"/>
             </a:xfrm>
             <a:prstGeom prst="rect">
               <a:avLst/>
@@ -15587,6 +15317,7 @@
             <a:bodyPr vert="horz" wrap="square" lIns="91440" tIns="45720" rIns="91440" bIns="45720" anchor="t">
               <a:spAutoFit/>
             </a:bodyPr>
+            <a:lstStyle/>
             <a:p>
               <a:pPr marL="0" indent="0" algn="l" defTabSz="914400" eaLnBrk="1" latinLnBrk="1" hangingPunct="1">
                 <a:lnSpc>
@@ -15611,7 +15342,7 @@
                 </a:rPr>
                 <a:t>1</a:t>
               </a:r>
-              <a:endParaRPr lang="en-US" altLang="ko-KR" sz="1100" b="1">
+              <a:endParaRPr lang="ko-KR" altLang="en-US" sz="1100" b="1">
                 <a:solidFill>
                   <a:schemeClr val="bg1"/>
                 </a:solidFill>
@@ -15624,28 +15355,28 @@
       </p:grpSp>
       <p:grpSp>
         <p:nvGrpSpPr>
-          <p:cNvPr id="8" name="그룹 19"/>
+          <p:cNvPr id="8" name="그룹 7"/>
           <p:cNvGrpSpPr/>
           <p:nvPr/>
         </p:nvGrpSpPr>
         <p:grpSpPr>
           <a:xfrm rot="0">
             <a:off x="2480310" y="3288665"/>
-            <a:ext cx="239395" cy="260350"/>
-            <a:chOff x="4343400" y="3298825"/>
-            <a:chExt cx="239395" cy="260350"/>
+            <a:ext cx="240030" cy="260985"/>
+            <a:chOff x="2480310" y="3288665"/>
+            <a:chExt cx="240030" cy="260985"/>
           </a:xfrm>
         </p:grpSpPr>
         <p:sp>
           <p:nvSpPr>
-            <p:cNvPr id="9" name="도형 15"/>
+            <p:cNvPr id="9" name="도형 8"/>
             <p:cNvSpPr/>
             <p:nvPr/>
           </p:nvSpPr>
           <p:spPr>
             <a:xfrm>
-              <a:off x="4373245" y="3333750"/>
-              <a:ext cx="209550" cy="209550"/>
+              <a:off x="2510155" y="3323590"/>
+              <a:ext cx="210185" cy="210185"/>
             </a:xfrm>
             <a:prstGeom prst="ellipse">
               <a:avLst/>
@@ -15672,6 +15403,7 @@
             <a:bodyPr vert="horz" wrap="square" lIns="91440" tIns="45720" rIns="91440" bIns="45720" anchor="ctr">
               <a:noAutofit/>
             </a:bodyPr>
+            <a:lstStyle/>
             <a:p>
               <a:pPr marL="0" indent="0" algn="ctr" defTabSz="914400" eaLnBrk="1" latinLnBrk="1" hangingPunct="1">
                 <a:lnSpc>
@@ -15698,14 +15430,14 @@
         </p:sp>
         <p:sp>
           <p:nvSpPr>
-            <p:cNvPr id="10" name="텍스트 상자 16"/>
+            <p:cNvPr id="10" name="텍스트 상자 9"/>
             <p:cNvSpPr txBox="1"/>
             <p:nvPr/>
           </p:nvSpPr>
           <p:spPr>
             <a:xfrm>
-              <a:off x="4343400" y="3298825"/>
-              <a:ext cx="220345" cy="260350"/>
+              <a:off x="2480310" y="3288665"/>
+              <a:ext cx="220980" cy="260985"/>
             </a:xfrm>
             <a:prstGeom prst="rect">
               <a:avLst/>
@@ -15716,6 +15448,7 @@
             <a:bodyPr vert="horz" wrap="square" lIns="91440" tIns="45720" rIns="91440" bIns="45720" anchor="t">
               <a:spAutoFit/>
             </a:bodyPr>
+            <a:lstStyle/>
             <a:p>
               <a:pPr marL="0" indent="0" algn="l" defTabSz="914400" eaLnBrk="1" latinLnBrk="1" hangingPunct="1">
                 <a:lnSpc>
@@ -15740,7 +15473,7 @@
                 </a:rPr>
                 <a:t>2</a:t>
               </a:r>
-              <a:endParaRPr lang="en-US" altLang="ko-KR" sz="1100" b="1">
+              <a:endParaRPr lang="ko-KR" altLang="en-US" sz="1100" b="1">
                 <a:solidFill>
                   <a:schemeClr val="bg1"/>
                 </a:solidFill>
@@ -15753,28 +15486,28 @@
       </p:grpSp>
       <p:grpSp>
         <p:nvGrpSpPr>
-          <p:cNvPr id="11" name="그룹 19"/>
+          <p:cNvPr id="11" name="그룹 10"/>
           <p:cNvGrpSpPr/>
           <p:nvPr/>
         </p:nvGrpSpPr>
         <p:grpSpPr>
           <a:xfrm rot="0">
             <a:off x="3589020" y="3288665"/>
-            <a:ext cx="239395" cy="260350"/>
-            <a:chOff x="4343400" y="3298825"/>
-            <a:chExt cx="239395" cy="260350"/>
+            <a:ext cx="240030" cy="260985"/>
+            <a:chOff x="3589020" y="3288665"/>
+            <a:chExt cx="240030" cy="260985"/>
           </a:xfrm>
         </p:grpSpPr>
         <p:sp>
           <p:nvSpPr>
-            <p:cNvPr id="12" name="도형 15"/>
+            <p:cNvPr id="12" name="도형 11"/>
             <p:cNvSpPr/>
             <p:nvPr/>
           </p:nvSpPr>
           <p:spPr>
             <a:xfrm>
-              <a:off x="4373245" y="3333750"/>
-              <a:ext cx="209550" cy="209550"/>
+              <a:off x="3618865" y="3323590"/>
+              <a:ext cx="210185" cy="210185"/>
             </a:xfrm>
             <a:prstGeom prst="ellipse">
               <a:avLst/>
@@ -15801,6 +15534,7 @@
             <a:bodyPr vert="horz" wrap="square" lIns="91440" tIns="45720" rIns="91440" bIns="45720" anchor="ctr">
               <a:noAutofit/>
             </a:bodyPr>
+            <a:lstStyle/>
             <a:p>
               <a:pPr marL="0" indent="0" algn="ctr" defTabSz="914400" eaLnBrk="1" latinLnBrk="1" hangingPunct="1">
                 <a:lnSpc>
@@ -15827,14 +15561,14 @@
         </p:sp>
         <p:sp>
           <p:nvSpPr>
-            <p:cNvPr id="13" name="텍스트 상자 16"/>
+            <p:cNvPr id="13" name="텍스트 상자 12"/>
             <p:cNvSpPr txBox="1"/>
             <p:nvPr/>
           </p:nvSpPr>
           <p:spPr>
             <a:xfrm>
-              <a:off x="4343400" y="3298825"/>
-              <a:ext cx="220345" cy="260350"/>
+              <a:off x="3589020" y="3288665"/>
+              <a:ext cx="220980" cy="260985"/>
             </a:xfrm>
             <a:prstGeom prst="rect">
               <a:avLst/>
@@ -15845,6 +15579,7 @@
             <a:bodyPr vert="horz" wrap="square" lIns="91440" tIns="45720" rIns="91440" bIns="45720" anchor="t">
               <a:spAutoFit/>
             </a:bodyPr>
+            <a:lstStyle/>
             <a:p>
               <a:pPr marL="0" indent="0" algn="l" defTabSz="914400" eaLnBrk="1" latinLnBrk="1" hangingPunct="1">
                 <a:lnSpc>
@@ -15869,7 +15604,7 @@
                 </a:rPr>
                 <a:t>3</a:t>
               </a:r>
-              <a:endParaRPr lang="en-US" altLang="ko-KR" sz="1100" b="1">
+              <a:endParaRPr lang="ko-KR" altLang="en-US" sz="1100" b="1">
                 <a:solidFill>
                   <a:schemeClr val="bg1"/>
                 </a:solidFill>
@@ -15882,28 +15617,28 @@
       </p:grpSp>
       <p:grpSp>
         <p:nvGrpSpPr>
-          <p:cNvPr id="14" name="그룹 29"/>
+          <p:cNvPr id="14" name="그룹 13"/>
           <p:cNvGrpSpPr/>
           <p:nvPr/>
         </p:nvGrpSpPr>
         <p:grpSpPr>
           <a:xfrm rot="0">
             <a:off x="4832985" y="2380615"/>
-            <a:ext cx="401955" cy="275590"/>
-            <a:chOff x="5408295" y="4131945"/>
-            <a:chExt cx="401955" cy="275590"/>
+            <a:ext cx="402590" cy="276225"/>
+            <a:chOff x="4832985" y="2380615"/>
+            <a:chExt cx="402590" cy="276225"/>
           </a:xfrm>
         </p:grpSpPr>
         <p:sp>
           <p:nvSpPr>
-            <p:cNvPr id="34" name="도형 24"/>
+            <p:cNvPr id="34" name="도형 33"/>
             <p:cNvSpPr/>
             <p:nvPr/>
           </p:nvSpPr>
           <p:spPr>
             <a:xfrm>
-              <a:off x="5485765" y="4166870"/>
-              <a:ext cx="209550" cy="209550"/>
+              <a:off x="4910455" y="2415540"/>
+              <a:ext cx="210185" cy="210185"/>
             </a:xfrm>
             <a:prstGeom prst="ellipse">
               <a:avLst/>
@@ -15930,6 +15665,7 @@
             <a:bodyPr vert="horz" wrap="square" lIns="91440" tIns="45720" rIns="91440" bIns="45720" anchor="ctr">
               <a:noAutofit/>
             </a:bodyPr>
+            <a:lstStyle/>
             <a:p>
               <a:pPr marL="0" indent="0" algn="ctr" defTabSz="914400" eaLnBrk="1" latinLnBrk="1" hangingPunct="1">
                 <a:lnSpc>
@@ -15956,14 +15692,14 @@
         </p:sp>
         <p:sp>
           <p:nvSpPr>
-            <p:cNvPr id="35" name="텍스트 상자 25"/>
+            <p:cNvPr id="35" name="텍스트 상자 34"/>
             <p:cNvSpPr txBox="1"/>
             <p:nvPr/>
           </p:nvSpPr>
           <p:spPr>
             <a:xfrm>
-              <a:off x="5408295" y="4131945"/>
-              <a:ext cx="401955" cy="275590"/>
+              <a:off x="4832985" y="2380615"/>
+              <a:ext cx="402590" cy="276225"/>
             </a:xfrm>
             <a:prstGeom prst="rect">
               <a:avLst/>
@@ -15974,6 +15710,7 @@
             <a:bodyPr vert="horz" wrap="square" lIns="91440" tIns="45720" rIns="91440" bIns="45720" anchor="t">
               <a:spAutoFit/>
             </a:bodyPr>
+            <a:lstStyle/>
             <a:p>
               <a:pPr marL="0" indent="0" algn="l" defTabSz="914400" eaLnBrk="1" latinLnBrk="1" hangingPunct="1">
                 <a:lnSpc>
@@ -15998,7 +15735,7 @@
                 </a:rPr>
                 <a:t>10</a:t>
               </a:r>
-              <a:endParaRPr lang="en-US" altLang="ko-KR" sz="1200" b="1">
+              <a:endParaRPr lang="ko-KR" altLang="en-US" sz="1200" b="1">
                 <a:solidFill>
                   <a:schemeClr val="bg1"/>
                 </a:solidFill>
@@ -16058,7 +15795,7 @@
         <p:spPr>
           <a:xfrm>
             <a:off x="142875" y="714375"/>
-            <a:ext cx="8993505" cy="5945505"/>
+            <a:ext cx="8994140" cy="5946140"/>
           </a:xfrm>
           <a:prstGeom prst="rect">
             <a:avLst/>
@@ -16443,286 +16180,7 @@
                         </a:rPr>
                         <a:t>1</a:t>
                       </a:r>
-                      <a:endParaRPr lang="en-US" altLang="ko-KR" sz="1000" b="0" i="0" kern="1200">
-                        <a:solidFill>
-                          <a:schemeClr val="tx1"/>
-                        </a:solidFill>
-                        <a:latin typeface="맑은 고딕" panose="020B0503020000020004" charset="-127"/>
-                        <a:ea typeface="맑은 고딕" panose="020B0503020000020004" charset="-127"/>
-                      </a:endParaRPr>
-                    </a:p>
-                  </a:txBody>
-                  <a:tcPr marL="0" marR="0" marT="0" marB="0" anchor="ctr">
-                    <a:lnL w="12700" cap="flat" cmpd="sng" algn="ctr">
-                      <a:solidFill>
-                        <a:srgbClr val="000000">
-                          <a:alpha val="100000"/>
-                        </a:srgbClr>
-                      </a:solidFill>
-                      <a:prstDash val="solid"/>
-                      <a:round/>
-                      <a:headEnd type="none" w="med" len="med"/>
-                      <a:tailEnd type="none" w="med" len="med"/>
-                    </a:lnL>
-                    <a:lnR w="12700" cap="flat" cmpd="sng" algn="ctr">
-                      <a:solidFill>
-                        <a:srgbClr val="000000">
-                          <a:alpha val="100000"/>
-                        </a:srgbClr>
-                      </a:solidFill>
-                      <a:prstDash val="solid"/>
-                      <a:round/>
-                      <a:headEnd type="none" w="med" len="med"/>
-                      <a:tailEnd type="none" w="med" len="med"/>
-                    </a:lnR>
-                    <a:lnT w="12700" cap="flat" cmpd="sng" algn="ctr">
-                      <a:solidFill>
-                        <a:srgbClr val="000000">
-                          <a:alpha val="100000"/>
-                        </a:srgbClr>
-                      </a:solidFill>
-                      <a:prstDash val="solid"/>
-                      <a:round/>
-                      <a:headEnd type="none" w="med" len="med"/>
-                      <a:tailEnd type="none" w="med" len="med"/>
-                    </a:lnT>
-                    <a:lnB w="12700" cap="flat" cmpd="sng" algn="ctr">
-                      <a:solidFill>
-                        <a:srgbClr val="000000">
-                          <a:alpha val="100000"/>
-                        </a:srgbClr>
-                      </a:solidFill>
-                      <a:prstDash val="solid"/>
-                      <a:round/>
-                      <a:headEnd type="none" w="med" len="med"/>
-                      <a:tailEnd type="none" w="med" len="med"/>
-                    </a:lnB>
-                    <a:noFill/>
-                  </a:tcPr>
-                </a:tc>
-                <a:tc>
-                  <a:txBody>
-                    <a:bodyPr/>
-                    <a:lstStyle/>
-                    <a:p>
-                      <a:pPr marL="0" indent="0" algn="ctr" defTabSz="914400" eaLnBrk="1" latinLnBrk="1" hangingPunct="1">
-                        <a:lnSpc>
-                          <a:spcPct val="100000"/>
-                        </a:lnSpc>
-                        <a:spcBef>
-                          <a:spcPts val="0"/>
-                        </a:spcBef>
-                        <a:spcAft>
-                          <a:spcPts val="0"/>
-                        </a:spcAft>
-                        <a:buFontTx/>
-                        <a:buNone/>
-                      </a:pPr>
-                      <a:r>
-                        <a:rPr lang="en-US" altLang="ko-KR" sz="1000" b="0" i="0" kern="1200">
-                          <a:solidFill>
-                            <a:schemeClr val="tx1"/>
-                          </a:solidFill>
-                          <a:latin typeface="맑은 고딕" panose="020B0503020000020004" charset="-127"/>
-                          <a:ea typeface="맑은 고딕" panose="020B0503020000020004" charset="-127"/>
-                        </a:rPr>
-                        <a:t>R</a:t>
-                      </a:r>
-                      <a:endParaRPr lang="en-US" altLang="ko-KR" sz="1000" b="0" i="0" kern="1200">
-                        <a:solidFill>
-                          <a:schemeClr val="tx1"/>
-                        </a:solidFill>
-                        <a:latin typeface="맑은 고딕" panose="020B0503020000020004" charset="-127"/>
-                        <a:ea typeface="맑은 고딕" panose="020B0503020000020004" charset="-127"/>
-                      </a:endParaRPr>
-                    </a:p>
-                  </a:txBody>
-                  <a:tcPr marL="0" marR="0" marT="0" marB="0" anchor="ctr">
-                    <a:lnL w="12700" cap="flat" cmpd="sng" algn="ctr">
-                      <a:solidFill>
-                        <a:srgbClr val="000000">
-                          <a:alpha val="100000"/>
-                        </a:srgbClr>
-                      </a:solidFill>
-                      <a:prstDash val="solid"/>
-                      <a:round/>
-                      <a:headEnd type="none" w="med" len="med"/>
-                      <a:tailEnd type="none" w="med" len="med"/>
-                    </a:lnL>
-                    <a:lnR w="12700" cap="flat" cmpd="sng" algn="ctr">
-                      <a:solidFill>
-                        <a:srgbClr val="000000">
-                          <a:alpha val="100000"/>
-                        </a:srgbClr>
-                      </a:solidFill>
-                      <a:prstDash val="solid"/>
-                      <a:round/>
-                      <a:headEnd type="none" w="med" len="med"/>
-                      <a:tailEnd type="none" w="med" len="med"/>
-                    </a:lnR>
-                    <a:lnT w="12700" cap="flat" cmpd="sng" algn="ctr">
-                      <a:solidFill>
-                        <a:srgbClr val="000000">
-                          <a:alpha val="100000"/>
-                        </a:srgbClr>
-                      </a:solidFill>
-                      <a:prstDash val="solid"/>
-                      <a:round/>
-                      <a:headEnd type="none" w="med" len="med"/>
-                      <a:tailEnd type="none" w="med" len="med"/>
-                    </a:lnT>
-                    <a:lnB w="12700" cap="flat" cmpd="sng" algn="ctr">
-                      <a:solidFill>
-                        <a:srgbClr val="000000">
-                          <a:alpha val="100000"/>
-                        </a:srgbClr>
-                      </a:solidFill>
-                      <a:prstDash val="solid"/>
-                      <a:round/>
-                      <a:headEnd type="none" w="med" len="med"/>
-                      <a:tailEnd type="none" w="med" len="med"/>
-                    </a:lnB>
-                    <a:noFill/>
-                  </a:tcPr>
-                </a:tc>
-                <a:tc>
-                  <a:txBody>
-                    <a:bodyPr/>
-                    <a:lstStyle/>
-                    <a:p>
-                      <a:pPr marL="0" indent="0" algn="ctr" defTabSz="914400" eaLnBrk="1" latinLnBrk="1" hangingPunct="1">
-                        <a:lnSpc>
-                          <a:spcPct val="100000"/>
-                        </a:lnSpc>
-                        <a:spcBef>
-                          <a:spcPts val="0"/>
-                        </a:spcBef>
-                        <a:spcAft>
-                          <a:spcPts val="0"/>
-                        </a:spcAft>
-                        <a:buFontTx/>
-                        <a:buNone/>
-                      </a:pPr>
-                      <a:r>
-                        <a:rPr lang="ko-KR" altLang="en-US" sz="1000" kern="1200">
-                          <a:solidFill>
-                            <a:schemeClr val="tx1"/>
-                          </a:solidFill>
-                          <a:latin typeface="맑은 고딕" panose="020B0503020000020004" charset="-127"/>
-                          <a:ea typeface="맑은 고딕" panose="020B0503020000020004" charset="-127"/>
-                        </a:rPr>
-                        <a:t>사용자의 이름 데이터를 </a:t>
-                      </a:r>
-                      <a:r>
-                        <a:rPr lang="en-US" altLang="ko-KR" sz="1000" kern="1200">
-                          <a:solidFill>
-                            <a:schemeClr val="tx1"/>
-                          </a:solidFill>
-                          <a:latin typeface="맑은 고딕" panose="020B0503020000020004" charset="-127"/>
-                          <a:ea typeface="맑은 고딕" panose="020B0503020000020004" charset="-127"/>
-                        </a:rPr>
-                        <a:t>DB</a:t>
-                      </a:r>
-                      <a:r>
-                        <a:rPr altLang="en-US" sz="1000" kern="1200">
-                          <a:solidFill>
-                            <a:schemeClr val="tx1"/>
-                          </a:solidFill>
-                          <a:latin typeface="맑은 고딕" panose="020B0503020000020004" charset="-127"/>
-                          <a:ea typeface="맑은 고딕" panose="020B0503020000020004" charset="-127"/>
-                        </a:rPr>
-                        <a:t>로부터 읽어와 입력</a:t>
-                      </a:r>
-                      <a:endParaRPr altLang="en-US" sz="1000" kern="1200">
-                        <a:solidFill>
-                          <a:schemeClr val="tx1"/>
-                        </a:solidFill>
-                        <a:latin typeface="맑은 고딕" panose="020B0503020000020004" charset="-127"/>
-                        <a:ea typeface="맑은 고딕" panose="020B0503020000020004" charset="-127"/>
-                      </a:endParaRPr>
-                    </a:p>
-                  </a:txBody>
-                  <a:tcPr marL="0" marR="0" marT="0" marB="0" anchor="ctr">
-                    <a:lnL w="12700" cap="flat" cmpd="sng" algn="ctr">
-                      <a:solidFill>
-                        <a:srgbClr val="000000">
-                          <a:alpha val="100000"/>
-                        </a:srgbClr>
-                      </a:solidFill>
-                      <a:prstDash val="solid"/>
-                      <a:round/>
-                      <a:headEnd type="none" w="med" len="med"/>
-                      <a:tailEnd type="none" w="med" len="med"/>
-                    </a:lnL>
-                    <a:lnR w="12700" cap="flat" cmpd="sng" algn="ctr">
-                      <a:solidFill>
-                        <a:srgbClr val="000000">
-                          <a:alpha val="100000"/>
-                        </a:srgbClr>
-                      </a:solidFill>
-                      <a:prstDash val="solid"/>
-                      <a:round/>
-                      <a:headEnd type="none" w="med" len="med"/>
-                      <a:tailEnd type="none" w="med" len="med"/>
-                    </a:lnR>
-                    <a:lnT w="12700" cap="flat" cmpd="sng" algn="ctr">
-                      <a:solidFill>
-                        <a:srgbClr val="000000">
-                          <a:alpha val="100000"/>
-                        </a:srgbClr>
-                      </a:solidFill>
-                      <a:prstDash val="solid"/>
-                      <a:round/>
-                      <a:headEnd type="none" w="med" len="med"/>
-                      <a:tailEnd type="none" w="med" len="med"/>
-                    </a:lnT>
-                    <a:lnB w="12700" cap="flat" cmpd="sng" algn="ctr">
-                      <a:solidFill>
-                        <a:srgbClr val="000000">
-                          <a:alpha val="100000"/>
-                        </a:srgbClr>
-                      </a:solidFill>
-                      <a:prstDash val="solid"/>
-                      <a:round/>
-                      <a:headEnd type="none" w="med" len="med"/>
-                      <a:tailEnd type="none" w="med" len="med"/>
-                    </a:lnB>
-                    <a:solidFill>
-                      <a:schemeClr val="bg1"/>
-                    </a:solidFill>
-                  </a:tcPr>
-                </a:tc>
-              </a:tr>
-              <a:tr h="526415">
-                <a:tc>
-                  <a:txBody>
-                    <a:bodyPr/>
-                    <a:lstStyle/>
-                    <a:p>
-                      <a:pPr marL="0" indent="0" algn="ctr" defTabSz="914400" eaLnBrk="1" latinLnBrk="1" hangingPunct="1">
-                        <a:lnSpc>
-                          <a:spcPct val="100000"/>
-                        </a:lnSpc>
-                        <a:spcBef>
-                          <a:spcPts val="0"/>
-                        </a:spcBef>
-                        <a:spcAft>
-                          <a:spcPts val="0"/>
-                        </a:spcAft>
-                        <a:buFontTx/>
-                        <a:buNone/>
-                      </a:pPr>
-                      <a:r>
-                        <a:rPr lang="en-US" altLang="ko-KR" sz="1000" b="0" i="0" kern="1200">
-                          <a:solidFill>
-                            <a:schemeClr val="tx1"/>
-                          </a:solidFill>
-                          <a:latin typeface="맑은 고딕" panose="020B0503020000020004" charset="-127"/>
-                          <a:ea typeface="맑은 고딕" panose="020B0503020000020004" charset="-127"/>
-                        </a:rPr>
-                        <a:t>2</a:t>
-                      </a:r>
-                      <a:endParaRPr lang="en-US" altLang="ko-KR" sz="1000" b="0" i="0" kern="1200">
+                      <a:endParaRPr lang="ko-KR" altLang="en-US" sz="1000" b="0" i="0" kern="1200">
                         <a:solidFill>
                           <a:schemeClr val="tx1"/>
                         </a:solidFill>
@@ -16890,7 +16348,47 @@
                           <a:latin typeface="맑은 고딕" panose="020B0503020000020004" charset="-127"/>
                           <a:ea typeface="맑은 고딕" panose="020B0503020000020004" charset="-127"/>
                         </a:rPr>
-                        <a:t>DB에 저장되어 있는 사용자의 회원정보를 불러와 이름 / 주소 / 연락처 자동입력</a:t>
+                        <a:t>사용자의 </a:t>
+                      </a:r>
+                      <a:r>
+                        <a:rPr lang="en-US" altLang="ko-KR" sz="1000" kern="1200">
+                          <a:solidFill>
+                            <a:schemeClr val="tx1"/>
+                          </a:solidFill>
+                          <a:latin typeface="맑은 고딕" panose="020B0503020000020004" charset="-127"/>
+                          <a:ea typeface="맑은 고딕" panose="020B0503020000020004" charset="-127"/>
+                        </a:rPr>
+                        <a:t>이</a:t>
+                      </a:r>
+                      <a:r>
+                        <a:rPr lang="en-US" altLang="ko-KR" sz="1000" kern="1200">
+                          <a:solidFill>
+                            <a:schemeClr val="tx1"/>
+                          </a:solidFill>
+                          <a:latin typeface="맑은 고딕" panose="020B0503020000020004" charset="-127"/>
+                          <a:ea typeface="맑은 고딕" panose="020B0503020000020004" charset="-127"/>
+                        </a:rPr>
+                        <a:t>름 데이터</a:t>
+                      </a:r>
+                      <a:r>
+                        <a:rPr lang="en-US" altLang="ko-KR" sz="1000" kern="1200">
+                          <a:solidFill>
+                            <a:schemeClr val="tx1"/>
+                          </a:solidFill>
+                          <a:latin typeface="맑은 고딕" panose="020B0503020000020004" charset="-127"/>
+                          <a:ea typeface="맑은 고딕" panose="020B0503020000020004" charset="-127"/>
+                        </a:rPr>
+                        <a:t>를</a:t>
+                      </a:r>
+                      <a:r>
+                        <a:rPr lang="en-US" altLang="ko-KR" sz="1000" kern="1200">
+                          <a:solidFill>
+                            <a:schemeClr val="tx1"/>
+                          </a:solidFill>
+                          <a:latin typeface="맑은 고딕" panose="020B0503020000020004" charset="-127"/>
+                          <a:ea typeface="맑은 고딕" panose="020B0503020000020004" charset="-127"/>
+                        </a:rPr>
+                        <a:t> DB로부터 읽어와 입력</a:t>
                       </a:r>
                       <a:endParaRPr lang="ko-KR" altLang="en-US" sz="1000" kern="1200">
                         <a:solidFill>
@@ -16979,9 +16477,268 @@
                           <a:latin typeface="맑은 고딕" panose="020B0503020000020004" charset="-127"/>
                           <a:ea typeface="맑은 고딕" panose="020B0503020000020004" charset="-127"/>
                         </a:rPr>
+                        <a:t>2</a:t>
+                      </a:r>
+                      <a:endParaRPr lang="ko-KR" altLang="en-US" sz="1000" b="0" i="0" kern="1200">
+                        <a:solidFill>
+                          <a:schemeClr val="tx1"/>
+                        </a:solidFill>
+                        <a:latin typeface="맑은 고딕" panose="020B0503020000020004" charset="-127"/>
+                        <a:ea typeface="맑은 고딕" panose="020B0503020000020004" charset="-127"/>
+                      </a:endParaRPr>
+                    </a:p>
+                  </a:txBody>
+                  <a:tcPr marL="0" marR="0" marT="0" marB="0" anchor="ctr">
+                    <a:lnL w="12700" cap="flat" cmpd="sng" algn="ctr">
+                      <a:solidFill>
+                        <a:srgbClr val="000000">
+                          <a:alpha val="100000"/>
+                        </a:srgbClr>
+                      </a:solidFill>
+                      <a:prstDash val="solid"/>
+                      <a:round/>
+                      <a:headEnd type="none" w="med" len="med"/>
+                      <a:tailEnd type="none" w="med" len="med"/>
+                    </a:lnL>
+                    <a:lnR w="12700" cap="flat" cmpd="sng" algn="ctr">
+                      <a:solidFill>
+                        <a:srgbClr val="000000">
+                          <a:alpha val="100000"/>
+                        </a:srgbClr>
+                      </a:solidFill>
+                      <a:prstDash val="solid"/>
+                      <a:round/>
+                      <a:headEnd type="none" w="med" len="med"/>
+                      <a:tailEnd type="none" w="med" len="med"/>
+                    </a:lnR>
+                    <a:lnT w="12700" cap="flat" cmpd="sng" algn="ctr">
+                      <a:solidFill>
+                        <a:srgbClr val="000000">
+                          <a:alpha val="100000"/>
+                        </a:srgbClr>
+                      </a:solidFill>
+                      <a:prstDash val="solid"/>
+                      <a:round/>
+                      <a:headEnd type="none" w="med" len="med"/>
+                      <a:tailEnd type="none" w="med" len="med"/>
+                    </a:lnT>
+                    <a:lnB w="12700" cap="flat" cmpd="sng" algn="ctr">
+                      <a:solidFill>
+                        <a:srgbClr val="000000">
+                          <a:alpha val="100000"/>
+                        </a:srgbClr>
+                      </a:solidFill>
+                      <a:prstDash val="solid"/>
+                      <a:round/>
+                      <a:headEnd type="none" w="med" len="med"/>
+                      <a:tailEnd type="none" w="med" len="med"/>
+                    </a:lnB>
+                    <a:noFill/>
+                  </a:tcPr>
+                </a:tc>
+                <a:tc>
+                  <a:txBody>
+                    <a:bodyPr/>
+                    <a:lstStyle/>
+                    <a:p>
+                      <a:pPr marL="0" indent="0" algn="ctr" defTabSz="914400" eaLnBrk="1" latinLnBrk="1" hangingPunct="1">
+                        <a:lnSpc>
+                          <a:spcPct val="100000"/>
+                        </a:lnSpc>
+                        <a:spcBef>
+                          <a:spcPts val="0"/>
+                        </a:spcBef>
+                        <a:spcAft>
+                          <a:spcPts val="0"/>
+                        </a:spcAft>
+                        <a:buFontTx/>
+                        <a:buNone/>
+                      </a:pPr>
+                      <a:r>
+                        <a:rPr lang="en-US" altLang="ko-KR" sz="1000" b="0" i="0" kern="1200">
+                          <a:solidFill>
+                            <a:schemeClr val="tx1"/>
+                          </a:solidFill>
+                          <a:latin typeface="맑은 고딕" panose="020B0503020000020004" charset="-127"/>
+                          <a:ea typeface="맑은 고딕" panose="020B0503020000020004" charset="-127"/>
+                        </a:rPr>
+                        <a:t>R</a:t>
+                      </a:r>
+                      <a:endParaRPr lang="ko-KR" altLang="en-US" sz="1000" b="0" i="0" kern="1200">
+                        <a:solidFill>
+                          <a:schemeClr val="tx1"/>
+                        </a:solidFill>
+                        <a:latin typeface="맑은 고딕" panose="020B0503020000020004" charset="-127"/>
+                        <a:ea typeface="맑은 고딕" panose="020B0503020000020004" charset="-127"/>
+                      </a:endParaRPr>
+                    </a:p>
+                  </a:txBody>
+                  <a:tcPr marL="0" marR="0" marT="0" marB="0" anchor="ctr">
+                    <a:lnL w="12700" cap="flat" cmpd="sng" algn="ctr">
+                      <a:solidFill>
+                        <a:srgbClr val="000000">
+                          <a:alpha val="100000"/>
+                        </a:srgbClr>
+                      </a:solidFill>
+                      <a:prstDash val="solid"/>
+                      <a:round/>
+                      <a:headEnd type="none" w="med" len="med"/>
+                      <a:tailEnd type="none" w="med" len="med"/>
+                    </a:lnL>
+                    <a:lnR w="12700" cap="flat" cmpd="sng" algn="ctr">
+                      <a:solidFill>
+                        <a:srgbClr val="000000">
+                          <a:alpha val="100000"/>
+                        </a:srgbClr>
+                      </a:solidFill>
+                      <a:prstDash val="solid"/>
+                      <a:round/>
+                      <a:headEnd type="none" w="med" len="med"/>
+                      <a:tailEnd type="none" w="med" len="med"/>
+                    </a:lnR>
+                    <a:lnT w="12700" cap="flat" cmpd="sng" algn="ctr">
+                      <a:solidFill>
+                        <a:srgbClr val="000000">
+                          <a:alpha val="100000"/>
+                        </a:srgbClr>
+                      </a:solidFill>
+                      <a:prstDash val="solid"/>
+                      <a:round/>
+                      <a:headEnd type="none" w="med" len="med"/>
+                      <a:tailEnd type="none" w="med" len="med"/>
+                    </a:lnT>
+                    <a:lnB w="12700" cap="flat" cmpd="sng" algn="ctr">
+                      <a:solidFill>
+                        <a:srgbClr val="000000">
+                          <a:alpha val="100000"/>
+                        </a:srgbClr>
+                      </a:solidFill>
+                      <a:prstDash val="solid"/>
+                      <a:round/>
+                      <a:headEnd type="none" w="med" len="med"/>
+                      <a:tailEnd type="none" w="med" len="med"/>
+                    </a:lnB>
+                    <a:noFill/>
+                  </a:tcPr>
+                </a:tc>
+                <a:tc>
+                  <a:txBody>
+                    <a:bodyPr/>
+                    <a:lstStyle/>
+                    <a:p>
+                      <a:pPr marL="0" indent="0" algn="ctr" defTabSz="914400" eaLnBrk="1" latinLnBrk="1" hangingPunct="1">
+                        <a:lnSpc>
+                          <a:spcPct val="100000"/>
+                        </a:lnSpc>
+                        <a:spcBef>
+                          <a:spcPts val="0"/>
+                        </a:spcBef>
+                        <a:spcAft>
+                          <a:spcPts val="0"/>
+                        </a:spcAft>
+                        <a:buFontTx/>
+                        <a:buNone/>
+                      </a:pPr>
+                      <a:r>
+                        <a:rPr lang="en-US" altLang="ko-KR" sz="1000" kern="1200">
+                          <a:solidFill>
+                            <a:schemeClr val="tx1"/>
+                          </a:solidFill>
+                          <a:latin typeface="맑은 고딕" panose="020B0503020000020004" charset="-127"/>
+                          <a:ea typeface="맑은 고딕" panose="020B0503020000020004" charset="-127"/>
+                        </a:rPr>
+                        <a:t>DB에 저장되어 있는 사용자의 회원정보를 불러와 이름 / 주소 / 연락처 자동입력</a:t>
+                      </a:r>
+                      <a:endParaRPr lang="ko-KR" altLang="en-US" sz="1000" kern="1200">
+                        <a:solidFill>
+                          <a:schemeClr val="tx1"/>
+                        </a:solidFill>
+                        <a:latin typeface="맑은 고딕" panose="020B0503020000020004" charset="-127"/>
+                        <a:ea typeface="맑은 고딕" panose="020B0503020000020004" charset="-127"/>
+                      </a:endParaRPr>
+                    </a:p>
+                  </a:txBody>
+                  <a:tcPr marL="0" marR="0" marT="0" marB="0" anchor="ctr">
+                    <a:lnL w="12700" cap="flat" cmpd="sng" algn="ctr">
+                      <a:solidFill>
+                        <a:srgbClr val="000000">
+                          <a:alpha val="100000"/>
+                        </a:srgbClr>
+                      </a:solidFill>
+                      <a:prstDash val="solid"/>
+                      <a:round/>
+                      <a:headEnd type="none" w="med" len="med"/>
+                      <a:tailEnd type="none" w="med" len="med"/>
+                    </a:lnL>
+                    <a:lnR w="12700" cap="flat" cmpd="sng" algn="ctr">
+                      <a:solidFill>
+                        <a:srgbClr val="000000">
+                          <a:alpha val="100000"/>
+                        </a:srgbClr>
+                      </a:solidFill>
+                      <a:prstDash val="solid"/>
+                      <a:round/>
+                      <a:headEnd type="none" w="med" len="med"/>
+                      <a:tailEnd type="none" w="med" len="med"/>
+                    </a:lnR>
+                    <a:lnT w="12700" cap="flat" cmpd="sng" algn="ctr">
+                      <a:solidFill>
+                        <a:srgbClr val="000000">
+                          <a:alpha val="100000"/>
+                        </a:srgbClr>
+                      </a:solidFill>
+                      <a:prstDash val="solid"/>
+                      <a:round/>
+                      <a:headEnd type="none" w="med" len="med"/>
+                      <a:tailEnd type="none" w="med" len="med"/>
+                    </a:lnT>
+                    <a:lnB w="12700" cap="flat" cmpd="sng" algn="ctr">
+                      <a:solidFill>
+                        <a:srgbClr val="000000">
+                          <a:alpha val="100000"/>
+                        </a:srgbClr>
+                      </a:solidFill>
+                      <a:prstDash val="solid"/>
+                      <a:round/>
+                      <a:headEnd type="none" w="med" len="med"/>
+                      <a:tailEnd type="none" w="med" len="med"/>
+                    </a:lnB>
+                    <a:solidFill>
+                      <a:schemeClr val="bg1"/>
+                    </a:solidFill>
+                  </a:tcPr>
+                </a:tc>
+              </a:tr>
+              <a:tr h="526415">
+                <a:tc>
+                  <a:txBody>
+                    <a:bodyPr/>
+                    <a:lstStyle/>
+                    <a:p>
+                      <a:pPr marL="0" indent="0" algn="ctr" defTabSz="914400" eaLnBrk="1" latinLnBrk="1" hangingPunct="1">
+                        <a:lnSpc>
+                          <a:spcPct val="100000"/>
+                        </a:lnSpc>
+                        <a:spcBef>
+                          <a:spcPts val="0"/>
+                        </a:spcBef>
+                        <a:spcAft>
+                          <a:spcPts val="0"/>
+                        </a:spcAft>
+                        <a:buFontTx/>
+                        <a:buNone/>
+                      </a:pPr>
+                      <a:r>
+                        <a:rPr lang="en-US" altLang="ko-KR" sz="1000" b="0" i="0" kern="1200">
+                          <a:solidFill>
+                            <a:schemeClr val="tx1"/>
+                          </a:solidFill>
+                          <a:latin typeface="맑은 고딕" panose="020B0503020000020004" charset="-127"/>
+                          <a:ea typeface="맑은 고딕" panose="020B0503020000020004" charset="-127"/>
+                        </a:rPr>
                         <a:t>3</a:t>
                       </a:r>
-                      <a:endParaRPr lang="en-US" altLang="ko-KR" sz="1000" b="0" i="0" kern="1200">
+                      <a:endParaRPr lang="ko-KR" altLang="en-US" sz="1000" b="0" i="0" kern="1200">
                         <a:solidFill>
                           <a:schemeClr val="tx1"/>
                         </a:solidFill>
@@ -17272,7 +17029,7 @@
                         </a:rPr>
                         <a:t>4</a:t>
                       </a:r>
-                      <a:endParaRPr lang="en-US" altLang="ko-KR" sz="1000" b="0" i="0" kern="1200">
+                      <a:endParaRPr lang="ko-KR" altLang="en-US" sz="1000" b="0" i="0" kern="1200">
                         <a:solidFill>
                           <a:schemeClr val="tx1"/>
                         </a:solidFill>
@@ -17563,7 +17320,324 @@
                         </a:rPr>
                         <a:t>5</a:t>
                       </a:r>
+                      <a:endParaRPr lang="ko-KR" altLang="en-US" sz="1000" b="0" i="0" kern="1200">
+                        <a:solidFill>
+                          <a:schemeClr val="tx1"/>
+                        </a:solidFill>
+                        <a:latin typeface="맑은 고딕" panose="020B0503020000020004" charset="-127"/>
+                        <a:ea typeface="맑은 고딕" panose="020B0503020000020004" charset="-127"/>
+                      </a:endParaRPr>
+                    </a:p>
+                  </a:txBody>
+                  <a:tcPr marL="0" marR="0" marT="0" marB="0" anchor="ctr">
+                    <a:lnL w="12700" cap="flat" cmpd="sng" algn="ctr">
+                      <a:solidFill>
+                        <a:srgbClr val="000000">
+                          <a:alpha val="100000"/>
+                        </a:srgbClr>
+                      </a:solidFill>
+                      <a:prstDash val="solid"/>
+                      <a:round/>
+                      <a:headEnd type="none" w="med" len="med"/>
+                      <a:tailEnd type="none" w="med" len="med"/>
+                    </a:lnL>
+                    <a:lnR w="12700" cap="flat" cmpd="sng" algn="ctr">
+                      <a:solidFill>
+                        <a:srgbClr val="000000">
+                          <a:alpha val="100000"/>
+                        </a:srgbClr>
+                      </a:solidFill>
+                      <a:prstDash val="solid"/>
+                      <a:round/>
+                      <a:headEnd type="none" w="med" len="med"/>
+                      <a:tailEnd type="none" w="med" len="med"/>
+                    </a:lnR>
+                    <a:lnT w="12700" cap="flat" cmpd="sng" algn="ctr">
+                      <a:solidFill>
+                        <a:srgbClr val="000000">
+                          <a:alpha val="100000"/>
+                        </a:srgbClr>
+                      </a:solidFill>
+                      <a:prstDash val="solid"/>
+                      <a:round/>
+                      <a:headEnd type="none" w="med" len="med"/>
+                      <a:tailEnd type="none" w="med" len="med"/>
+                    </a:lnT>
+                    <a:lnB w="12700" cap="flat" cmpd="sng" algn="ctr">
+                      <a:solidFill>
+                        <a:srgbClr val="000000">
+                          <a:alpha val="100000"/>
+                        </a:srgbClr>
+                      </a:solidFill>
+                      <a:prstDash val="solid"/>
+                      <a:round/>
+                      <a:headEnd type="none" w="med" len="med"/>
+                      <a:tailEnd type="none" w="med" len="med"/>
+                    </a:lnB>
+                    <a:noFill/>
+                  </a:tcPr>
+                </a:tc>
+                <a:tc>
+                  <a:txBody>
+                    <a:bodyPr/>
+                    <a:lstStyle/>
+                    <a:p>
+                      <a:pPr marL="0" indent="0" algn="ctr" defTabSz="914400" eaLnBrk="1" latinLnBrk="1" hangingPunct="1">
+                        <a:lnSpc>
+                          <a:spcPct val="100000"/>
+                        </a:lnSpc>
+                        <a:spcBef>
+                          <a:spcPts val="0"/>
+                        </a:spcBef>
+                        <a:spcAft>
+                          <a:spcPts val="0"/>
+                        </a:spcAft>
+                        <a:buFontTx/>
+                        <a:buNone/>
+                      </a:pPr>
+                      <a:r>
+                        <a:rPr lang="en-US" altLang="ko-KR" sz="1000" b="0" i="0" kern="1200">
+                          <a:solidFill>
+                            <a:schemeClr val="tx1"/>
+                          </a:solidFill>
+                          <a:latin typeface="맑은 고딕" panose="020B0503020000020004" charset="-127"/>
+                          <a:ea typeface="맑은 고딕" panose="020B0503020000020004" charset="-127"/>
+                        </a:rPr>
+                        <a:t>RC</a:t>
+                      </a:r>
                       <a:endParaRPr lang="en-US" altLang="ko-KR" sz="1000" b="0" i="0" kern="1200">
+                        <a:solidFill>
+                          <a:schemeClr val="tx1"/>
+                        </a:solidFill>
+                        <a:latin typeface="맑은 고딕" panose="020B0503020000020004" charset="-127"/>
+                        <a:ea typeface="맑은 고딕" panose="020B0503020000020004" charset="-127"/>
+                      </a:endParaRPr>
+                    </a:p>
+                  </a:txBody>
+                  <a:tcPr marL="0" marR="0" marT="0" marB="0" anchor="ctr">
+                    <a:lnL w="12700" cap="flat" cmpd="sng" algn="ctr">
+                      <a:solidFill>
+                        <a:srgbClr val="000000">
+                          <a:alpha val="100000"/>
+                        </a:srgbClr>
+                      </a:solidFill>
+                      <a:prstDash val="solid"/>
+                      <a:round/>
+                      <a:headEnd type="none" w="med" len="med"/>
+                      <a:tailEnd type="none" w="med" len="med"/>
+                    </a:lnL>
+                    <a:lnR w="12700" cap="flat" cmpd="sng" algn="ctr">
+                      <a:solidFill>
+                        <a:srgbClr val="000000">
+                          <a:alpha val="100000"/>
+                        </a:srgbClr>
+                      </a:solidFill>
+                      <a:prstDash val="solid"/>
+                      <a:round/>
+                      <a:headEnd type="none" w="med" len="med"/>
+                      <a:tailEnd type="none" w="med" len="med"/>
+                    </a:lnR>
+                    <a:lnT w="12700" cap="flat" cmpd="sng" algn="ctr">
+                      <a:solidFill>
+                        <a:srgbClr val="000000">
+                          <a:alpha val="100000"/>
+                        </a:srgbClr>
+                      </a:solidFill>
+                      <a:prstDash val="solid"/>
+                      <a:round/>
+                      <a:headEnd type="none" w="med" len="med"/>
+                      <a:tailEnd type="none" w="med" len="med"/>
+                    </a:lnT>
+                    <a:lnB w="12700" cap="flat" cmpd="sng" algn="ctr">
+                      <a:solidFill>
+                        <a:srgbClr val="000000">
+                          <a:alpha val="100000"/>
+                        </a:srgbClr>
+                      </a:solidFill>
+                      <a:prstDash val="solid"/>
+                      <a:round/>
+                      <a:headEnd type="none" w="med" len="med"/>
+                      <a:tailEnd type="none" w="med" len="med"/>
+                    </a:lnB>
+                    <a:noFill/>
+                  </a:tcPr>
+                </a:tc>
+                <a:tc>
+                  <a:txBody>
+                    <a:bodyPr/>
+                    <a:lstStyle/>
+                    <a:p>
+                      <a:pPr marL="0" indent="0" algn="ctr" defTabSz="914400" eaLnBrk="1" latinLnBrk="1" hangingPunct="1">
+                        <a:lnSpc>
+                          <a:spcPct val="100000"/>
+                        </a:lnSpc>
+                        <a:spcBef>
+                          <a:spcPts val="0"/>
+                        </a:spcBef>
+                        <a:spcAft>
+                          <a:spcPts val="0"/>
+                        </a:spcAft>
+                        <a:buFontTx/>
+                        <a:buNone/>
+                      </a:pPr>
+                      <a:r>
+                        <a:rPr lang="en-US" altLang="ko-KR" sz="1000" kern="1200">
+                          <a:solidFill>
+                            <a:schemeClr val="tx1"/>
+                          </a:solidFill>
+                          <a:latin typeface="맑은 고딕" panose="020B0503020000020004" charset="-127"/>
+                          <a:ea typeface="맑은 고딕" panose="020B0503020000020004" charset="-127"/>
+                          <a:sym typeface="+mn-ea"/>
+                        </a:rPr>
+                        <a:t>[기본배송지] 선택시 DB 연동하여 데이터 자동 입력, [</a:t>
+                      </a:r>
+                      <a:r>
+                        <a:rPr altLang="en-US" sz="1000" kern="1200">
+                          <a:solidFill>
+                            <a:schemeClr val="tx1"/>
+                          </a:solidFill>
+                          <a:latin typeface="맑은 고딕" panose="020B0503020000020004" charset="-127"/>
+                          <a:ea typeface="맑은 고딕" panose="020B0503020000020004" charset="-127"/>
+                          <a:sym typeface="+mn-ea"/>
+                        </a:rPr>
+                        <a:t>신규배송지</a:t>
+                      </a:r>
+                      <a:r>
+                        <a:rPr lang="en-US" altLang="ko-KR" sz="1000" kern="1200">
+                          <a:solidFill>
+                            <a:schemeClr val="tx1"/>
+                          </a:solidFill>
+                          <a:latin typeface="맑은 고딕" panose="020B0503020000020004" charset="-127"/>
+                          <a:ea typeface="맑은 고딕" panose="020B0503020000020004" charset="-127"/>
+                          <a:sym typeface="+mn-ea"/>
+                        </a:rPr>
+                        <a:t>]</a:t>
+                      </a:r>
+                      <a:endParaRPr lang="en-US" altLang="ko-KR" sz="1000" kern="1200">
+                        <a:solidFill>
+                          <a:schemeClr val="tx1"/>
+                        </a:solidFill>
+                        <a:latin typeface="맑은 고딕" panose="020B0503020000020004" charset="-127"/>
+                        <a:ea typeface="맑은 고딕" panose="020B0503020000020004" charset="-127"/>
+                        <a:sym typeface="+mn-ea"/>
+                      </a:endParaRPr>
+                    </a:p>
+                    <a:p>
+                      <a:pPr marL="0" indent="0" algn="ctr" defTabSz="914400" eaLnBrk="1" latinLnBrk="1" hangingPunct="1">
+                        <a:lnSpc>
+                          <a:spcPct val="100000"/>
+                        </a:lnSpc>
+                        <a:spcBef>
+                          <a:spcPts val="0"/>
+                        </a:spcBef>
+                        <a:spcAft>
+                          <a:spcPts val="0"/>
+                        </a:spcAft>
+                        <a:buFontTx/>
+                        <a:buNone/>
+                      </a:pPr>
+                      <a:r>
+                        <a:rPr altLang="en-US" sz="1000" kern="1200">
+                          <a:solidFill>
+                            <a:schemeClr val="tx1"/>
+                          </a:solidFill>
+                          <a:latin typeface="맑은 고딕" panose="020B0503020000020004" charset="-127"/>
+                          <a:ea typeface="맑은 고딕" panose="020B0503020000020004" charset="-127"/>
+                          <a:sym typeface="+mn-ea"/>
+                        </a:rPr>
+                        <a:t>선택시 사용자 선택</a:t>
+                      </a:r>
+                      <a:endParaRPr altLang="en-US" sz="1000" kern="1200">
+                        <a:solidFill>
+                          <a:schemeClr val="tx1"/>
+                        </a:solidFill>
+                        <a:latin typeface="맑은 고딕" panose="020B0503020000020004" charset="-127"/>
+                        <a:ea typeface="맑은 고딕" panose="020B0503020000020004" charset="-127"/>
+                        <a:sym typeface="+mn-ea"/>
+                      </a:endParaRPr>
+                    </a:p>
+                  </a:txBody>
+                  <a:tcPr marL="0" marR="0" marT="0" marB="0" anchor="ctr">
+                    <a:lnL w="12700" cap="flat" cmpd="sng" algn="ctr">
+                      <a:solidFill>
+                        <a:srgbClr val="000000">
+                          <a:alpha val="100000"/>
+                        </a:srgbClr>
+                      </a:solidFill>
+                      <a:prstDash val="solid"/>
+                      <a:round/>
+                      <a:headEnd type="none" w="med" len="med"/>
+                      <a:tailEnd type="none" w="med" len="med"/>
+                    </a:lnL>
+                    <a:lnR w="12700" cap="flat" cmpd="sng" algn="ctr">
+                      <a:solidFill>
+                        <a:srgbClr val="000000">
+                          <a:alpha val="100000"/>
+                        </a:srgbClr>
+                      </a:solidFill>
+                      <a:prstDash val="solid"/>
+                      <a:round/>
+                      <a:headEnd type="none" w="med" len="med"/>
+                      <a:tailEnd type="none" w="med" len="med"/>
+                    </a:lnR>
+                    <a:lnT w="12700" cap="flat" cmpd="sng" algn="ctr">
+                      <a:solidFill>
+                        <a:srgbClr val="000000">
+                          <a:alpha val="100000"/>
+                        </a:srgbClr>
+                      </a:solidFill>
+                      <a:prstDash val="solid"/>
+                      <a:round/>
+                      <a:headEnd type="none" w="med" len="med"/>
+                      <a:tailEnd type="none" w="med" len="med"/>
+                    </a:lnT>
+                    <a:lnB w="12700" cap="flat" cmpd="sng" algn="ctr">
+                      <a:solidFill>
+                        <a:srgbClr val="000000">
+                          <a:alpha val="100000"/>
+                        </a:srgbClr>
+                      </a:solidFill>
+                      <a:prstDash val="solid"/>
+                      <a:round/>
+                      <a:headEnd type="none" w="med" len="med"/>
+                      <a:tailEnd type="none" w="med" len="med"/>
+                    </a:lnB>
+                    <a:solidFill>
+                      <a:schemeClr val="bg1"/>
+                    </a:solidFill>
+                  </a:tcPr>
+                </a:tc>
+              </a:tr>
+              <a:tr h="526415">
+                <a:tc>
+                  <a:txBody>
+                    <a:bodyPr/>
+                    <a:lstStyle/>
+                    <a:p>
+                      <a:pPr marL="0" indent="0" algn="ctr" defTabSz="914400" eaLnBrk="1" latinLnBrk="1" hangingPunct="1">
+                        <a:lnSpc>
+                          <a:spcPct val="100000"/>
+                        </a:lnSpc>
+                        <a:spcBef>
+                          <a:spcPts val="0"/>
+                        </a:spcBef>
+                        <a:spcAft>
+                          <a:spcPts val="0"/>
+                        </a:spcAft>
+                        <a:buFontTx/>
+                        <a:buNone/>
+                      </a:pPr>
+                      <a:r>
+                        <a:rPr lang="en-US" altLang="ko-KR" sz="1000" b="0" i="0" kern="1200">
+                          <a:solidFill>
+                            <a:schemeClr val="tx1"/>
+                          </a:solidFill>
+                          <a:latin typeface="맑은 고딕" panose="020B0503020000020004" charset="-127"/>
+                          <a:ea typeface="맑은 고딕" panose="020B0503020000020004" charset="-127"/>
+                        </a:rPr>
+                        <a:t>6</a:t>
+                      </a:r>
+                      <a:endParaRPr lang="ko-KR" altLang="en-US" sz="1000" b="0" i="0" kern="1200">
                         <a:solidFill>
                           <a:schemeClr val="tx1"/>
                         </a:solidFill>
@@ -17825,7 +17899,7 @@
                   </a:tcPr>
                 </a:tc>
               </a:tr>
-              <a:tr h="526415">
+              <a:tr h="500380">
                 <a:tc>
                   <a:txBody>
                     <a:bodyPr/>
@@ -17852,9 +17926,9 @@
                           <a:latin typeface="맑은 고딕" panose="020B0503020000020004" charset="-127"/>
                           <a:ea typeface="맑은 고딕" panose="020B0503020000020004" charset="-127"/>
                         </a:rPr>
-                        <a:t>6</a:t>
+                        <a:t>7</a:t>
                       </a:r>
-                      <a:endParaRPr lang="en-US" altLang="ko-KR" sz="1000" b="0" i="0" kern="1200">
+                      <a:endParaRPr lang="ko-KR" altLang="en-US" sz="1000" b="0" i="0" kern="1200">
                         <a:solidFill>
                           <a:schemeClr val="tx1"/>
                         </a:solidFill>
@@ -18054,19 +18128,9 @@
                           <a:latin typeface="맑은 고딕" panose="020B0503020000020004" charset="-127"/>
                           <a:ea typeface="맑은 고딕" panose="020B0503020000020004" charset="-127"/>
                         </a:rPr>
-                        <a:t>선택시 사용자 입</a:t>
+                        <a:t>선택시 사용자 입력</a:t>
                       </a:r>
-                      <a:r>
-                        <a:rPr altLang="en-US" sz="1000" kern="1200">
-                          <a:solidFill>
-                            <a:schemeClr val="tx1"/>
-                          </a:solidFill>
-                          <a:latin typeface="맑은 고딕" panose="020B0503020000020004" charset="-127"/>
-                          <a:ea typeface="맑은 고딕" panose="020B0503020000020004" charset="-127"/>
-                        </a:rPr>
-                        <a:t>력</a:t>
-                      </a:r>
-                      <a:endParaRPr altLang="en-US" sz="1000" kern="1200">
+                      <a:endParaRPr lang="ko-KR" altLang="en-US" sz="1000" kern="1200">
                         <a:solidFill>
                           <a:schemeClr val="tx1"/>
                         </a:solidFill>
@@ -18126,7 +18190,7 @@
                   </a:tcPr>
                 </a:tc>
               </a:tr>
-              <a:tr h="500380">
+              <a:tr h="509270">
                 <a:tc>
                   <a:txBody>
                     <a:bodyPr/>
@@ -18153,9 +18217,9 @@
                           <a:latin typeface="맑은 고딕" panose="020B0503020000020004" charset="-127"/>
                           <a:ea typeface="맑은 고딕" panose="020B0503020000020004" charset="-127"/>
                         </a:rPr>
-                        <a:t>7</a:t>
+                        <a:t>8</a:t>
                       </a:r>
-                      <a:endParaRPr lang="en-US" altLang="ko-KR" sz="1000" b="0" i="0" kern="1200">
+                      <a:endParaRPr lang="ko-KR" altLang="en-US" sz="1000" b="0" i="0" kern="1200">
                         <a:solidFill>
                           <a:schemeClr val="tx1"/>
                         </a:solidFill>
@@ -18412,7 +18476,7 @@
                           <a:latin typeface="맑은 고딕" panose="020B0503020000020004" charset="-127"/>
                           <a:ea typeface="맑은 고딕" panose="020B0503020000020004" charset="-127"/>
                         </a:rPr>
-                        <a:t>8</a:t>
+                        <a:t>9</a:t>
                       </a:r>
                       <a:endParaRPr lang="en-US" altLang="ko-KR" sz="1000" b="0" i="0" kern="1200">
                         <a:solidFill>
@@ -18863,7 +18927,7 @@
                   </a:tcPr>
                 </a:tc>
               </a:tr>
-              <a:tr h="509270">
+              <a:tr h="491490">
                 <a:tc>
                   <a:txBody>
                     <a:bodyPr/>
@@ -19092,255 +19156,20 @@
                   </a:tcPr>
                 </a:tc>
               </a:tr>
-              <a:tr h="491490">
-                <a:tc>
-                  <a:txBody>
-                    <a:bodyPr/>
-                    <a:lstStyle/>
-                    <a:p>
-                      <a:pPr marL="0" indent="0" algn="ctr" defTabSz="914400" eaLnBrk="1" latinLnBrk="1" hangingPunct="1">
-                        <a:lnSpc>
-                          <a:spcPct val="100000"/>
-                        </a:lnSpc>
-                        <a:spcBef>
-                          <a:spcPts val="0"/>
-                        </a:spcBef>
-                        <a:spcAft>
-                          <a:spcPts val="0"/>
-                        </a:spcAft>
-                        <a:buFontTx/>
-                        <a:buNone/>
-                      </a:pPr>
-                      <a:endParaRPr lang="ko-KR" altLang="en-US" sz="1000" b="0" i="0" kern="1200">
-                        <a:solidFill>
-                          <a:schemeClr val="tx1"/>
-                        </a:solidFill>
-                        <a:latin typeface="맑은 고딕" panose="020B0503020000020004" charset="-127"/>
-                        <a:ea typeface="맑은 고딕" panose="020B0503020000020004" charset="-127"/>
-                      </a:endParaRPr>
-                    </a:p>
-                  </a:txBody>
-                  <a:tcPr marL="0" marR="0" marT="0" marB="0" anchor="ctr">
-                    <a:lnL w="12700" cap="flat" cmpd="sng" algn="ctr">
-                      <a:solidFill>
-                        <a:srgbClr val="000000">
-                          <a:alpha val="100000"/>
-                        </a:srgbClr>
-                      </a:solidFill>
-                      <a:prstDash val="solid"/>
-                      <a:round/>
-                      <a:headEnd type="none" w="med" len="med"/>
-                      <a:tailEnd type="none" w="med" len="med"/>
-                    </a:lnL>
-                    <a:lnR w="12700" cap="flat" cmpd="sng" algn="ctr">
-                      <a:solidFill>
-                        <a:srgbClr val="000000">
-                          <a:alpha val="100000"/>
-                        </a:srgbClr>
-                      </a:solidFill>
-                      <a:prstDash val="solid"/>
-                      <a:round/>
-                      <a:headEnd type="none" w="med" len="med"/>
-                      <a:tailEnd type="none" w="med" len="med"/>
-                    </a:lnR>
-                    <a:lnT w="12700" cap="flat" cmpd="sng" algn="ctr">
-                      <a:solidFill>
-                        <a:srgbClr val="000000">
-                          <a:alpha val="100000"/>
-                        </a:srgbClr>
-                      </a:solidFill>
-                      <a:prstDash val="solid"/>
-                      <a:round/>
-                      <a:headEnd type="none" w="med" len="med"/>
-                      <a:tailEnd type="none" w="med" len="med"/>
-                    </a:lnT>
-                    <a:lnB w="12700" cap="flat" cmpd="sng" algn="ctr">
-                      <a:solidFill>
-                        <a:srgbClr val="000000">
-                          <a:alpha val="100000"/>
-                        </a:srgbClr>
-                      </a:solidFill>
-                      <a:prstDash val="solid"/>
-                      <a:round/>
-                      <a:headEnd type="none" w="med" len="med"/>
-                      <a:tailEnd type="none" w="med" len="med"/>
-                    </a:lnB>
-                    <a:noFill/>
-                  </a:tcPr>
-                </a:tc>
-                <a:tc>
-                  <a:txBody>
-                    <a:bodyPr/>
-                    <a:lstStyle/>
-                    <a:p>
-                      <a:pPr marL="0" indent="0" algn="ctr" defTabSz="914400" eaLnBrk="1" latinLnBrk="1" hangingPunct="1">
-                        <a:lnSpc>
-                          <a:spcPct val="100000"/>
-                        </a:lnSpc>
-                        <a:spcBef>
-                          <a:spcPts val="0"/>
-                        </a:spcBef>
-                        <a:spcAft>
-                          <a:spcPts val="0"/>
-                        </a:spcAft>
-                        <a:buFontTx/>
-                        <a:buNone/>
-                      </a:pPr>
-                      <a:endParaRPr lang="ko-KR" altLang="en-US" sz="1000" b="0" i="0" kern="1200">
-                        <a:solidFill>
-                          <a:schemeClr val="tx1"/>
-                        </a:solidFill>
-                        <a:latin typeface="맑은 고딕" panose="020B0503020000020004" charset="-127"/>
-                        <a:ea typeface="맑은 고딕" panose="020B0503020000020004" charset="-127"/>
-                      </a:endParaRPr>
-                    </a:p>
-                  </a:txBody>
-                  <a:tcPr marL="0" marR="0" marT="0" marB="0" anchor="ctr">
-                    <a:lnL w="12700" cap="flat" cmpd="sng" algn="ctr">
-                      <a:solidFill>
-                        <a:srgbClr val="000000">
-                          <a:alpha val="100000"/>
-                        </a:srgbClr>
-                      </a:solidFill>
-                      <a:prstDash val="solid"/>
-                      <a:round/>
-                      <a:headEnd type="none" w="med" len="med"/>
-                      <a:tailEnd type="none" w="med" len="med"/>
-                    </a:lnL>
-                    <a:lnR w="12700" cap="flat" cmpd="sng" algn="ctr">
-                      <a:solidFill>
-                        <a:srgbClr val="000000">
-                          <a:alpha val="100000"/>
-                        </a:srgbClr>
-                      </a:solidFill>
-                      <a:prstDash val="solid"/>
-                      <a:round/>
-                      <a:headEnd type="none" w="med" len="med"/>
-                      <a:tailEnd type="none" w="med" len="med"/>
-                    </a:lnR>
-                    <a:lnT w="12700" cap="flat" cmpd="sng" algn="ctr">
-                      <a:solidFill>
-                        <a:srgbClr val="000000">
-                          <a:alpha val="100000"/>
-                        </a:srgbClr>
-                      </a:solidFill>
-                      <a:prstDash val="solid"/>
-                      <a:round/>
-                      <a:headEnd type="none" w="med" len="med"/>
-                      <a:tailEnd type="none" w="med" len="med"/>
-                    </a:lnT>
-                    <a:lnB w="12700" cap="flat" cmpd="sng" algn="ctr">
-                      <a:solidFill>
-                        <a:srgbClr val="000000">
-                          <a:alpha val="100000"/>
-                        </a:srgbClr>
-                      </a:solidFill>
-                      <a:prstDash val="solid"/>
-                      <a:round/>
-                      <a:headEnd type="none" w="med" len="med"/>
-                      <a:tailEnd type="none" w="med" len="med"/>
-                    </a:lnB>
-                    <a:noFill/>
-                  </a:tcPr>
-                </a:tc>
-                <a:tc>
-                  <a:txBody>
-                    <a:bodyPr/>
-                    <a:lstStyle/>
-                    <a:p>
-                      <a:pPr marL="0" indent="0" algn="ctr" defTabSz="914400" eaLnBrk="1" latinLnBrk="1" hangingPunct="1">
-                        <a:lnSpc>
-                          <a:spcPct val="100000"/>
-                        </a:lnSpc>
-                        <a:spcBef>
-                          <a:spcPts val="0"/>
-                        </a:spcBef>
-                        <a:spcAft>
-                          <a:spcPts val="0"/>
-                        </a:spcAft>
-                        <a:buFontTx/>
-                        <a:buNone/>
-                      </a:pPr>
-                      <a:endParaRPr lang="ko-KR" altLang="en-US" sz="1000" b="0" i="0" kern="1200">
-                        <a:solidFill>
-                          <a:schemeClr val="tx1"/>
-                        </a:solidFill>
-                        <a:latin typeface="맑은 고딕" panose="020B0503020000020004" charset="-127"/>
-                        <a:ea typeface="맑은 고딕" panose="020B0503020000020004" charset="-127"/>
-                      </a:endParaRPr>
-                    </a:p>
-                  </a:txBody>
-                  <a:tcPr marL="0" marR="0" marT="0" marB="0" anchor="ctr">
-                    <a:lnL w="12700" cap="flat" cmpd="sng" algn="ctr">
-                      <a:solidFill>
-                        <a:srgbClr val="000000">
-                          <a:alpha val="100000"/>
-                        </a:srgbClr>
-                      </a:solidFill>
-                      <a:prstDash val="solid"/>
-                      <a:round/>
-                      <a:headEnd type="none" w="med" len="med"/>
-                      <a:tailEnd type="none" w="med" len="med"/>
-                    </a:lnL>
-                    <a:lnR w="12700" cap="flat" cmpd="sng" algn="ctr">
-                      <a:solidFill>
-                        <a:srgbClr val="000000">
-                          <a:alpha val="100000"/>
-                        </a:srgbClr>
-                      </a:solidFill>
-                      <a:prstDash val="solid"/>
-                      <a:round/>
-                      <a:headEnd type="none" w="med" len="med"/>
-                      <a:tailEnd type="none" w="med" len="med"/>
-                    </a:lnR>
-                    <a:lnT w="12700" cap="flat" cmpd="sng" algn="ctr">
-                      <a:solidFill>
-                        <a:srgbClr val="000000">
-                          <a:alpha val="100000"/>
-                        </a:srgbClr>
-                      </a:solidFill>
-                      <a:prstDash val="solid"/>
-                      <a:round/>
-                      <a:headEnd type="none" w="med" len="med"/>
-                      <a:tailEnd type="none" w="med" len="med"/>
-                    </a:lnT>
-                    <a:lnB w="12700" cap="flat" cmpd="sng" algn="ctr">
-                      <a:solidFill>
-                        <a:srgbClr val="000000">
-                          <a:alpha val="100000"/>
-                        </a:srgbClr>
-                      </a:solidFill>
-                      <a:prstDash val="solid"/>
-                      <a:round/>
-                      <a:headEnd type="none" w="med" len="med"/>
-                      <a:tailEnd type="none" w="med" len="med"/>
-                    </a:lnB>
-                    <a:solidFill>
-                      <a:schemeClr val="bg1"/>
-                    </a:solidFill>
-                  </a:tcPr>
-                </a:tc>
-              </a:tr>
             </a:tbl>
           </a:graphicData>
         </a:graphic>
       </p:graphicFrame>
       <p:pic>
         <p:nvPicPr>
-          <p:cNvPr id="15" name="그림 14" descr="C:/Users/KOSMO-08/AppData/Roaming/PolarisOffice/ETemp/11312_17366784/fImage228049862995.png"/>
+          <p:cNvPr id="15" name="그림 14" descr="C:/Users/KOSMO-08/AppData/Roaming/PolarisOffice/ETemp/12752_7558552/fImage228043348145.png"/>
           <p:cNvPicPr>
             <a:picLocks noChangeAspect="1"/>
           </p:cNvPicPr>
           <p:nvPr/>
         </p:nvPicPr>
         <p:blipFill rotWithShape="1">
-          <a:blip r:embed="rId1" cstate="print">
-            <a:extLst>
-              <a:ext uri="{28A0092B-C50C-407E-A947-70E740481C1C}">
-                <a14:useLocalDpi xmlns:a14="http://schemas.microsoft.com/office/drawing/2010/main" val="0"/>
-              </a:ext>
-            </a:extLst>
-          </a:blip>
+          <a:blip r:embed="rId1" cstate="hqprint"/>
           <a:srcRect/>
           <a:stretch>
             <a:fillRect/>
@@ -19349,7 +19178,7 @@
         <p:spPr>
           <a:xfrm>
             <a:off x="271145" y="1101725"/>
-            <a:ext cx="8737600" cy="5060950"/>
+            <a:ext cx="8738235" cy="5061585"/>
           </a:xfrm>
           <a:prstGeom prst="rect">
             <a:avLst/>
@@ -19366,9 +19195,9 @@
         <p:grpSpPr>
           <a:xfrm rot="0">
             <a:off x="5444490" y="2632075"/>
-            <a:ext cx="239395" cy="260350"/>
-            <a:chOff x="5463540" y="2632075"/>
-            <a:chExt cx="239395" cy="260350"/>
+            <a:ext cx="240030" cy="260985"/>
+            <a:chOff x="5444490" y="2632075"/>
+            <a:chExt cx="240030" cy="260985"/>
           </a:xfrm>
         </p:grpSpPr>
         <p:sp>
@@ -19379,8 +19208,8 @@
           </p:nvSpPr>
           <p:spPr>
             <a:xfrm>
-              <a:off x="5493385" y="2667000"/>
-              <a:ext cx="209550" cy="209550"/>
+              <a:off x="5474335" y="2667000"/>
+              <a:ext cx="210185" cy="210185"/>
             </a:xfrm>
             <a:prstGeom prst="ellipse">
               <a:avLst/>
@@ -19440,8 +19269,8 @@
           </p:nvSpPr>
           <p:spPr>
             <a:xfrm>
-              <a:off x="5463540" y="2632075"/>
-              <a:ext cx="220345" cy="260350"/>
+              <a:off x="5444490" y="2632075"/>
+              <a:ext cx="220980" cy="260985"/>
             </a:xfrm>
             <a:prstGeom prst="rect">
               <a:avLst/>
@@ -19477,7 +19306,7 @@
                 </a:rPr>
                 <a:t>2</a:t>
               </a:r>
-              <a:endParaRPr lang="en-US" altLang="ko-KR" sz="1100" b="1">
+              <a:endParaRPr lang="ko-KR" altLang="en-US" sz="1100" b="1">
                 <a:solidFill>
                   <a:schemeClr val="bg1"/>
                 </a:solidFill>
@@ -19497,9 +19326,9 @@
         <p:grpSpPr>
           <a:xfrm rot="0">
             <a:off x="7463155" y="2640965"/>
-            <a:ext cx="239395" cy="260350"/>
+            <a:ext cx="240030" cy="260985"/>
             <a:chOff x="7463155" y="2640965"/>
-            <a:chExt cx="239395" cy="260350"/>
+            <a:chExt cx="240030" cy="260985"/>
           </a:xfrm>
         </p:grpSpPr>
         <p:sp>
@@ -19511,7 +19340,7 @@
           <p:spPr>
             <a:xfrm>
               <a:off x="7493000" y="2675890"/>
-              <a:ext cx="209550" cy="209550"/>
+              <a:ext cx="210185" cy="210185"/>
             </a:xfrm>
             <a:prstGeom prst="ellipse">
               <a:avLst/>
@@ -19572,7 +19401,7 @@
           <p:spPr>
             <a:xfrm>
               <a:off x="7463155" y="2640965"/>
-              <a:ext cx="220345" cy="260350"/>
+              <a:ext cx="220980" cy="260985"/>
             </a:xfrm>
             <a:prstGeom prst="rect">
               <a:avLst/>
@@ -19608,7 +19437,7 @@
                 </a:rPr>
                 <a:t>3</a:t>
               </a:r>
-              <a:endParaRPr lang="en-US" altLang="ko-KR" sz="1100" b="1">
+              <a:endParaRPr lang="ko-KR" altLang="en-US" sz="1100" b="1">
                 <a:solidFill>
                   <a:schemeClr val="bg1"/>
                 </a:solidFill>
@@ -19628,9 +19457,9 @@
         <p:grpSpPr>
           <a:xfrm rot="0">
             <a:off x="5607050" y="3279775"/>
-            <a:ext cx="239395" cy="260350"/>
+            <a:ext cx="240030" cy="260985"/>
             <a:chOff x="5607050" y="3279775"/>
-            <a:chExt cx="239395" cy="260350"/>
+            <a:chExt cx="240030" cy="260985"/>
           </a:xfrm>
         </p:grpSpPr>
         <p:sp>
@@ -19642,7 +19471,7 @@
           <p:spPr>
             <a:xfrm>
               <a:off x="5636895" y="3314700"/>
-              <a:ext cx="209550" cy="209550"/>
+              <a:ext cx="210185" cy="210185"/>
             </a:xfrm>
             <a:prstGeom prst="ellipse">
               <a:avLst/>
@@ -19703,7 +19532,7 @@
           <p:spPr>
             <a:xfrm>
               <a:off x="5607050" y="3279775"/>
-              <a:ext cx="220345" cy="260350"/>
+              <a:ext cx="220980" cy="260985"/>
             </a:xfrm>
             <a:prstGeom prst="rect">
               <a:avLst/>
@@ -19739,7 +19568,7 @@
                 </a:rPr>
                 <a:t>4</a:t>
               </a:r>
-              <a:endParaRPr lang="en-US" altLang="ko-KR" sz="1100" b="1">
+              <a:endParaRPr lang="ko-KR" altLang="en-US" sz="1100" b="1">
                 <a:solidFill>
                   <a:schemeClr val="bg1"/>
                 </a:solidFill>
@@ -19759,9 +19588,9 @@
         <p:grpSpPr>
           <a:xfrm rot="0">
             <a:off x="5826760" y="3892550"/>
-            <a:ext cx="239395" cy="260350"/>
+            <a:ext cx="240030" cy="260350"/>
             <a:chOff x="5826760" y="3892550"/>
-            <a:chExt cx="239395" cy="260350"/>
+            <a:chExt cx="240030" cy="260350"/>
           </a:xfrm>
         </p:grpSpPr>
         <p:sp>
@@ -19773,7 +19602,7 @@
           <p:spPr>
             <a:xfrm>
               <a:off x="5856605" y="3927475"/>
-              <a:ext cx="209550" cy="209550"/>
+              <a:ext cx="210185" cy="210185"/>
             </a:xfrm>
             <a:prstGeom prst="ellipse">
               <a:avLst/>
@@ -19834,7 +19663,7 @@
           <p:spPr>
             <a:xfrm>
               <a:off x="5826760" y="3892550"/>
-              <a:ext cx="220345" cy="260350"/>
+              <a:ext cx="220980" cy="260350"/>
             </a:xfrm>
             <a:prstGeom prst="rect">
               <a:avLst/>
@@ -19868,7 +19697,7 @@
                   <a:latin typeface="맑은 고딕" panose="020B0503020000020004" charset="-127"/>
                   <a:ea typeface="맑은 고딕" panose="020B0503020000020004" charset="-127"/>
                 </a:rPr>
-                <a:t>5</a:t>
+                <a:t>6</a:t>
               </a:r>
               <a:endParaRPr lang="en-US" altLang="ko-KR" sz="1100" b="1">
                 <a:solidFill>
@@ -19890,9 +19719,9 @@
         <p:grpSpPr>
           <a:xfrm rot="0">
             <a:off x="7039610" y="3892550"/>
-            <a:ext cx="239395" cy="260350"/>
+            <a:ext cx="240030" cy="260350"/>
             <a:chOff x="7039610" y="3892550"/>
-            <a:chExt cx="239395" cy="260350"/>
+            <a:chExt cx="240030" cy="260350"/>
           </a:xfrm>
         </p:grpSpPr>
         <p:sp>
@@ -19904,7 +19733,7 @@
           <p:spPr>
             <a:xfrm>
               <a:off x="7069455" y="3927475"/>
-              <a:ext cx="209550" cy="209550"/>
+              <a:ext cx="210185" cy="210185"/>
             </a:xfrm>
             <a:prstGeom prst="ellipse">
               <a:avLst/>
@@ -19965,7 +19794,7 @@
           <p:spPr>
             <a:xfrm>
               <a:off x="7039610" y="3892550"/>
-              <a:ext cx="220345" cy="260350"/>
+              <a:ext cx="220980" cy="260350"/>
             </a:xfrm>
             <a:prstGeom prst="rect">
               <a:avLst/>
@@ -19999,7 +19828,7 @@
                   <a:latin typeface="맑은 고딕" panose="020B0503020000020004" charset="-127"/>
                   <a:ea typeface="맑은 고딕" panose="020B0503020000020004" charset="-127"/>
                 </a:rPr>
-                <a:t>5</a:t>
+                <a:t>6</a:t>
               </a:r>
               <a:endParaRPr lang="en-US" altLang="ko-KR" sz="1100" b="1">
                 <a:solidFill>
@@ -20021,9 +19850,9 @@
         <p:grpSpPr>
           <a:xfrm rot="0">
             <a:off x="4886960" y="3892550"/>
-            <a:ext cx="239395" cy="260350"/>
+            <a:ext cx="240030" cy="260985"/>
             <a:chOff x="4886960" y="3892550"/>
-            <a:chExt cx="239395" cy="260350"/>
+            <a:chExt cx="240030" cy="260985"/>
           </a:xfrm>
         </p:grpSpPr>
         <p:sp>
@@ -20035,7 +19864,7 @@
           <p:spPr>
             <a:xfrm>
               <a:off x="4916805" y="3927475"/>
-              <a:ext cx="209550" cy="209550"/>
+              <a:ext cx="210185" cy="210185"/>
             </a:xfrm>
             <a:prstGeom prst="ellipse">
               <a:avLst/>
@@ -20096,7 +19925,7 @@
           <p:spPr>
             <a:xfrm>
               <a:off x="4886960" y="3892550"/>
-              <a:ext cx="220345" cy="260350"/>
+              <a:ext cx="220980" cy="260985"/>
             </a:xfrm>
             <a:prstGeom prst="rect">
               <a:avLst/>
@@ -20132,7 +19961,7 @@
                 </a:rPr>
                 <a:t>5</a:t>
               </a:r>
-              <a:endParaRPr lang="en-US" altLang="ko-KR" sz="1100" b="1">
+              <a:endParaRPr lang="ko-KR" altLang="en-US" sz="1100" b="1">
                 <a:solidFill>
                   <a:schemeClr val="bg1"/>
                 </a:solidFill>
@@ -20152,9 +19981,9 @@
         <p:grpSpPr>
           <a:xfrm rot="0">
             <a:off x="4892675" y="4562475"/>
-            <a:ext cx="239395" cy="260350"/>
-            <a:chOff x="4902200" y="4562475"/>
-            <a:chExt cx="239395" cy="260350"/>
+            <a:ext cx="240030" cy="260350"/>
+            <a:chOff x="4892675" y="4562475"/>
+            <a:chExt cx="240030" cy="260350"/>
           </a:xfrm>
         </p:grpSpPr>
         <p:sp>
@@ -20165,8 +19994,8 @@
           </p:nvSpPr>
           <p:spPr>
             <a:xfrm>
-              <a:off x="4932045" y="4597400"/>
-              <a:ext cx="209550" cy="209550"/>
+              <a:off x="4922520" y="4597400"/>
+              <a:ext cx="210185" cy="210185"/>
             </a:xfrm>
             <a:prstGeom prst="ellipse">
               <a:avLst/>
@@ -20226,8 +20055,8 @@
           </p:nvSpPr>
           <p:spPr>
             <a:xfrm>
-              <a:off x="4902200" y="4562475"/>
-              <a:ext cx="220345" cy="260350"/>
+              <a:off x="4892675" y="4562475"/>
+              <a:ext cx="220980" cy="260350"/>
             </a:xfrm>
             <a:prstGeom prst="rect">
               <a:avLst/>
@@ -20261,7 +20090,7 @@
                   <a:latin typeface="맑은 고딕" panose="020B0503020000020004" charset="-127"/>
                   <a:ea typeface="맑은 고딕" panose="020B0503020000020004" charset="-127"/>
                 </a:rPr>
-                <a:t>6</a:t>
+                <a:t>7</a:t>
               </a:r>
               <a:endParaRPr lang="en-US" altLang="ko-KR" sz="1100" b="1">
                 <a:solidFill>
@@ -20283,9 +20112,9 @@
         <p:grpSpPr>
           <a:xfrm rot="0">
             <a:off x="4901565" y="5191125"/>
-            <a:ext cx="239395" cy="260350"/>
+            <a:ext cx="240030" cy="260350"/>
             <a:chOff x="4901565" y="5191125"/>
-            <a:chExt cx="239395" cy="260350"/>
+            <a:chExt cx="240030" cy="260350"/>
           </a:xfrm>
         </p:grpSpPr>
         <p:sp>
@@ -20297,7 +20126,7 @@
           <p:spPr>
             <a:xfrm>
               <a:off x="4931410" y="5226050"/>
-              <a:ext cx="209550" cy="209550"/>
+              <a:ext cx="210185" cy="210185"/>
             </a:xfrm>
             <a:prstGeom prst="ellipse">
               <a:avLst/>
@@ -20358,7 +20187,7 @@
           <p:spPr>
             <a:xfrm>
               <a:off x="4901565" y="5191125"/>
-              <a:ext cx="220345" cy="260350"/>
+              <a:ext cx="220980" cy="260350"/>
             </a:xfrm>
             <a:prstGeom prst="rect">
               <a:avLst/>
@@ -20392,7 +20221,7 @@
                   <a:latin typeface="맑은 고딕" panose="020B0503020000020004" charset="-127"/>
                   <a:ea typeface="맑은 고딕" panose="020B0503020000020004" charset="-127"/>
                 </a:rPr>
-                <a:t>7</a:t>
+                <a:t>8</a:t>
               </a:r>
               <a:endParaRPr lang="en-US" altLang="ko-KR" sz="1100" b="1">
                 <a:solidFill>
@@ -20407,20 +20236,14 @@
       </p:grpSp>
       <p:pic>
         <p:nvPicPr>
-          <p:cNvPr id="40" name="그림 39" descr="C:/Users/KOSMO-08/AppData/Roaming/PolarisOffice/ETemp/11312_17366784/fImage415710111942.png"/>
+          <p:cNvPr id="40" name="그림 39" descr="C:/Users/KOSMO-08/AppData/Roaming/PolarisOffice/ETemp/12752_7558552/fImage41573593281.png"/>
           <p:cNvPicPr>
             <a:picLocks noChangeAspect="1"/>
           </p:cNvPicPr>
           <p:nvPr/>
         </p:nvPicPr>
         <p:blipFill rotWithShape="1">
-          <a:blip r:embed="rId2" cstate="print">
-            <a:extLst>
-              <a:ext uri="{28A0092B-C50C-407E-A947-70E740481C1C}">
-                <a14:useLocalDpi xmlns:a14="http://schemas.microsoft.com/office/drawing/2010/main" val="0"/>
-              </a:ext>
-            </a:extLst>
-          </a:blip>
+          <a:blip r:embed="rId2" cstate="hqprint"/>
           <a:srcRect/>
           <a:stretch>
             <a:fillRect/>
@@ -20429,7 +20252,7 @@
         <p:spPr>
           <a:xfrm>
             <a:off x="5702300" y="1485900"/>
-            <a:ext cx="2924810" cy="438785"/>
+            <a:ext cx="2925445" cy="439420"/>
           </a:xfrm>
           <a:prstGeom prst="rect">
             <a:avLst/>
@@ -20446,9 +20269,9 @@
         <p:grpSpPr>
           <a:xfrm rot="0">
             <a:off x="6963410" y="1317625"/>
-            <a:ext cx="239395" cy="260350"/>
+            <a:ext cx="240030" cy="260350"/>
             <a:chOff x="6963410" y="1317625"/>
-            <a:chExt cx="239395" cy="260350"/>
+            <a:chExt cx="240030" cy="260350"/>
           </a:xfrm>
         </p:grpSpPr>
         <p:sp>
@@ -20460,7 +20283,7 @@
           <p:spPr>
             <a:xfrm>
               <a:off x="6993255" y="1352550"/>
-              <a:ext cx="209550" cy="209550"/>
+              <a:ext cx="210185" cy="210185"/>
             </a:xfrm>
             <a:prstGeom prst="ellipse">
               <a:avLst/>
@@ -20521,7 +20344,7 @@
           <p:spPr>
             <a:xfrm>
               <a:off x="6963410" y="1317625"/>
-              <a:ext cx="220345" cy="260350"/>
+              <a:ext cx="220980" cy="260350"/>
             </a:xfrm>
             <a:prstGeom prst="rect">
               <a:avLst/>
@@ -20555,7 +20378,7 @@
                   <a:latin typeface="맑은 고딕" panose="020B0503020000020004" charset="-127"/>
                   <a:ea typeface="맑은 고딕" panose="020B0503020000020004" charset="-127"/>
                 </a:rPr>
-                <a:t>8</a:t>
+                <a:t>9</a:t>
               </a:r>
               <a:endParaRPr lang="en-US" altLang="ko-KR" sz="1100" b="1">
                 <a:solidFill>
@@ -20570,7 +20393,7 @@
       </p:grpSp>
       <p:graphicFrame>
         <p:nvGraphicFramePr>
-          <p:cNvPr id="7" name="표 1"/>
+          <p:cNvPr id="7" name="표 6"/>
           <p:cNvGraphicFramePr>
             <a:graphicFrameLocks noGrp="1"/>
           </p:cNvGraphicFramePr>
@@ -20596,6 +20419,7 @@
                 <a:tc>
                   <a:txBody>
                     <a:bodyPr/>
+                    <a:lstStyle/>
                     <a:p>
                       <a:pPr marL="0" indent="0" algn="ctr" defTabSz="914400" eaLnBrk="1" latinLnBrk="1" hangingPunct="1">
                         <a:lnSpc>
@@ -20685,6 +20509,7 @@
                 <a:tc>
                   <a:txBody>
                     <a:bodyPr/>
+                    <a:lstStyle/>
                     <a:p>
                       <a:pPr marL="0" indent="0" algn="ctr" defTabSz="914400" eaLnBrk="1" latinLnBrk="1" hangingPunct="1">
                         <a:lnSpc>
@@ -20774,6 +20599,7 @@
                 <a:tc>
                   <a:txBody>
                     <a:bodyPr/>
+                    <a:lstStyle/>
                     <a:p>
                       <a:pPr marL="0" indent="0" algn="ctr" defTabSz="914400" eaLnBrk="1" latinLnBrk="1" hangingPunct="1">
                         <a:lnSpc>
@@ -20863,6 +20689,7 @@
                 <a:tc>
                   <a:txBody>
                     <a:bodyPr/>
+                    <a:lstStyle/>
                     <a:p>
                       <a:pPr marL="0" indent="0" algn="ctr" defTabSz="914400" eaLnBrk="1" latinLnBrk="1" hangingPunct="1">
                         <a:lnSpc>
@@ -20954,6 +20781,7 @@
                 <a:tc>
                   <a:txBody>
                     <a:bodyPr/>
+                    <a:lstStyle/>
                     <a:p>
                       <a:pPr marL="0" indent="0" algn="ctr" defTabSz="914400" eaLnBrk="1" latinLnBrk="1" hangingPunct="1">
                         <a:lnSpc>
@@ -20969,17 +20797,16 @@
                         <a:buNone/>
                       </a:pPr>
                       <a:r>
-                        <a:rPr lang="en-US" altLang="ko-KR" sz="1000" b="0">
+                        <a:rPr lang="en-US" altLang="ko-KR" sz="1000" b="0" kern="1200">
                           <a:solidFill>
                             <a:schemeClr val="tx1"/>
                           </a:solidFill>
                           <a:latin typeface="맑은 고딕" panose="020B0503020000020004" charset="-127"/>
                           <a:ea typeface="맑은 고딕" panose="020B0503020000020004" charset="-127"/>
-                          <a:sym typeface="+mn-ea"/>
                         </a:rPr>
                         <a:t>F-BP-BO-DI</a:t>
                       </a:r>
-                      <a:endParaRPr lang="ko-KR" altLang="en-US" sz="1000" b="0" i="0" kern="1200">
+                      <a:endParaRPr lang="ko-KR" altLang="en-US" sz="1000" b="0" kern="1200">
                         <a:solidFill>
                           <a:schemeClr val="tx1"/>
                         </a:solidFill>
@@ -21041,6 +20868,7 @@
                 <a:tc>
                   <a:txBody>
                     <a:bodyPr/>
+                    <a:lstStyle/>
                     <a:p>
                       <a:pPr marL="0" indent="0" algn="ctr" defTabSz="914400" eaLnBrk="1" latinLnBrk="1" hangingPunct="1">
                         <a:lnSpc>
@@ -21065,7 +20893,7 @@
                         </a:rPr>
                         <a:t>order.html</a:t>
                       </a:r>
-                      <a:endParaRPr lang="en-US" altLang="ko-KR" sz="1000" b="0" i="0" kern="1200">
+                      <a:endParaRPr lang="ko-KR" altLang="en-US" sz="1000" b="0" i="0" kern="1200">
                         <a:solidFill>
                           <a:schemeClr val="tx1"/>
                         </a:solidFill>
@@ -21127,6 +20955,7 @@
                 <a:tc>
                   <a:txBody>
                     <a:bodyPr/>
+                    <a:lstStyle/>
                     <a:p>
                       <a:pPr marL="0" indent="0" algn="ctr" defTabSz="914400" eaLnBrk="1" latinLnBrk="1" hangingPunct="1">
                         <a:lnSpc>
@@ -21141,16 +20970,6 @@
                         <a:buFontTx/>
                         <a:buNone/>
                       </a:pPr>
-                      <a:r>
-                        <a:rPr lang="ko-KR" altLang="en-US" sz="1000" b="0" i="0" kern="1200">
-                          <a:solidFill>
-                            <a:schemeClr val="tx1"/>
-                          </a:solidFill>
-                          <a:latin typeface="맑은 고딕" panose="020B0503020000020004" charset="-127"/>
-                          <a:ea typeface="맑은 고딕" panose="020B0503020000020004" charset="-127"/>
-                        </a:rPr>
-                        <a:t>교재구매 </a:t>
-                      </a:r>
                       <a:r>
                         <a:rPr lang="en-US" altLang="ko-KR" sz="1000" b="0" i="0" kern="1200">
                           <a:solidFill>
@@ -21159,37 +20978,7 @@
                           <a:latin typeface="맑은 고딕" panose="020B0503020000020004" charset="-127"/>
                           <a:ea typeface="맑은 고딕" panose="020B0503020000020004" charset="-127"/>
                         </a:rPr>
-                        <a:t>&gt; </a:t>
-                      </a:r>
-                      <a:r>
-                        <a:rPr lang="ko-KR" altLang="en-US" sz="1000" b="0" i="0" kern="1200">
-                          <a:solidFill>
-                            <a:schemeClr val="tx1"/>
-                          </a:solidFill>
-                          <a:latin typeface="맑은 고딕" panose="020B0503020000020004" charset="-127"/>
-                          <a:ea typeface="맑은 고딕" panose="020B0503020000020004" charset="-127"/>
-                        </a:rPr>
-                        <a:t>주문결제 </a:t>
-                      </a:r>
-                      <a:r>
-                        <a:rPr lang="en-US" altLang="ko-KR" sz="1000" b="0" i="0" kern="1200">
-                          <a:solidFill>
-                            <a:schemeClr val="tx1"/>
-                          </a:solidFill>
-                          <a:latin typeface="맑은 고딕" panose="020B0503020000020004" charset="-127"/>
-                          <a:ea typeface="맑은 고딕" panose="020B0503020000020004" charset="-127"/>
-                        </a:rPr>
-                        <a:t>&gt; </a:t>
-                      </a:r>
-                      <a:r>
-                        <a:rPr lang="ko-KR" altLang="en-US" sz="1000" b="0" i="0" kern="1200">
-                          <a:solidFill>
-                            <a:schemeClr val="tx1"/>
-                          </a:solidFill>
-                          <a:latin typeface="맑은 고딕" panose="020B0503020000020004" charset="-127"/>
-                          <a:ea typeface="맑은 고딕" panose="020B0503020000020004" charset="-127"/>
-                        </a:rPr>
-                        <a:t>배송정보</a:t>
+                        <a:t>교재구매 &gt; 주문결제 &gt; 배송정보</a:t>
                       </a:r>
                       <a:endParaRPr lang="ko-KR" altLang="en-US" sz="1000" b="0" i="0" kern="1200">
                         <a:solidFill>
@@ -21253,6 +21042,7 @@
                 <a:tc>
                   <a:txBody>
                     <a:bodyPr/>
+                    <a:lstStyle/>
                     <a:p>
                       <a:pPr marL="0" indent="0" algn="ctr" defTabSz="914400" eaLnBrk="1" latinLnBrk="1" hangingPunct="1">
                         <a:lnSpc>
@@ -21268,7 +21058,7 @@
                         <a:buNone/>
                       </a:pPr>
                       <a:r>
-                        <a:rPr lang="ko-KR" altLang="en-US" sz="1000" b="0" i="0" kern="1200">
+                        <a:rPr lang="en-US" altLang="ko-KR" sz="1000" b="0" i="0" kern="1200">
                           <a:solidFill>
                             <a:schemeClr val="tx1"/>
                           </a:solidFill>
@@ -21343,28 +21133,28 @@
       </p:graphicFrame>
       <p:grpSp>
         <p:nvGrpSpPr>
-          <p:cNvPr id="8" name="그룹 19"/>
+          <p:cNvPr id="8" name="그룹 7"/>
           <p:cNvGrpSpPr/>
           <p:nvPr/>
         </p:nvGrpSpPr>
         <p:grpSpPr>
           <a:xfrm rot="0">
             <a:off x="6175375" y="2039620"/>
-            <a:ext cx="238760" cy="260985"/>
-            <a:chOff x="5463540" y="2632075"/>
-            <a:chExt cx="238760" cy="260985"/>
+            <a:ext cx="239395" cy="261620"/>
+            <a:chOff x="6175375" y="2039620"/>
+            <a:chExt cx="239395" cy="261620"/>
           </a:xfrm>
         </p:grpSpPr>
         <p:sp>
           <p:nvSpPr>
-            <p:cNvPr id="9" name="도형 15"/>
+            <p:cNvPr id="9" name="도형 8"/>
             <p:cNvSpPr/>
             <p:nvPr/>
           </p:nvSpPr>
           <p:spPr>
             <a:xfrm>
-              <a:off x="5493385" y="2667000"/>
-              <a:ext cx="209550" cy="209550"/>
+              <a:off x="6205220" y="2074545"/>
+              <a:ext cx="210185" cy="210185"/>
             </a:xfrm>
             <a:prstGeom prst="ellipse">
               <a:avLst/>
@@ -21391,6 +21181,7 @@
             <a:bodyPr vert="horz" wrap="square" lIns="91440" tIns="45720" rIns="91440" bIns="45720" anchor="ctr">
               <a:noAutofit/>
             </a:bodyPr>
+            <a:lstStyle/>
             <a:p>
               <a:pPr marL="0" indent="0" algn="ctr" defTabSz="914400" eaLnBrk="1" latinLnBrk="1" hangingPunct="1">
                 <a:lnSpc>
@@ -21417,14 +21208,14 @@
         </p:sp>
         <p:sp>
           <p:nvSpPr>
-            <p:cNvPr id="10" name="텍스트 상자 16"/>
+            <p:cNvPr id="10" name="텍스트 상자 9"/>
             <p:cNvSpPr txBox="1"/>
             <p:nvPr/>
           </p:nvSpPr>
           <p:spPr>
             <a:xfrm>
-              <a:off x="5463540" y="2632075"/>
-              <a:ext cx="220345" cy="260985"/>
+              <a:off x="6175375" y="2039620"/>
+              <a:ext cx="220980" cy="261620"/>
             </a:xfrm>
             <a:prstGeom prst="rect">
               <a:avLst/>
@@ -21435,6 +21226,7 @@
             <a:bodyPr vert="horz" wrap="square" lIns="91440" tIns="45720" rIns="91440" bIns="45720" anchor="t">
               <a:spAutoFit/>
             </a:bodyPr>
+            <a:lstStyle/>
             <a:p>
               <a:pPr marL="0" indent="0" algn="l" defTabSz="914400" eaLnBrk="1" latinLnBrk="1" hangingPunct="1">
                 <a:lnSpc>
@@ -21510,6 +21302,30 @@
           <a:chExt cx="0" cy="0"/>
         </a:xfrm>
       </p:grpSpPr>
+      <p:pic>
+        <p:nvPicPr>
+          <p:cNvPr id="2" name="Picture 1"/>
+          <p:cNvPicPr>
+            <a:picLocks noChangeAspect="1"/>
+          </p:cNvPicPr>
+          <p:nvPr/>
+        </p:nvPicPr>
+        <p:blipFill>
+          <a:blip r:embed="rId1"/>
+          <a:stretch>
+            <a:fillRect/>
+          </a:stretch>
+        </p:blipFill>
+        <p:spPr>
+          <a:xfrm>
+            <a:off x="897255" y="1469390"/>
+            <a:ext cx="7733030" cy="4208145"/>
+          </a:xfrm>
+          <a:prstGeom prst="rect">
+            <a:avLst/>
+          </a:prstGeom>
+        </p:spPr>
+      </p:pic>
       <p:sp>
         <p:nvSpPr>
           <p:cNvPr id="3" name="도형 2"/>
@@ -21519,7 +21335,7 @@
         <p:spPr>
           <a:xfrm>
             <a:off x="142875" y="714375"/>
-            <a:ext cx="8993505" cy="5945505"/>
+            <a:ext cx="8994140" cy="5946140"/>
           </a:xfrm>
           <a:prstGeom prst="rect">
             <a:avLst/>
@@ -21979,16 +21795,6 @@
                         <a:buFontTx/>
                         <a:buNone/>
                       </a:pPr>
-                      <a:r>
-                        <a:rPr lang="en-US" altLang="ko-KR" sz="1000" b="0" i="0" kern="1200">
-                          <a:solidFill>
-                            <a:schemeClr val="tx1"/>
-                          </a:solidFill>
-                          <a:latin typeface="맑은 고딕" panose="020B0503020000020004" charset="-127"/>
-                          <a:ea typeface="맑은 고딕" panose="020B0503020000020004" charset="-127"/>
-                        </a:rPr>
-                        <a:t>R</a:t>
-                      </a:r>
                       <a:endParaRPr lang="ko-KR" altLang="en-US" sz="1000" b="0" i="0" kern="1200">
                         <a:solidFill>
                           <a:schemeClr val="tx1"/>
@@ -22065,6 +21871,16 @@
                         <a:buNone/>
                       </a:pPr>
                       <a:r>
+                        <a:rPr altLang="en-US" sz="1000" kern="1200">
+                          <a:solidFill>
+                            <a:schemeClr val="tx1"/>
+                          </a:solidFill>
+                          <a:latin typeface="맑은 고딕" panose="020B0503020000020004" charset="-127"/>
+                          <a:ea typeface="맑은 고딕" panose="020B0503020000020004" charset="-127"/>
+                        </a:rPr>
+                        <a:t>입금은행</a:t>
+                      </a:r>
+                      <a:r>
                         <a:rPr lang="en-US" altLang="ko-KR" sz="1000" kern="1200">
                           <a:solidFill>
                             <a:schemeClr val="tx1"/>
@@ -22072,9 +21888,39 @@
                           <a:latin typeface="맑은 고딕" panose="020B0503020000020004" charset="-127"/>
                           <a:ea typeface="맑은 고딕" panose="020B0503020000020004" charset="-127"/>
                         </a:rPr>
-                        <a:t>사용자가 선택한 [입금은행]을 </a:t>
+                        <a:t>,</a:t>
                       </a:r>
-                      <a:endParaRPr lang="ko-KR" altLang="en-US" sz="1000" kern="1200">
+                      <a:r>
+                        <a:rPr altLang="en-US" sz="1000" kern="1200">
+                          <a:solidFill>
+                            <a:schemeClr val="tx1"/>
+                          </a:solidFill>
+                          <a:latin typeface="맑은 고딕" panose="020B0503020000020004" charset="-127"/>
+                          <a:ea typeface="맑은 고딕" panose="020B0503020000020004" charset="-127"/>
+                        </a:rPr>
+                        <a:t>입금계좌</a:t>
+                      </a:r>
+                      <a:r>
+                        <a:rPr lang="en-US" altLang="ko-KR" sz="1000" kern="1200">
+                          <a:solidFill>
+                            <a:schemeClr val="tx1"/>
+                          </a:solidFill>
+                          <a:latin typeface="맑은 고딕" panose="020B0503020000020004" charset="-127"/>
+                          <a:ea typeface="맑은 고딕" panose="020B0503020000020004" charset="-127"/>
+                        </a:rPr>
+                        <a:t>,</a:t>
+                      </a:r>
+                      <a:r>
+                        <a:rPr altLang="en-US" sz="1000" kern="1200">
+                          <a:solidFill>
+                            <a:schemeClr val="tx1"/>
+                          </a:solidFill>
+                          <a:latin typeface="맑은 고딕" panose="020B0503020000020004" charset="-127"/>
+                          <a:ea typeface="맑은 고딕" panose="020B0503020000020004" charset="-127"/>
+                        </a:rPr>
+                        <a:t>이용안내를 </a:t>
+                      </a:r>
+                      <a:endParaRPr altLang="en-US" sz="1000" kern="1200">
                         <a:solidFill>
                           <a:schemeClr val="tx1"/>
                         </a:solidFill>
@@ -22097,6 +21943,16 @@
                         <a:buNone/>
                       </a:pPr>
                       <a:r>
+                        <a:rPr altLang="en-US" sz="1000" kern="1200">
+                          <a:solidFill>
+                            <a:schemeClr val="tx1"/>
+                          </a:solidFill>
+                          <a:latin typeface="맑은 고딕" panose="020B0503020000020004" charset="-127"/>
+                          <a:ea typeface="맑은 고딕" panose="020B0503020000020004" charset="-127"/>
+                        </a:rPr>
+                        <a:t>보여준다</a:t>
+                      </a:r>
+                      <a:r>
                         <a:rPr lang="en-US" altLang="ko-KR" sz="1000" kern="1200">
                           <a:solidFill>
                             <a:schemeClr val="tx1"/>
@@ -22104,9 +21960,9 @@
                           <a:latin typeface="맑은 고딕" panose="020B0503020000020004" charset="-127"/>
                           <a:ea typeface="맑은 고딕" panose="020B0503020000020004" charset="-127"/>
                         </a:rPr>
-                        <a:t>DB로부터 불러옴</a:t>
+                        <a:t>.</a:t>
                       </a:r>
-                      <a:endParaRPr lang="ko-KR" altLang="en-US" sz="1000" kern="1200">
+                      <a:endParaRPr lang="en-US" altLang="ko-KR" sz="1000" kern="1200">
                         <a:solidFill>
                           <a:schemeClr val="tx1"/>
                         </a:solidFill>
@@ -22270,16 +22126,6 @@
                         <a:buFontTx/>
                         <a:buNone/>
                       </a:pPr>
-                      <a:r>
-                        <a:rPr lang="en-US" altLang="ko-KR" sz="1000" b="0" i="0" kern="1200">
-                          <a:solidFill>
-                            <a:schemeClr val="tx1"/>
-                          </a:solidFill>
-                          <a:latin typeface="맑은 고딕" panose="020B0503020000020004" charset="-127"/>
-                          <a:ea typeface="맑은 고딕" panose="020B0503020000020004" charset="-127"/>
-                        </a:rPr>
-                        <a:t>R</a:t>
-                      </a:r>
                       <a:endParaRPr lang="ko-KR" altLang="en-US" sz="1000" b="0" i="0" kern="1200">
                         <a:solidFill>
                           <a:schemeClr val="tx1"/>
@@ -22356,37 +22202,25 @@
                         <a:buNone/>
                       </a:pPr>
                       <a:r>
-                        <a:rPr lang="en-US" altLang="ko-KR" sz="1000" kern="1200">
+                        <a:rPr altLang="en-US" sz="1000" kern="1200">
                           <a:solidFill>
                             <a:schemeClr val="tx1"/>
                           </a:solidFill>
                           <a:latin typeface="맑은 고딕" panose="020B0503020000020004" charset="-127"/>
                           <a:ea typeface="맑은 고딕" panose="020B0503020000020004" charset="-127"/>
                         </a:rPr>
-                        <a:t>사용자가 선택한 [입금은행]의 </a:t>
+                        <a:t>입금은행을 선택할 수 있는</a:t>
                       </a:r>
-                      <a:endParaRPr lang="ko-KR" altLang="en-US" sz="1000" kern="1200">
-                        <a:solidFill>
-                          <a:schemeClr val="tx1"/>
-                        </a:solidFill>
-                        <a:latin typeface="맑은 고딕" panose="020B0503020000020004" charset="-127"/>
-                        <a:ea typeface="맑은 고딕" panose="020B0503020000020004" charset="-127"/>
-                      </a:endParaRPr>
-                    </a:p>
-                    <a:p>
-                      <a:pPr marL="0" indent="0" algn="ctr" defTabSz="914400" eaLnBrk="1" latinLnBrk="1" hangingPunct="1">
-                        <a:lnSpc>
-                          <a:spcPct val="100000"/>
-                        </a:lnSpc>
-                        <a:spcBef>
-                          <a:spcPts val="0"/>
-                        </a:spcBef>
-                        <a:spcAft>
-                          <a:spcPts val="0"/>
-                        </a:spcAft>
-                        <a:buFontTx/>
-                        <a:buNone/>
-                      </a:pPr>
+                      <a:r>
+                        <a:rPr altLang="en-US" sz="1000" kern="1200">
+                          <a:solidFill>
+                            <a:schemeClr val="tx1"/>
+                          </a:solidFill>
+                          <a:latin typeface="맑은 고딕" panose="020B0503020000020004" charset="-127"/>
+                          <a:ea typeface="맑은 고딕" panose="020B0503020000020004" charset="-127"/>
+                        </a:rPr>
+                        <a:t> 목록을 보여준다</a:t>
+                      </a:r>
                       <a:r>
                         <a:rPr lang="en-US" altLang="ko-KR" sz="1000" kern="1200">
                           <a:solidFill>
@@ -22395,9 +22229,9 @@
                           <a:latin typeface="맑은 고딕" panose="020B0503020000020004" charset="-127"/>
                           <a:ea typeface="맑은 고딕" panose="020B0503020000020004" charset="-127"/>
                         </a:rPr>
-                        <a:t>[입금계좌] 번호를 DB로부터 불러와 번호 자동입력</a:t>
+                        <a:t>.</a:t>
                       </a:r>
-                      <a:endParaRPr lang="ko-KR" altLang="en-US" sz="1000" kern="1200">
+                      <a:endParaRPr lang="en-US" altLang="ko-KR" sz="1000" kern="1200">
                         <a:solidFill>
                           <a:schemeClr val="tx1"/>
                         </a:solidFill>
@@ -22637,37 +22471,16 @@
                         <a:buNone/>
                       </a:pPr>
                       <a:r>
-                        <a:rPr lang="en-US" altLang="ko-KR" sz="1000" kern="1200">
+                        <a:rPr altLang="en-US" sz="1000" kern="1200">
                           <a:solidFill>
                             <a:schemeClr val="tx1"/>
                           </a:solidFill>
                           <a:latin typeface="맑은 고딕" panose="020B0503020000020004" charset="-127"/>
                           <a:ea typeface="맑은 고딕" panose="020B0503020000020004" charset="-127"/>
+                          <a:sym typeface="+mn-ea"/>
                         </a:rPr>
-                        <a:t>Mouseover 이벤트 발생 시, </a:t>
+                        <a:t>선택된 입금은행의 입금계좌를 </a:t>
                       </a:r>
-                      <a:endParaRPr lang="ko-KR" altLang="en-US" sz="1000" kern="1200">
-                        <a:solidFill>
-                          <a:schemeClr val="tx1"/>
-                        </a:solidFill>
-                        <a:latin typeface="맑은 고딕" panose="020B0503020000020004" charset="-127"/>
-                        <a:ea typeface="맑은 고딕" panose="020B0503020000020004" charset="-127"/>
-                      </a:endParaRPr>
-                    </a:p>
-                    <a:p>
-                      <a:pPr marL="0" indent="0" algn="ctr" defTabSz="914400" eaLnBrk="1" latinLnBrk="1" hangingPunct="1">
-                        <a:lnSpc>
-                          <a:spcPct val="100000"/>
-                        </a:lnSpc>
-                        <a:spcBef>
-                          <a:spcPts val="0"/>
-                        </a:spcBef>
-                        <a:spcAft>
-                          <a:spcPts val="0"/>
-                        </a:spcAft>
-                        <a:buFontTx/>
-                        <a:buNone/>
-                      </a:pPr>
                       <a:r>
                         <a:rPr lang="en-US" altLang="ko-KR" sz="1000" kern="1200">
                           <a:solidFill>
@@ -22675,8 +22488,9 @@
                           </a:solidFill>
                           <a:latin typeface="맑은 고딕" panose="020B0503020000020004" charset="-127"/>
                           <a:ea typeface="맑은 고딕" panose="020B0503020000020004" charset="-127"/>
+                          <a:sym typeface="+mn-ea"/>
                         </a:rPr>
-                        <a:t>[무통장입금 이용안내] 표시</a:t>
+                        <a:t>자동입력</a:t>
                       </a:r>
                       <a:endParaRPr lang="ko-KR" altLang="en-US" sz="1000" kern="1200">
                         <a:solidFill>
@@ -22757,7 +22571,17 @@
                         <a:buFontTx/>
                         <a:buNone/>
                       </a:pPr>
-                      <a:endParaRPr lang="ko-KR" altLang="en-US" sz="1000" b="0" i="0" kern="1200">
+                      <a:r>
+                        <a:rPr lang="en-US" altLang="ko-KR" sz="1000" b="0" i="0" kern="1200">
+                          <a:solidFill>
+                            <a:schemeClr val="tx1"/>
+                          </a:solidFill>
+                          <a:latin typeface="맑은 고딕" panose="020B0503020000020004" charset="-127"/>
+                          <a:ea typeface="맑은 고딕" panose="020B0503020000020004" charset="-127"/>
+                        </a:rPr>
+                        <a:t>4</a:t>
+                      </a:r>
+                      <a:endParaRPr lang="en-US" altLang="ko-KR" sz="1000" b="0" i="0" kern="1200">
                         <a:solidFill>
                           <a:schemeClr val="tx1"/>
                         </a:solidFill>
@@ -22907,7 +22731,47 @@
                         <a:buFontTx/>
                         <a:buNone/>
                       </a:pPr>
-                      <a:endParaRPr lang="ko-KR" altLang="en-US" sz="1000" b="0" i="0" kern="1200">
+                      <a:r>
+                        <a:rPr altLang="en-US" sz="1000" b="0" i="0" kern="1200">
+                          <a:solidFill>
+                            <a:schemeClr val="tx1"/>
+                          </a:solidFill>
+                          <a:latin typeface="맑은 고딕" panose="020B0503020000020004" charset="-127"/>
+                          <a:ea typeface="맑은 고딕" panose="020B0503020000020004" charset="-127"/>
+                        </a:rPr>
+                        <a:t>무통장입금시</a:t>
+                      </a:r>
+                      <a:r>
+                        <a:rPr lang="en-US" altLang="ko-KR" sz="1000" b="0" i="0" kern="1200">
+                          <a:solidFill>
+                            <a:schemeClr val="tx1"/>
+                          </a:solidFill>
+                          <a:latin typeface="맑은 고딕" panose="020B0503020000020004" charset="-127"/>
+                          <a:ea typeface="맑은 고딕" panose="020B0503020000020004" charset="-127"/>
+                        </a:rPr>
+                        <a:t>,</a:t>
+                      </a:r>
+                      <a:r>
+                        <a:rPr altLang="en-US" sz="1000" b="0" i="0" kern="1200">
+                          <a:solidFill>
+                            <a:schemeClr val="tx1"/>
+                          </a:solidFill>
+                          <a:latin typeface="맑은 고딕" panose="020B0503020000020004" charset="-127"/>
+                          <a:ea typeface="맑은 고딕" panose="020B0503020000020004" charset="-127"/>
+                        </a:rPr>
+                        <a:t> 이용 안내문을 보여준다</a:t>
+                      </a:r>
+                      <a:r>
+                        <a:rPr lang="en-US" altLang="ko-KR" sz="1000" b="0" i="0" kern="1200">
+                          <a:solidFill>
+                            <a:schemeClr val="tx1"/>
+                          </a:solidFill>
+                          <a:latin typeface="맑은 고딕" panose="020B0503020000020004" charset="-127"/>
+                          <a:ea typeface="맑은 고딕" panose="020B0503020000020004" charset="-127"/>
+                        </a:rPr>
+                        <a:t>.</a:t>
+                      </a:r>
+                      <a:endParaRPr lang="en-US" altLang="ko-KR" sz="1000" b="0" i="0" kern="1200">
                         <a:solidFill>
                           <a:schemeClr val="tx1"/>
                         </a:solidFill>
@@ -24574,38 +24438,6 @@
           </a:graphicData>
         </a:graphic>
       </p:graphicFrame>
-      <p:pic>
-        <p:nvPicPr>
-          <p:cNvPr id="15" name="그림 14" descr="C:/Users/KOSMO-08/AppData/Roaming/PolarisOffice/ETemp/11312_17366784/fImage1497610234827.png"/>
-          <p:cNvPicPr>
-            <a:picLocks noChangeAspect="1"/>
-          </p:cNvPicPr>
-          <p:nvPr/>
-        </p:nvPicPr>
-        <p:blipFill rotWithShape="1">
-          <a:blip r:embed="rId1" cstate="print">
-            <a:extLst>
-              <a:ext uri="{28A0092B-C50C-407E-A947-70E740481C1C}">
-                <a14:useLocalDpi xmlns:a14="http://schemas.microsoft.com/office/drawing/2010/main" val="0"/>
-              </a:ext>
-            </a:extLst>
-          </a:blip>
-          <a:srcRect/>
-          <a:stretch>
-            <a:fillRect/>
-          </a:stretch>
-        </p:blipFill>
-        <p:spPr>
-          <a:xfrm>
-            <a:off x="467360" y="1081405"/>
-            <a:ext cx="7581900" cy="4685665"/>
-          </a:xfrm>
-          <a:prstGeom prst="rect">
-            <a:avLst/>
-          </a:prstGeom>
-          <a:noFill/>
-        </p:spPr>
-      </p:pic>
       <p:grpSp>
         <p:nvGrpSpPr>
           <p:cNvPr id="20" name="그룹 19"/>
@@ -24614,10 +24446,10 @@
         </p:nvGrpSpPr>
         <p:grpSpPr>
           <a:xfrm rot="0">
-            <a:off x="4358640" y="2613025"/>
-            <a:ext cx="238760" cy="260985"/>
+            <a:off x="4826000" y="2762250"/>
+            <a:ext cx="239395" cy="261620"/>
             <a:chOff x="4358640" y="2613025"/>
-            <a:chExt cx="238760" cy="260985"/>
+            <a:chExt cx="239395" cy="261620"/>
           </a:xfrm>
         </p:grpSpPr>
         <p:sp>
@@ -24629,7 +24461,7 @@
           <p:spPr>
             <a:xfrm>
               <a:off x="4388485" y="2647950"/>
-              <a:ext cx="209550" cy="209550"/>
+              <a:ext cx="210185" cy="210185"/>
             </a:xfrm>
             <a:prstGeom prst="ellipse">
               <a:avLst/>
@@ -24690,7 +24522,7 @@
           <p:spPr>
             <a:xfrm>
               <a:off x="4358640" y="2613025"/>
-              <a:ext cx="220345" cy="260985"/>
+              <a:ext cx="220980" cy="261620"/>
             </a:xfrm>
             <a:prstGeom prst="rect">
               <a:avLst/>
@@ -24745,10 +24577,10 @@
         </p:nvGrpSpPr>
         <p:grpSpPr>
           <a:xfrm rot="0">
-            <a:off x="5219065" y="3360420"/>
-            <a:ext cx="239395" cy="260985"/>
+            <a:off x="5638800" y="3490595"/>
+            <a:ext cx="240030" cy="261620"/>
             <a:chOff x="5219065" y="3360420"/>
-            <a:chExt cx="239395" cy="260985"/>
+            <a:chExt cx="240030" cy="261620"/>
           </a:xfrm>
         </p:grpSpPr>
         <p:sp>
@@ -24760,7 +24592,7 @@
           <p:spPr>
             <a:xfrm>
               <a:off x="5248910" y="3395345"/>
-              <a:ext cx="209550" cy="209550"/>
+              <a:ext cx="210185" cy="210185"/>
             </a:xfrm>
             <a:prstGeom prst="ellipse">
               <a:avLst/>
@@ -24821,7 +24653,7 @@
           <p:spPr>
             <a:xfrm>
               <a:off x="5219065" y="3360420"/>
-              <a:ext cx="220345" cy="260985"/>
+              <a:ext cx="220980" cy="261620"/>
             </a:xfrm>
             <a:prstGeom prst="rect">
               <a:avLst/>
@@ -24876,10 +24708,10 @@
         </p:nvGrpSpPr>
         <p:grpSpPr>
           <a:xfrm rot="0">
-            <a:off x="5233670" y="3935095"/>
-            <a:ext cx="239395" cy="260985"/>
+            <a:off x="5653405" y="4027170"/>
+            <a:ext cx="240030" cy="261620"/>
             <a:chOff x="5233670" y="3935095"/>
-            <a:chExt cx="239395" cy="260985"/>
+            <a:chExt cx="240030" cy="261620"/>
           </a:xfrm>
         </p:grpSpPr>
         <p:sp>
@@ -24891,7 +24723,7 @@
           <p:spPr>
             <a:xfrm>
               <a:off x="5263515" y="3970020"/>
-              <a:ext cx="209550" cy="209550"/>
+              <a:ext cx="210185" cy="210185"/>
             </a:xfrm>
             <a:prstGeom prst="ellipse">
               <a:avLst/>
@@ -24952,7 +24784,7 @@
           <p:spPr>
             <a:xfrm>
               <a:off x="5233670" y="3935095"/>
-              <a:ext cx="220345" cy="260985"/>
+              <a:ext cx="220980" cy="261620"/>
             </a:xfrm>
             <a:prstGeom prst="rect">
               <a:avLst/>
@@ -25001,7 +24833,7 @@
       </p:grpSp>
       <p:graphicFrame>
         <p:nvGraphicFramePr>
-          <p:cNvPr id="7" name="표 1"/>
+          <p:cNvPr id="7" name="표 6"/>
           <p:cNvGraphicFramePr>
             <a:graphicFrameLocks noGrp="1"/>
           </p:cNvGraphicFramePr>
@@ -25027,6 +24859,7 @@
                 <a:tc>
                   <a:txBody>
                     <a:bodyPr/>
+                    <a:lstStyle/>
                     <a:p>
                       <a:pPr marL="0" indent="0" algn="ctr" defTabSz="914400" eaLnBrk="1" latinLnBrk="1" hangingPunct="1">
                         <a:lnSpc>
@@ -25116,6 +24949,7 @@
                 <a:tc>
                   <a:txBody>
                     <a:bodyPr/>
+                    <a:lstStyle/>
                     <a:p>
                       <a:pPr marL="0" indent="0" algn="ctr" defTabSz="914400" eaLnBrk="1" latinLnBrk="1" hangingPunct="1">
                         <a:lnSpc>
@@ -25205,6 +25039,7 @@
                 <a:tc>
                   <a:txBody>
                     <a:bodyPr/>
+                    <a:lstStyle/>
                     <a:p>
                       <a:pPr marL="0" indent="0" algn="ctr" defTabSz="914400" eaLnBrk="1" latinLnBrk="1" hangingPunct="1">
                         <a:lnSpc>
@@ -25294,6 +25129,7 @@
                 <a:tc>
                   <a:txBody>
                     <a:bodyPr/>
+                    <a:lstStyle/>
                     <a:p>
                       <a:pPr marL="0" indent="0" algn="ctr" defTabSz="914400" eaLnBrk="1" latinLnBrk="1" hangingPunct="1">
                         <a:lnSpc>
@@ -25385,6 +25221,7 @@
                 <a:tc>
                   <a:txBody>
                     <a:bodyPr/>
+                    <a:lstStyle/>
                     <a:p>
                       <a:pPr marL="0" indent="0" algn="ctr" defTabSz="914400" eaLnBrk="1" latinLnBrk="1" hangingPunct="1">
                         <a:lnSpc>
@@ -25400,23 +25237,21 @@
                         <a:buNone/>
                       </a:pPr>
                       <a:r>
-                        <a:rPr lang="en-US" altLang="ko-KR" sz="1000" b="0">
+                        <a:rPr lang="en-US" altLang="ko-KR" sz="1000" b="0" kern="1200">
                           <a:solidFill>
                             <a:schemeClr val="tx1"/>
                           </a:solidFill>
                           <a:latin typeface="맑은 고딕" panose="020B0503020000020004" charset="-127"/>
                           <a:ea typeface="맑은 고딕" panose="020B0503020000020004" charset="-127"/>
-                          <a:sym typeface="+mn-ea"/>
                         </a:rPr>
                         <a:t>F-BP-BO-PI</a:t>
                       </a:r>
-                      <a:endParaRPr lang="en-US" altLang="ko-KR" sz="1000" b="0" i="0" kern="1200">
+                      <a:endParaRPr lang="ko-KR" altLang="en-US" sz="1000" b="0" kern="1200">
                         <a:solidFill>
                           <a:schemeClr val="tx1"/>
                         </a:solidFill>
                         <a:latin typeface="맑은 고딕" panose="020B0503020000020004" charset="-127"/>
                         <a:ea typeface="맑은 고딕" panose="020B0503020000020004" charset="-127"/>
-                        <a:sym typeface="+mn-ea"/>
                       </a:endParaRPr>
                     </a:p>
                   </a:txBody>
@@ -25473,6 +25308,7 @@
                 <a:tc>
                   <a:txBody>
                     <a:bodyPr/>
+                    <a:lstStyle/>
                     <a:p>
                       <a:pPr marL="0" indent="0" algn="ctr" defTabSz="914400" eaLnBrk="1" latinLnBrk="1" hangingPunct="1">
                         <a:lnSpc>
@@ -25497,7 +25333,7 @@
                         </a:rPr>
                         <a:t>order.html</a:t>
                       </a:r>
-                      <a:endParaRPr lang="en-US" altLang="ko-KR" sz="1000" b="0" i="0" kern="1200">
+                      <a:endParaRPr lang="ko-KR" altLang="en-US" sz="1000" b="0" i="0" kern="1200">
                         <a:solidFill>
                           <a:schemeClr val="tx1"/>
                         </a:solidFill>
@@ -25559,6 +25395,7 @@
                 <a:tc>
                   <a:txBody>
                     <a:bodyPr/>
+                    <a:lstStyle/>
                     <a:p>
                       <a:pPr marL="0" indent="0" algn="ctr" defTabSz="914400" eaLnBrk="1" latinLnBrk="1" hangingPunct="1">
                         <a:lnSpc>
@@ -25574,14 +25411,14 @@
                         <a:buNone/>
                       </a:pPr>
                       <a:r>
-                        <a:rPr lang="ko-KR" altLang="en-US" sz="1000" b="0" i="0" kern="1200">
+                        <a:rPr lang="en-US" altLang="ko-KR" sz="1000" b="0" i="0" kern="1200">
                           <a:solidFill>
                             <a:schemeClr val="tx1"/>
                           </a:solidFill>
                           <a:latin typeface="맑은 고딕" panose="020B0503020000020004" charset="-127"/>
                           <a:ea typeface="맑은 고딕" panose="020B0503020000020004" charset="-127"/>
                         </a:rPr>
-                        <a:t>교재구매 </a:t>
+                        <a:t>교재구매 &gt; 주문결제 &gt; 결제</a:t>
                       </a:r>
                       <a:r>
                         <a:rPr lang="en-US" altLang="ko-KR" sz="1000" b="0" i="0" kern="1200">
@@ -25591,17 +25428,7 @@
                           <a:latin typeface="맑은 고딕" panose="020B0503020000020004" charset="-127"/>
                           <a:ea typeface="맑은 고딕" panose="020B0503020000020004" charset="-127"/>
                         </a:rPr>
-                        <a:t>&gt; </a:t>
-                      </a:r>
-                      <a:r>
-                        <a:rPr lang="ko-KR" altLang="en-US" sz="1000" b="0" i="0" kern="1200">
-                          <a:solidFill>
-                            <a:schemeClr val="tx1"/>
-                          </a:solidFill>
-                          <a:latin typeface="맑은 고딕" panose="020B0503020000020004" charset="-127"/>
-                          <a:ea typeface="맑은 고딕" panose="020B0503020000020004" charset="-127"/>
-                        </a:rPr>
-                        <a:t>주문결제 </a:t>
+                        <a:t>정</a:t>
                       </a:r>
                       <a:r>
                         <a:rPr lang="en-US" altLang="ko-KR" sz="1000" b="0" i="0" kern="1200">
@@ -25611,17 +25438,7 @@
                           <a:latin typeface="맑은 고딕" panose="020B0503020000020004" charset="-127"/>
                           <a:ea typeface="맑은 고딕" panose="020B0503020000020004" charset="-127"/>
                         </a:rPr>
-                        <a:t>&gt; </a:t>
-                      </a:r>
-                      <a:r>
-                        <a:rPr lang="ko-KR" altLang="en-US" sz="1000" b="0" i="0" kern="1200">
-                          <a:solidFill>
-                            <a:schemeClr val="tx1"/>
-                          </a:solidFill>
-                          <a:latin typeface="맑은 고딕" panose="020B0503020000020004" charset="-127"/>
-                          <a:ea typeface="맑은 고딕" panose="020B0503020000020004" charset="-127"/>
-                        </a:rPr>
-                        <a:t>결제정보</a:t>
+                        <a:t>보</a:t>
                       </a:r>
                       <a:endParaRPr lang="ko-KR" altLang="en-US" sz="1000" b="0" i="0" kern="1200">
                         <a:solidFill>
@@ -25685,6 +25502,7 @@
                 <a:tc>
                   <a:txBody>
                     <a:bodyPr/>
+                    <a:lstStyle/>
                     <a:p>
                       <a:pPr marL="0" indent="0" algn="ctr" defTabSz="914400" eaLnBrk="1" latinLnBrk="1" hangingPunct="1">
                         <a:lnSpc>
@@ -25700,7 +25518,7 @@
                         <a:buNone/>
                       </a:pPr>
                       <a:r>
-                        <a:rPr lang="ko-KR" altLang="en-US" sz="1000" b="0" i="0" kern="1200">
+                        <a:rPr lang="en-US" altLang="ko-KR" sz="1000" b="0" i="0" kern="1200">
                           <a:solidFill>
                             <a:schemeClr val="tx1"/>
                           </a:solidFill>
@@ -25773,6 +25591,135 @@
           </a:graphicData>
         </a:graphic>
       </p:graphicFrame>
+      <p:grpSp>
+        <p:nvGrpSpPr>
+          <p:cNvPr id="5" name="그룹 21"/>
+          <p:cNvGrpSpPr/>
+          <p:nvPr/>
+        </p:nvGrpSpPr>
+        <p:grpSpPr>
+          <a:xfrm rot="0">
+            <a:off x="6753225" y="4010660"/>
+            <a:ext cx="240030" cy="260350"/>
+            <a:chOff x="5233670" y="3935095"/>
+            <a:chExt cx="240030" cy="260350"/>
+          </a:xfrm>
+        </p:grpSpPr>
+        <p:sp>
+          <p:nvSpPr>
+            <p:cNvPr id="6" name="도형 22"/>
+            <p:cNvSpPr/>
+            <p:nvPr/>
+          </p:nvSpPr>
+          <p:spPr>
+            <a:xfrm>
+              <a:off x="5263515" y="3970020"/>
+              <a:ext cx="210185" cy="210185"/>
+            </a:xfrm>
+            <a:prstGeom prst="ellipse">
+              <a:avLst/>
+            </a:prstGeom>
+            <a:solidFill>
+              <a:srgbClr val="FF0000"/>
+            </a:solidFill>
+          </p:spPr>
+          <p:style>
+            <a:lnRef idx="1">
+              <a:schemeClr val="accent2"/>
+            </a:lnRef>
+            <a:fillRef idx="3">
+              <a:schemeClr val="accent2"/>
+            </a:fillRef>
+            <a:effectRef idx="2">
+              <a:schemeClr val="accent2"/>
+            </a:effectRef>
+            <a:fontRef idx="minor">
+              <a:schemeClr val="lt1"/>
+            </a:fontRef>
+          </p:style>
+          <p:txBody>
+            <a:bodyPr vert="horz" wrap="square" lIns="91440" tIns="45720" rIns="91440" bIns="45720" anchor="ctr">
+              <a:noAutofit/>
+            </a:bodyPr>
+            <a:p>
+              <a:pPr marL="0" indent="0" algn="ctr" defTabSz="914400" eaLnBrk="1" latinLnBrk="1" hangingPunct="1">
+                <a:lnSpc>
+                  <a:spcPct val="100000"/>
+                </a:lnSpc>
+                <a:spcBef>
+                  <a:spcPts val="0"/>
+                </a:spcBef>
+                <a:spcAft>
+                  <a:spcPts val="0"/>
+                </a:spcAft>
+                <a:buFontTx/>
+                <a:buNone/>
+              </a:pPr>
+              <a:endParaRPr lang="ko-KR" altLang="en-US" sz="1800">
+                <a:solidFill>
+                  <a:srgbClr val="000000"/>
+                </a:solidFill>
+                <a:latin typeface="맑은 고딕" panose="020B0503020000020004" charset="-127"/>
+                <a:ea typeface="맑은 고딕" panose="020B0503020000020004" charset="-127"/>
+              </a:endParaRPr>
+            </a:p>
+          </p:txBody>
+        </p:sp>
+        <p:sp>
+          <p:nvSpPr>
+            <p:cNvPr id="8" name="텍스트 상자 23"/>
+            <p:cNvSpPr txBox="1"/>
+            <p:nvPr/>
+          </p:nvSpPr>
+          <p:spPr>
+            <a:xfrm>
+              <a:off x="5233670" y="3935095"/>
+              <a:ext cx="220980" cy="260350"/>
+            </a:xfrm>
+            <a:prstGeom prst="rect">
+              <a:avLst/>
+            </a:prstGeom>
+            <a:noFill/>
+          </p:spPr>
+          <p:txBody>
+            <a:bodyPr vert="horz" wrap="square" lIns="91440" tIns="45720" rIns="91440" bIns="45720" anchor="t">
+              <a:spAutoFit/>
+            </a:bodyPr>
+            <a:p>
+              <a:pPr marL="0" indent="0" algn="l" defTabSz="914400" eaLnBrk="1" latinLnBrk="1" hangingPunct="1">
+                <a:lnSpc>
+                  <a:spcPct val="100000"/>
+                </a:lnSpc>
+                <a:spcBef>
+                  <a:spcPts val="0"/>
+                </a:spcBef>
+                <a:spcAft>
+                  <a:spcPts val="0"/>
+                </a:spcAft>
+                <a:buFontTx/>
+                <a:buNone/>
+              </a:pPr>
+              <a:r>
+                <a:rPr lang="en-US" altLang="ko-KR" sz="1100" b="1">
+                  <a:solidFill>
+                    <a:schemeClr val="bg1"/>
+                  </a:solidFill>
+                  <a:latin typeface="맑은 고딕" panose="020B0503020000020004" charset="-127"/>
+                  <a:ea typeface="맑은 고딕" panose="020B0503020000020004" charset="-127"/>
+                </a:rPr>
+                <a:t>4</a:t>
+              </a:r>
+              <a:endParaRPr lang="ko-KR" altLang="en-US" sz="1100" b="1">
+                <a:solidFill>
+                  <a:schemeClr val="bg1"/>
+                </a:solidFill>
+                <a:latin typeface="맑은 고딕" panose="020B0503020000020004" charset="-127"/>
+                <a:ea typeface="맑은 고딕" panose="020B0503020000020004" charset="-127"/>
+              </a:endParaRPr>
+            </a:p>
+          </p:txBody>
+        </p:sp>
+      </p:grpSp>
     </p:spTree>
   </p:cSld>
   <p:clrMapOvr>
@@ -25822,7 +25769,7 @@
         <p:spPr>
           <a:xfrm>
             <a:off x="142875" y="714375"/>
-            <a:ext cx="8993505" cy="5945505"/>
+            <a:ext cx="8994140" cy="5946140"/>
           </a:xfrm>
           <a:prstGeom prst="rect">
             <a:avLst/>
@@ -25893,7 +25840,7 @@
         </p:nvGraphicFramePr>
         <p:xfrm>
           <a:off x="9196070" y="718185"/>
-          <a:ext cx="2900680" cy="6040120"/>
+          <a:ext cx="2900680" cy="5953125"/>
         </p:xfrm>
         <a:graphic>
           <a:graphicData uri="http://schemas.openxmlformats.org/drawingml/2006/table">
@@ -25906,7 +25853,7 @@
                 <a:gridCol w="452755"/>
                 <a:gridCol w="2047875"/>
               </a:tblGrid>
-              <a:tr h="247650">
+              <a:tr h="245745">
                 <a:tc>
                   <a:txBody>
                     <a:bodyPr/>
@@ -26178,7 +26125,7 @@
                   </a:tcPr>
                 </a:tc>
               </a:tr>
-              <a:tr h="526415">
+              <a:tr h="609600">
                 <a:tc>
                   <a:txBody>
                     <a:bodyPr/>
@@ -26365,9 +26312,49 @@
                           <a:latin typeface="맑은 고딕" panose="020B0503020000020004" charset="-127"/>
                           <a:ea typeface="맑은 고딕" panose="020B0503020000020004" charset="-127"/>
                         </a:rPr>
-                        <a:t>클릭 시 slidetoggle() 이벤트 발생, [주문자동의] 관련 상세내용을 </a:t>
+                        <a:t>1 </a:t>
                       </a:r>
-                      <a:endParaRPr lang="ko-KR" altLang="en-US" sz="1000" kern="1200">
+                      <a:r>
+                        <a:rPr altLang="en-US" sz="1000" kern="1200">
+                          <a:solidFill>
+                            <a:schemeClr val="tx1"/>
+                          </a:solidFill>
+                          <a:latin typeface="맑은 고딕" panose="020B0503020000020004" charset="-127"/>
+                          <a:ea typeface="맑은 고딕" panose="020B0503020000020004" charset="-127"/>
+                        </a:rPr>
+                        <a:t>내용보기▼</a:t>
+                      </a:r>
+                      <a:r>
+                        <a:rPr lang="en-US" altLang="ko-KR" sz="1000" kern="1200">
+                          <a:solidFill>
+                            <a:schemeClr val="tx1"/>
+                          </a:solidFill>
+                          <a:latin typeface="맑은 고딕" panose="020B0503020000020004" charset="-127"/>
+                          <a:ea typeface="맑은 고딕" panose="020B0503020000020004" charset="-127"/>
+                        </a:rPr>
+                        <a:t> </a:t>
+                      </a:r>
+                      <a:r>
+                        <a:rPr altLang="en-US" sz="1000" kern="1200">
+                          <a:solidFill>
+                            <a:schemeClr val="tx1"/>
+                          </a:solidFill>
+                          <a:latin typeface="맑은 고딕" panose="020B0503020000020004" charset="-127"/>
+                          <a:ea typeface="맑은 고딕" panose="020B0503020000020004" charset="-127"/>
+                        </a:rPr>
+                        <a:t>버튼으로 변경</a:t>
+                      </a:r>
+                      <a:r>
+                        <a:rPr altLang="en-US" sz="1000" kern="1200">
+                          <a:solidFill>
+                            <a:schemeClr val="tx1"/>
+                          </a:solidFill>
+                          <a:latin typeface="맑은 고딕" panose="020B0503020000020004" charset="-127"/>
+                          <a:ea typeface="맑은 고딕" panose="020B0503020000020004" charset="-127"/>
+                        </a:rPr>
+                        <a:t> </a:t>
+                      </a:r>
+                      <a:endParaRPr altLang="en-US" sz="1000" kern="1200">
                         <a:solidFill>
                           <a:schemeClr val="tx1"/>
                         </a:solidFill>
@@ -26397,9 +26384,123 @@
                           <a:latin typeface="맑은 고딕" panose="020B0503020000020004" charset="-127"/>
                           <a:ea typeface="맑은 고딕" panose="020B0503020000020004" charset="-127"/>
                         </a:rPr>
-                        <a:t>하단에 표시</a:t>
+                        <a:t>2 </a:t>
                       </a:r>
-                      <a:endParaRPr lang="ko-KR" altLang="en-US" sz="1000" kern="1200">
+                      <a:r>
+                        <a:rPr altLang="en-US" sz="1000" kern="1200">
+                          <a:solidFill>
+                            <a:schemeClr val="tx1"/>
+                          </a:solidFill>
+                          <a:latin typeface="맑은 고딕" panose="020B0503020000020004" charset="-127"/>
+                          <a:ea typeface="맑은 고딕" panose="020B0503020000020004" charset="-127"/>
+                        </a:rPr>
+                        <a:t>주문자동의 상세내용이 보인다</a:t>
+                      </a:r>
+                      <a:r>
+                        <a:rPr lang="en-US" altLang="ko-KR" sz="1000" kern="1200">
+                          <a:solidFill>
+                            <a:schemeClr val="tx1"/>
+                          </a:solidFill>
+                          <a:latin typeface="맑은 고딕" panose="020B0503020000020004" charset="-127"/>
+                          <a:ea typeface="맑은 고딕" panose="020B0503020000020004" charset="-127"/>
+                        </a:rPr>
+                        <a:t>.</a:t>
+                      </a:r>
+                      <a:endParaRPr lang="en-US" altLang="ko-KR" sz="1000" kern="1200">
+                        <a:solidFill>
+                          <a:schemeClr val="tx1"/>
+                        </a:solidFill>
+                        <a:latin typeface="맑은 고딕" panose="020B0503020000020004" charset="-127"/>
+                        <a:ea typeface="맑은 고딕" panose="020B0503020000020004" charset="-127"/>
+                      </a:endParaRPr>
+                    </a:p>
+                    <a:p>
+                      <a:pPr marL="0" indent="0" algn="ctr" defTabSz="914400" eaLnBrk="1" latinLnBrk="1" hangingPunct="1">
+                        <a:lnSpc>
+                          <a:spcPct val="100000"/>
+                        </a:lnSpc>
+                        <a:spcBef>
+                          <a:spcPts val="0"/>
+                        </a:spcBef>
+                        <a:spcAft>
+                          <a:spcPts val="0"/>
+                        </a:spcAft>
+                        <a:buFontTx/>
+                        <a:buNone/>
+                      </a:pPr>
+                      <a:r>
+                        <a:rPr lang="en-US" altLang="ko-KR" sz="1000" kern="1200">
+                          <a:solidFill>
+                            <a:schemeClr val="tx1"/>
+                          </a:solidFill>
+                          <a:latin typeface="맑은 고딕" panose="020B0503020000020004" charset="-127"/>
+                          <a:ea typeface="맑은 고딕" panose="020B0503020000020004" charset="-127"/>
+                        </a:rPr>
+                        <a:t>3 </a:t>
+                      </a:r>
+                      <a:r>
+                        <a:rPr altLang="en-US" sz="1000" kern="1200">
+                          <a:solidFill>
+                            <a:schemeClr val="tx1"/>
+                          </a:solidFill>
+                          <a:latin typeface="맑은 고딕" panose="020B0503020000020004" charset="-127"/>
+                          <a:ea typeface="맑은 고딕" panose="020B0503020000020004" charset="-127"/>
+                        </a:rPr>
+                        <a:t>내용닫기▲ 버튼으로 변경</a:t>
+                      </a:r>
+                      <a:endParaRPr altLang="en-US" sz="1000" kern="1200">
+                        <a:solidFill>
+                          <a:schemeClr val="tx1"/>
+                        </a:solidFill>
+                        <a:latin typeface="맑은 고딕" panose="020B0503020000020004" charset="-127"/>
+                        <a:ea typeface="맑은 고딕" panose="020B0503020000020004" charset="-127"/>
+                      </a:endParaRPr>
+                    </a:p>
+                    <a:p>
+                      <a:pPr marL="0" indent="0" algn="ctr" defTabSz="914400" eaLnBrk="1" latinLnBrk="1" hangingPunct="1">
+                        <a:lnSpc>
+                          <a:spcPct val="100000"/>
+                        </a:lnSpc>
+                        <a:spcBef>
+                          <a:spcPts val="0"/>
+                        </a:spcBef>
+                        <a:spcAft>
+                          <a:spcPts val="0"/>
+                        </a:spcAft>
+                        <a:buFontTx/>
+                        <a:buNone/>
+                      </a:pPr>
+                      <a:r>
+                        <a:rPr lang="en-US" altLang="ko-KR" sz="1000" kern="1200">
+                          <a:solidFill>
+                            <a:schemeClr val="tx1"/>
+                          </a:solidFill>
+                          <a:latin typeface="맑은 고딕" panose="020B0503020000020004" charset="-127"/>
+                          <a:ea typeface="맑은 고딕" panose="020B0503020000020004" charset="-127"/>
+                        </a:rPr>
+                        <a:t>4 </a:t>
+                      </a:r>
+                      <a:r>
+                        <a:rPr altLang="en-US" sz="1000" kern="1200">
+                          <a:solidFill>
+                            <a:schemeClr val="tx1"/>
+                          </a:solidFill>
+                          <a:latin typeface="맑은 고딕" panose="020B0503020000020004" charset="-127"/>
+                          <a:ea typeface="맑은 고딕" panose="020B0503020000020004" charset="-127"/>
+                        </a:rPr>
+                        <a:t>주문자동의 상세내용이 숨겨진다</a:t>
+                      </a:r>
+                      <a:r>
+                        <a:rPr lang="en-US" altLang="ko-KR" sz="1000" kern="1200">
+                          <a:solidFill>
+                            <a:schemeClr val="tx1"/>
+                          </a:solidFill>
+                          <a:latin typeface="맑은 고딕" panose="020B0503020000020004" charset="-127"/>
+                          <a:ea typeface="맑은 고딕" panose="020B0503020000020004" charset="-127"/>
+                        </a:rPr>
+                        <a:t>.</a:t>
+                      </a:r>
+                      <a:endParaRPr lang="en-US" altLang="ko-KR" sz="1000" kern="1200">
                         <a:solidFill>
                           <a:schemeClr val="tx1"/>
                         </a:solidFill>
@@ -26459,7 +26560,7 @@
                   </a:tcPr>
                 </a:tc>
               </a:tr>
-              <a:tr h="526415">
+              <a:tr h="914400">
                 <a:tc>
                   <a:txBody>
                     <a:bodyPr/>
@@ -26488,7 +26589,7 @@
                         </a:rPr>
                         <a:t>2</a:t>
                       </a:r>
-                      <a:endParaRPr lang="ko-KR" altLang="en-US" sz="1000" b="0" i="0" kern="1200">
+                      <a:endParaRPr lang="en-US" altLang="ko-KR" sz="1000" b="0" i="0" kern="1200">
                         <a:solidFill>
                           <a:schemeClr val="tx1"/>
                         </a:solidFill>
@@ -26646,9 +26747,136 @@
                           <a:latin typeface="맑은 고딕" panose="020B0503020000020004" charset="-127"/>
                           <a:ea typeface="맑은 고딕" panose="020B0503020000020004" charset="-127"/>
                         </a:rPr>
-                        <a:t>클릭 시 slidetoggle() 이벤트 발생, [주문자동의] 관련 상세내용을 숨김</a:t>
+                        <a:t>1 [구매조건][개인정보수집][결제대행서비스]항목의 </a:t>
                       </a:r>
-                      <a:endParaRPr lang="ko-KR" altLang="en-US" sz="1000" kern="1200">
+                      <a:r>
+                        <a:rPr altLang="en-US" sz="1000" kern="1200">
+                          <a:solidFill>
+                            <a:schemeClr val="tx1"/>
+                          </a:solidFill>
+                          <a:latin typeface="맑은 고딕" panose="020B0503020000020004" charset="-127"/>
+                          <a:ea typeface="맑은 고딕" panose="020B0503020000020004" charset="-127"/>
+                        </a:rPr>
+                        <a:t>체크박스가 </a:t>
+                      </a:r>
+                      <a:r>
+                        <a:rPr lang="en-US" altLang="ko-KR" sz="1000" kern="1200">
+                          <a:solidFill>
+                            <a:schemeClr val="tx1"/>
+                          </a:solidFill>
+                          <a:latin typeface="맑은 고딕" panose="020B0503020000020004" charset="-127"/>
+                          <a:ea typeface="맑은 고딕" panose="020B0503020000020004" charset="-127"/>
+                        </a:rPr>
+                        <a:t>체크</a:t>
+                      </a:r>
+                      <a:r>
+                        <a:rPr altLang="en-US" sz="1000" kern="1200">
+                          <a:solidFill>
+                            <a:schemeClr val="tx1"/>
+                          </a:solidFill>
+                          <a:latin typeface="맑은 고딕" panose="020B0503020000020004" charset="-127"/>
+                          <a:ea typeface="맑은 고딕" panose="020B0503020000020004" charset="-127"/>
+                        </a:rPr>
+                        <a:t>된다</a:t>
+                      </a:r>
+                      <a:r>
+                        <a:rPr lang="en-US" altLang="ko-KR" sz="1000" kern="1200">
+                          <a:solidFill>
+                            <a:schemeClr val="tx1"/>
+                          </a:solidFill>
+                          <a:latin typeface="맑은 고딕" panose="020B0503020000020004" charset="-127"/>
+                          <a:ea typeface="맑은 고딕" panose="020B0503020000020004" charset="-127"/>
+                        </a:rPr>
+                        <a:t>.</a:t>
+                      </a:r>
+                      <a:endParaRPr lang="en-US" altLang="ko-KR" sz="1000" kern="1200">
+                        <a:solidFill>
+                          <a:schemeClr val="tx1"/>
+                        </a:solidFill>
+                        <a:latin typeface="맑은 고딕" panose="020B0503020000020004" charset="-127"/>
+                        <a:ea typeface="맑은 고딕" panose="020B0503020000020004" charset="-127"/>
+                      </a:endParaRPr>
+                    </a:p>
+                    <a:p>
+                      <a:pPr marL="0" indent="0" algn="ctr" defTabSz="914400" eaLnBrk="1" latinLnBrk="1" hangingPunct="1">
+                        <a:lnSpc>
+                          <a:spcPct val="100000"/>
+                        </a:lnSpc>
+                        <a:spcBef>
+                          <a:spcPts val="0"/>
+                        </a:spcBef>
+                        <a:spcAft>
+                          <a:spcPts val="0"/>
+                        </a:spcAft>
+                        <a:buFontTx/>
+                        <a:buNone/>
+                      </a:pPr>
+                      <a:r>
+                        <a:rPr lang="en-US" altLang="ko-KR" sz="1000" kern="1200">
+                          <a:solidFill>
+                            <a:schemeClr val="tx1"/>
+                          </a:solidFill>
+                          <a:latin typeface="맑은 고딕" panose="020B0503020000020004" charset="-127"/>
+                          <a:ea typeface="맑은 고딕" panose="020B0503020000020004" charset="-127"/>
+                        </a:rPr>
+                        <a:t>2</a:t>
+                      </a:r>
+                      <a:r>
+                        <a:rPr lang="en-US" altLang="ko-KR" sz="1000" kern="1200">
+                          <a:solidFill>
+                            <a:schemeClr val="tx1"/>
+                          </a:solidFill>
+                          <a:latin typeface="맑은 고딕" panose="020B0503020000020004" charset="-127"/>
+                          <a:ea typeface="맑은 고딕" panose="020B0503020000020004" charset="-127"/>
+                          <a:sym typeface="+mn-ea"/>
+                        </a:rPr>
+                        <a:t> [구매조건][개인정보수집][결제대행서비스]항목의 </a:t>
+                      </a:r>
+                      <a:r>
+                        <a:rPr altLang="en-US" sz="1000" kern="1200">
+                          <a:solidFill>
+                            <a:schemeClr val="tx1"/>
+                          </a:solidFill>
+                          <a:latin typeface="맑은 고딕" panose="020B0503020000020004" charset="-127"/>
+                          <a:ea typeface="맑은 고딕" panose="020B0503020000020004" charset="-127"/>
+                          <a:sym typeface="+mn-ea"/>
+                        </a:rPr>
+                        <a:t>체크박스가 </a:t>
+                      </a:r>
+                      <a:r>
+                        <a:rPr lang="en-US" altLang="ko-KR" sz="1000" kern="1200">
+                          <a:solidFill>
+                            <a:schemeClr val="tx1"/>
+                          </a:solidFill>
+                          <a:latin typeface="맑은 고딕" panose="020B0503020000020004" charset="-127"/>
+                          <a:ea typeface="맑은 고딕" panose="020B0503020000020004" charset="-127"/>
+                          <a:sym typeface="+mn-ea"/>
+                        </a:rPr>
+                        <a:t>체크</a:t>
+                      </a:r>
+                      <a:r>
+                        <a:rPr altLang="en-US" sz="1000" kern="1200">
+                          <a:solidFill>
+                            <a:schemeClr val="tx1"/>
+                          </a:solidFill>
+                          <a:latin typeface="맑은 고딕" panose="020B0503020000020004" charset="-127"/>
+                          <a:ea typeface="맑은 고딕" panose="020B0503020000020004" charset="-127"/>
+                          <a:sym typeface="+mn-ea"/>
+                        </a:rPr>
+                        <a:t>해제된다</a:t>
+                      </a:r>
+                      <a:r>
+                        <a:rPr lang="en-US" altLang="ko-KR" sz="1000" kern="1200">
+                          <a:solidFill>
+                            <a:schemeClr val="tx1"/>
+                          </a:solidFill>
+                          <a:latin typeface="맑은 고딕" panose="020B0503020000020004" charset="-127"/>
+                          <a:ea typeface="맑은 고딕" panose="020B0503020000020004" charset="-127"/>
+                          <a:sym typeface="+mn-ea"/>
+                        </a:rPr>
+                        <a:t>.</a:t>
+                      </a:r>
+                      <a:endParaRPr lang="en-US" altLang="ko-KR" sz="1000" kern="1200">
                         <a:solidFill>
                           <a:schemeClr val="tx1"/>
                         </a:solidFill>
@@ -26708,7 +26936,7 @@
                   </a:tcPr>
                 </a:tc>
               </a:tr>
-              <a:tr h="526415">
+              <a:tr h="522605">
                 <a:tc>
                   <a:txBody>
                     <a:bodyPr/>
@@ -26737,7 +26965,7 @@
                         </a:rPr>
                         <a:t>3</a:t>
                       </a:r>
-                      <a:endParaRPr lang="ko-KR" altLang="en-US" sz="1000" b="0" i="0" kern="1200">
+                      <a:endParaRPr lang="en-US" altLang="ko-KR" sz="1000" b="0" i="0" kern="1200">
                         <a:solidFill>
                           <a:schemeClr val="tx1"/>
                         </a:solidFill>
@@ -26888,48 +27116,56 @@
                         <a:buNone/>
                       </a:pPr>
                       <a:r>
-                        <a:rPr lang="en-US" altLang="ko-KR" sz="1000" kern="1200">
+                        <a:rPr lang="en-US" altLang="ko-KR" sz="1000" b="0" i="0" kern="1200">
                           <a:solidFill>
                             <a:schemeClr val="tx1"/>
                           </a:solidFill>
                           <a:latin typeface="맑은 고딕" panose="020B0503020000020004" charset="-127"/>
                           <a:ea typeface="맑은 고딕" panose="020B0503020000020004" charset="-127"/>
                         </a:rPr>
-                        <a:t>Checkbox 체크 시, [구매조건][개인정보수집][결제대행서비스]항목의 </a:t>
+                        <a:t>구매조건 확인 및 결제진행 동의 항목의 </a:t>
                       </a:r>
-                      <a:endParaRPr lang="ko-KR" altLang="en-US" sz="1000" kern="1200">
-                        <a:solidFill>
-                          <a:schemeClr val="tx1"/>
-                        </a:solidFill>
-                        <a:latin typeface="맑은 고딕" panose="020B0503020000020004" charset="-127"/>
-                        <a:ea typeface="맑은 고딕" panose="020B0503020000020004" charset="-127"/>
-                      </a:endParaRPr>
-                    </a:p>
-                    <a:p>
-                      <a:pPr marL="0" indent="0" algn="ctr" defTabSz="914400" eaLnBrk="1" latinLnBrk="1" hangingPunct="1">
-                        <a:lnSpc>
-                          <a:spcPct val="100000"/>
-                        </a:lnSpc>
-                        <a:spcBef>
-                          <a:spcPts val="0"/>
-                        </a:spcBef>
-                        <a:spcAft>
-                          <a:spcPts val="0"/>
-                        </a:spcAft>
-                        <a:buFontTx/>
-                        <a:buNone/>
-                      </a:pPr>
                       <a:r>
-                        <a:rPr lang="en-US" altLang="ko-KR" sz="1000" kern="1200">
+                        <a:rPr altLang="en-US" sz="1000" b="0" i="0" kern="1200">
                           <a:solidFill>
                             <a:schemeClr val="tx1"/>
                           </a:solidFill>
                           <a:latin typeface="맑은 고딕" panose="020B0503020000020004" charset="-127"/>
                           <a:ea typeface="맑은 고딕" panose="020B0503020000020004" charset="-127"/>
                         </a:rPr>
-                        <a:t>checkbox 모두 자동체크 / 해제</a:t>
+                        <a:t>체크박스가</a:t>
                       </a:r>
-                      <a:endParaRPr lang="ko-KR" altLang="en-US" sz="1000" kern="1200">
+                      <a:r>
+                        <a:rPr lang="en-US" altLang="ko-KR" sz="1000" b="0" i="0" kern="1200">
+                          <a:solidFill>
+                            <a:schemeClr val="tx1"/>
+                          </a:solidFill>
+                          <a:latin typeface="맑은 고딕" panose="020B0503020000020004" charset="-127"/>
+                          <a:ea typeface="맑은 고딕" panose="020B0503020000020004" charset="-127"/>
+                        </a:rPr>
+                        <a:t> 체크</a:t>
+                      </a:r>
+                      <a:r>
+                        <a:rPr altLang="en-US" sz="1000" b="0" i="0" kern="1200">
+                          <a:solidFill>
+                            <a:schemeClr val="tx1"/>
+                          </a:solidFill>
+                          <a:latin typeface="맑은 고딕" panose="020B0503020000020004" charset="-127"/>
+                          <a:ea typeface="맑은 고딕" panose="020B0503020000020004" charset="-127"/>
+                        </a:rPr>
+                        <a:t>된다</a:t>
+                      </a:r>
+                      <a:r>
+                        <a:rPr lang="en-US" altLang="ko-KR" sz="1000" b="0" i="0" kern="1200">
+                          <a:solidFill>
+                            <a:schemeClr val="tx1"/>
+                          </a:solidFill>
+                          <a:latin typeface="맑은 고딕" panose="020B0503020000020004" charset="-127"/>
+                          <a:ea typeface="맑은 고딕" panose="020B0503020000020004" charset="-127"/>
+                        </a:rPr>
+                        <a:t>.</a:t>
+                      </a:r>
+                      <a:endParaRPr lang="en-US" altLang="ko-KR" sz="1000" b="0" i="0" kern="1200">
                         <a:solidFill>
                           <a:schemeClr val="tx1"/>
                         </a:solidFill>
@@ -26989,7 +27225,7 @@
                   </a:tcPr>
                 </a:tc>
               </a:tr>
-              <a:tr h="526415">
+              <a:tr h="522605">
                 <a:tc>
                   <a:txBody>
                     <a:bodyPr/>
@@ -27018,7 +27254,7 @@
                         </a:rPr>
                         <a:t>4</a:t>
                       </a:r>
-                      <a:endParaRPr lang="ko-KR" altLang="en-US" sz="1000" b="0" i="0" kern="1200">
+                      <a:endParaRPr lang="en-US" altLang="ko-KR" sz="1000" b="0" i="0" kern="1200">
                         <a:solidFill>
                           <a:schemeClr val="tx1"/>
                         </a:solidFill>
@@ -27176,7 +27412,311 @@
                           <a:latin typeface="맑은 고딕" panose="020B0503020000020004" charset="-127"/>
                           <a:ea typeface="맑은 고딕" panose="020B0503020000020004" charset="-127"/>
                         </a:rPr>
-                        <a:t>Checkbox 체크 시, </a:t>
+                        <a:t>개인정보 수집 이용 및 제3자 정보 제공 동의 </a:t>
+                      </a:r>
+                      <a:r>
+                        <a:rPr lang="en-US" altLang="ko-KR" sz="1000" kern="1200">
+                          <a:solidFill>
+                            <a:schemeClr val="tx1"/>
+                          </a:solidFill>
+                          <a:latin typeface="맑은 고딕" panose="020B0503020000020004" charset="-127"/>
+                          <a:ea typeface="맑은 고딕" panose="020B0503020000020004" charset="-127"/>
+                          <a:sym typeface="+mn-ea"/>
+                        </a:rPr>
+                        <a:t>항목의 </a:t>
+                      </a:r>
+                      <a:r>
+                        <a:rPr altLang="en-US" sz="1000" kern="1200">
+                          <a:solidFill>
+                            <a:schemeClr val="tx1"/>
+                          </a:solidFill>
+                          <a:latin typeface="맑은 고딕" panose="020B0503020000020004" charset="-127"/>
+                          <a:ea typeface="맑은 고딕" panose="020B0503020000020004" charset="-127"/>
+                          <a:sym typeface="+mn-ea"/>
+                        </a:rPr>
+                        <a:t>체크박스가</a:t>
+                      </a:r>
+                      <a:r>
+                        <a:rPr lang="en-US" altLang="ko-KR" sz="1000" kern="1200">
+                          <a:solidFill>
+                            <a:schemeClr val="tx1"/>
+                          </a:solidFill>
+                          <a:latin typeface="맑은 고딕" panose="020B0503020000020004" charset="-127"/>
+                          <a:ea typeface="맑은 고딕" panose="020B0503020000020004" charset="-127"/>
+                          <a:sym typeface="+mn-ea"/>
+                        </a:rPr>
+                        <a:t> 체크</a:t>
+                      </a:r>
+                      <a:r>
+                        <a:rPr altLang="en-US" sz="1000" kern="1200">
+                          <a:solidFill>
+                            <a:schemeClr val="tx1"/>
+                          </a:solidFill>
+                          <a:latin typeface="맑은 고딕" panose="020B0503020000020004" charset="-127"/>
+                          <a:ea typeface="맑은 고딕" panose="020B0503020000020004" charset="-127"/>
+                          <a:sym typeface="+mn-ea"/>
+                        </a:rPr>
+                        <a:t>된다</a:t>
+                      </a:r>
+                      <a:r>
+                        <a:rPr lang="en-US" altLang="ko-KR" sz="1000" kern="1200">
+                          <a:solidFill>
+                            <a:schemeClr val="tx1"/>
+                          </a:solidFill>
+                          <a:latin typeface="맑은 고딕" panose="020B0503020000020004" charset="-127"/>
+                          <a:ea typeface="맑은 고딕" panose="020B0503020000020004" charset="-127"/>
+                          <a:sym typeface="+mn-ea"/>
+                        </a:rPr>
+                        <a:t>.</a:t>
+                      </a:r>
+                      <a:endParaRPr lang="ko-KR" altLang="en-US" sz="1000" b="0" i="0" kern="1200">
+                        <a:solidFill>
+                          <a:schemeClr val="tx1"/>
+                        </a:solidFill>
+                        <a:latin typeface="맑은 고딕" panose="020B0503020000020004" charset="-127"/>
+                        <a:ea typeface="맑은 고딕" panose="020B0503020000020004" charset="-127"/>
+                      </a:endParaRPr>
+                    </a:p>
+                  </a:txBody>
+                  <a:tcPr marL="0" marR="0" marT="0" marB="0" anchor="ctr">
+                    <a:lnL w="12700" cap="flat" cmpd="sng" algn="ctr">
+                      <a:solidFill>
+                        <a:srgbClr val="000000">
+                          <a:alpha val="100000"/>
+                        </a:srgbClr>
+                      </a:solidFill>
+                      <a:prstDash val="solid"/>
+                      <a:round/>
+                      <a:headEnd type="none" w="med" len="med"/>
+                      <a:tailEnd type="none" w="med" len="med"/>
+                    </a:lnL>
+                    <a:lnR w="12700" cap="flat" cmpd="sng" algn="ctr">
+                      <a:solidFill>
+                        <a:srgbClr val="000000">
+                          <a:alpha val="100000"/>
+                        </a:srgbClr>
+                      </a:solidFill>
+                      <a:prstDash val="solid"/>
+                      <a:round/>
+                      <a:headEnd type="none" w="med" len="med"/>
+                      <a:tailEnd type="none" w="med" len="med"/>
+                    </a:lnR>
+                    <a:lnT w="12700" cap="flat" cmpd="sng" algn="ctr">
+                      <a:solidFill>
+                        <a:srgbClr val="000000">
+                          <a:alpha val="100000"/>
+                        </a:srgbClr>
+                      </a:solidFill>
+                      <a:prstDash val="solid"/>
+                      <a:round/>
+                      <a:headEnd type="none" w="med" len="med"/>
+                      <a:tailEnd type="none" w="med" len="med"/>
+                    </a:lnT>
+                    <a:lnB w="12700" cap="flat" cmpd="sng" algn="ctr">
+                      <a:solidFill>
+                        <a:srgbClr val="000000">
+                          <a:alpha val="100000"/>
+                        </a:srgbClr>
+                      </a:solidFill>
+                      <a:prstDash val="solid"/>
+                      <a:round/>
+                      <a:headEnd type="none" w="med" len="med"/>
+                      <a:tailEnd type="none" w="med" len="med"/>
+                    </a:lnB>
+                    <a:solidFill>
+                      <a:schemeClr val="bg1"/>
+                    </a:solidFill>
+                  </a:tcPr>
+                </a:tc>
+              </a:tr>
+              <a:tr h="522605">
+                <a:tc>
+                  <a:txBody>
+                    <a:bodyPr/>
+                    <a:lstStyle/>
+                    <a:p>
+                      <a:pPr marL="0" indent="0" algn="ctr" defTabSz="914400" eaLnBrk="1" latinLnBrk="1" hangingPunct="1">
+                        <a:lnSpc>
+                          <a:spcPct val="100000"/>
+                        </a:lnSpc>
+                        <a:spcBef>
+                          <a:spcPts val="0"/>
+                        </a:spcBef>
+                        <a:spcAft>
+                          <a:spcPts val="0"/>
+                        </a:spcAft>
+                        <a:buFontTx/>
+                        <a:buNone/>
+                      </a:pPr>
+                      <a:r>
+                        <a:rPr lang="en-US" altLang="ko-KR" sz="1000" b="0" i="0" kern="1200">
+                          <a:solidFill>
+                            <a:schemeClr val="tx1"/>
+                          </a:solidFill>
+                          <a:latin typeface="맑은 고딕" panose="020B0503020000020004" charset="-127"/>
+                          <a:ea typeface="맑은 고딕" panose="020B0503020000020004" charset="-127"/>
+                        </a:rPr>
+                        <a:t>5</a:t>
+                      </a:r>
+                      <a:endParaRPr lang="en-US" altLang="ko-KR" sz="1000" b="0" i="0" kern="1200">
+                        <a:solidFill>
+                          <a:schemeClr val="tx1"/>
+                        </a:solidFill>
+                        <a:latin typeface="맑은 고딕" panose="020B0503020000020004" charset="-127"/>
+                        <a:ea typeface="맑은 고딕" panose="020B0503020000020004" charset="-127"/>
+                      </a:endParaRPr>
+                    </a:p>
+                  </a:txBody>
+                  <a:tcPr marL="0" marR="0" marT="0" marB="0" anchor="ctr">
+                    <a:lnL w="12700" cap="flat" cmpd="sng" algn="ctr">
+                      <a:solidFill>
+                        <a:srgbClr val="000000">
+                          <a:alpha val="100000"/>
+                        </a:srgbClr>
+                      </a:solidFill>
+                      <a:prstDash val="solid"/>
+                      <a:round/>
+                      <a:headEnd type="none" w="med" len="med"/>
+                      <a:tailEnd type="none" w="med" len="med"/>
+                    </a:lnL>
+                    <a:lnR w="12700" cap="flat" cmpd="sng" algn="ctr">
+                      <a:solidFill>
+                        <a:srgbClr val="000000">
+                          <a:alpha val="100000"/>
+                        </a:srgbClr>
+                      </a:solidFill>
+                      <a:prstDash val="solid"/>
+                      <a:round/>
+                      <a:headEnd type="none" w="med" len="med"/>
+                      <a:tailEnd type="none" w="med" len="med"/>
+                    </a:lnR>
+                    <a:lnT w="12700" cap="flat" cmpd="sng" algn="ctr">
+                      <a:solidFill>
+                        <a:srgbClr val="000000">
+                          <a:alpha val="100000"/>
+                        </a:srgbClr>
+                      </a:solidFill>
+                      <a:prstDash val="solid"/>
+                      <a:round/>
+                      <a:headEnd type="none" w="med" len="med"/>
+                      <a:tailEnd type="none" w="med" len="med"/>
+                    </a:lnT>
+                    <a:lnB w="12700" cap="flat" cmpd="sng" algn="ctr">
+                      <a:solidFill>
+                        <a:srgbClr val="000000">
+                          <a:alpha val="100000"/>
+                        </a:srgbClr>
+                      </a:solidFill>
+                      <a:prstDash val="solid"/>
+                      <a:round/>
+                      <a:headEnd type="none" w="med" len="med"/>
+                      <a:tailEnd type="none" w="med" len="med"/>
+                    </a:lnB>
+                    <a:noFill/>
+                  </a:tcPr>
+                </a:tc>
+                <a:tc>
+                  <a:txBody>
+                    <a:bodyPr/>
+                    <a:lstStyle/>
+                    <a:p>
+                      <a:pPr marL="0" indent="0" algn="ctr" defTabSz="914400" eaLnBrk="1" latinLnBrk="1" hangingPunct="1">
+                        <a:lnSpc>
+                          <a:spcPct val="100000"/>
+                        </a:lnSpc>
+                        <a:spcBef>
+                          <a:spcPts val="0"/>
+                        </a:spcBef>
+                        <a:spcAft>
+                          <a:spcPts val="0"/>
+                        </a:spcAft>
+                        <a:buFontTx/>
+                        <a:buNone/>
+                      </a:pPr>
+                      <a:endParaRPr lang="ko-KR" altLang="en-US" sz="1000" b="0" i="0" kern="1200">
+                        <a:solidFill>
+                          <a:schemeClr val="tx1"/>
+                        </a:solidFill>
+                        <a:latin typeface="맑은 고딕" panose="020B0503020000020004" charset="-127"/>
+                        <a:ea typeface="맑은 고딕" panose="020B0503020000020004" charset="-127"/>
+                      </a:endParaRPr>
+                    </a:p>
+                  </a:txBody>
+                  <a:tcPr marL="0" marR="0" marT="0" marB="0" anchor="ctr">
+                    <a:lnL w="12700" cap="flat" cmpd="sng" algn="ctr">
+                      <a:solidFill>
+                        <a:srgbClr val="000000">
+                          <a:alpha val="100000"/>
+                        </a:srgbClr>
+                      </a:solidFill>
+                      <a:prstDash val="solid"/>
+                      <a:round/>
+                      <a:headEnd type="none" w="med" len="med"/>
+                      <a:tailEnd type="none" w="med" len="med"/>
+                    </a:lnL>
+                    <a:lnR w="12700" cap="flat" cmpd="sng" algn="ctr">
+                      <a:solidFill>
+                        <a:srgbClr val="000000">
+                          <a:alpha val="100000"/>
+                        </a:srgbClr>
+                      </a:solidFill>
+                      <a:prstDash val="solid"/>
+                      <a:round/>
+                      <a:headEnd type="none" w="med" len="med"/>
+                      <a:tailEnd type="none" w="med" len="med"/>
+                    </a:lnR>
+                    <a:lnT w="12700" cap="flat" cmpd="sng" algn="ctr">
+                      <a:solidFill>
+                        <a:srgbClr val="000000">
+                          <a:alpha val="100000"/>
+                        </a:srgbClr>
+                      </a:solidFill>
+                      <a:prstDash val="solid"/>
+                      <a:round/>
+                      <a:headEnd type="none" w="med" len="med"/>
+                      <a:tailEnd type="none" w="med" len="med"/>
+                    </a:lnT>
+                    <a:lnB w="12700" cap="flat" cmpd="sng" algn="ctr">
+                      <a:solidFill>
+                        <a:srgbClr val="000000">
+                          <a:alpha val="100000"/>
+                        </a:srgbClr>
+                      </a:solidFill>
+                      <a:prstDash val="solid"/>
+                      <a:round/>
+                      <a:headEnd type="none" w="med" len="med"/>
+                      <a:tailEnd type="none" w="med" len="med"/>
+                    </a:lnB>
+                    <a:noFill/>
+                  </a:tcPr>
+                </a:tc>
+                <a:tc>
+                  <a:txBody>
+                    <a:bodyPr/>
+                    <a:lstStyle/>
+                    <a:p>
+                      <a:pPr marL="0" indent="0" algn="ctr" defTabSz="914400" eaLnBrk="1" latinLnBrk="1" hangingPunct="1">
+                        <a:lnSpc>
+                          <a:spcPct val="100000"/>
+                        </a:lnSpc>
+                        <a:spcBef>
+                          <a:spcPts val="0"/>
+                        </a:spcBef>
+                        <a:spcAft>
+                          <a:spcPts val="0"/>
+                        </a:spcAft>
+                        <a:buFontTx/>
+                        <a:buNone/>
+                      </a:pPr>
+                      <a:r>
+                        <a:rPr lang="en-US" altLang="ko-KR" sz="1000" b="0" i="0" kern="1200">
+                          <a:solidFill>
+                            <a:schemeClr val="tx1"/>
+                          </a:solidFill>
+                          <a:latin typeface="맑은 고딕" panose="020B0503020000020004" charset="-127"/>
+                          <a:ea typeface="맑은 고딕" panose="020B0503020000020004" charset="-127"/>
+                        </a:rPr>
+                        <a:t>결제대행서비스 이용약관 동의</a:t>
                       </a:r>
                       <a:endParaRPr lang="ko-KR" altLang="en-US" sz="1000" b="0" i="0" kern="1200">
                         <a:solidFill>
@@ -27201,14 +27741,59 @@
                         <a:buNone/>
                       </a:pPr>
                       <a:r>
-                        <a:rPr lang="en-US" altLang="ko-KR" sz="1000" b="0" i="0" kern="1200">
+                        <a:rPr lang="en-US" altLang="ko-KR" sz="1000" kern="1200">
                           <a:solidFill>
                             <a:schemeClr val="tx1"/>
                           </a:solidFill>
                           <a:latin typeface="맑은 고딕" panose="020B0503020000020004" charset="-127"/>
                           <a:ea typeface="맑은 고딕" panose="020B0503020000020004" charset="-127"/>
+                          <a:sym typeface="+mn-ea"/>
                         </a:rPr>
-                        <a:t>[구매조건 확인 및 결제진행 동의] 항목의 checkbox 체크</a:t>
+                        <a:t> 항목의 </a:t>
+                      </a:r>
+                      <a:r>
+                        <a:rPr altLang="en-US" sz="1000" kern="1200">
+                          <a:solidFill>
+                            <a:schemeClr val="tx1"/>
+                          </a:solidFill>
+                          <a:latin typeface="맑은 고딕" panose="020B0503020000020004" charset="-127"/>
+                          <a:ea typeface="맑은 고딕" panose="020B0503020000020004" charset="-127"/>
+                          <a:sym typeface="+mn-ea"/>
+                        </a:rPr>
+                        <a:t>체크박스가</a:t>
+                      </a:r>
+                      <a:r>
+                        <a:rPr lang="en-US" altLang="ko-KR" sz="1000" kern="1200">
+                          <a:solidFill>
+                            <a:schemeClr val="tx1"/>
+                          </a:solidFill>
+                          <a:latin typeface="맑은 고딕" panose="020B0503020000020004" charset="-127"/>
+                          <a:ea typeface="맑은 고딕" panose="020B0503020000020004" charset="-127"/>
+                          <a:sym typeface="+mn-ea"/>
+                        </a:rPr>
+                        <a:t> 체크</a:t>
+                      </a:r>
+                      <a:r>
+                        <a:rPr altLang="en-US" sz="1000" kern="1200">
+                          <a:solidFill>
+                            <a:schemeClr val="tx1"/>
+                          </a:solidFill>
+                          <a:latin typeface="맑은 고딕" panose="020B0503020000020004" charset="-127"/>
+                          <a:ea typeface="맑은 고딕" panose="020B0503020000020004" charset="-127"/>
+                          <a:sym typeface="+mn-ea"/>
+                        </a:rPr>
+                        <a:t>된다</a:t>
+                      </a:r>
+                      <a:r>
+                        <a:rPr lang="en-US" altLang="ko-KR" sz="1000" kern="1200">
+                          <a:solidFill>
+                            <a:schemeClr val="tx1"/>
+                          </a:solidFill>
+                          <a:latin typeface="맑은 고딕" panose="020B0503020000020004" charset="-127"/>
+                          <a:ea typeface="맑은 고딕" panose="020B0503020000020004" charset="-127"/>
+                          <a:sym typeface="+mn-ea"/>
+                        </a:rPr>
+                        <a:t>.</a:t>
                       </a:r>
                       <a:endParaRPr lang="ko-KR" altLang="en-US" sz="1000" b="0" i="0" kern="1200">
                         <a:solidFill>
@@ -27270,7 +27855,7 @@
                   </a:tcPr>
                 </a:tc>
               </a:tr>
-              <a:tr h="526415">
+              <a:tr h="610870">
                 <a:tc>
                   <a:txBody>
                     <a:bodyPr/>
@@ -27297,9 +27882,9 @@
                           <a:latin typeface="맑은 고딕" panose="020B0503020000020004" charset="-127"/>
                           <a:ea typeface="맑은 고딕" panose="020B0503020000020004" charset="-127"/>
                         </a:rPr>
-                        <a:t>5</a:t>
+                        <a:t>6</a:t>
                       </a:r>
-                      <a:endParaRPr lang="ko-KR" altLang="en-US" sz="1000" b="0" i="0" kern="1200">
+                      <a:endParaRPr lang="en-US" altLang="ko-KR" sz="1000" b="0" i="0" kern="1200">
                         <a:solidFill>
                           <a:schemeClr val="tx1"/>
                         </a:solidFill>
@@ -27457,41 +28042,9 @@
                           <a:latin typeface="맑은 고딕" panose="020B0503020000020004" charset="-127"/>
                           <a:ea typeface="맑은 고딕" panose="020B0503020000020004" charset="-127"/>
                         </a:rPr>
-                        <a:t>Checkbox 체크 시, </a:t>
+                        <a:t>1</a:t>
                       </a:r>
-                      <a:endParaRPr lang="ko-KR" altLang="en-US" sz="1000" b="0" i="0" kern="1200">
-                        <a:solidFill>
-                          <a:schemeClr val="tx1"/>
-                        </a:solidFill>
-                        <a:latin typeface="맑은 고딕" panose="020B0503020000020004" charset="-127"/>
-                        <a:ea typeface="맑은 고딕" panose="020B0503020000020004" charset="-127"/>
-                      </a:endParaRPr>
-                    </a:p>
-                    <a:p>
-                      <a:pPr marL="0" indent="0" algn="ctr" defTabSz="914400" eaLnBrk="1" latinLnBrk="1" hangingPunct="1">
-                        <a:lnSpc>
-                          <a:spcPct val="100000"/>
-                        </a:lnSpc>
-                        <a:spcBef>
-                          <a:spcPts val="0"/>
-                        </a:spcBef>
-                        <a:spcAft>
-                          <a:spcPts val="0"/>
-                        </a:spcAft>
-                        <a:buFontTx/>
-                        <a:buNone/>
-                      </a:pPr>
-                      <a:r>
-                        <a:rPr lang="en-US" altLang="ko-KR" sz="1000" b="0" i="0" kern="1200">
-                          <a:solidFill>
-                            <a:schemeClr val="tx1"/>
-                          </a:solidFill>
-                          <a:latin typeface="맑은 고딕" panose="020B0503020000020004" charset="-127"/>
-                          <a:ea typeface="맑은 고딕" panose="020B0503020000020004" charset="-127"/>
-                        </a:rPr>
-                        <a:t>[개인정보 수집 이용 및 제3자 정보 제공 동의] 항목의 checkbox 체크</a:t>
-                      </a:r>
-                      <a:endParaRPr lang="ko-KR" altLang="en-US" sz="1000" b="0" i="0" kern="1200">
+                      <a:endParaRPr lang="en-US" altLang="ko-KR" sz="1000" b="0" i="0" kern="1200">
                         <a:solidFill>
                           <a:schemeClr val="tx1"/>
                         </a:solidFill>
@@ -27551,92 +28104,7 @@
                   </a:tcPr>
                 </a:tc>
               </a:tr>
-              <a:tr h="526415">
-                <a:tc>
-                  <a:txBody>
-                    <a:bodyPr/>
-                    <a:lstStyle/>
-                    <a:p>
-                      <a:pPr marL="0" indent="0" algn="ctr" defTabSz="914400" eaLnBrk="1" latinLnBrk="1" hangingPunct="1">
-                        <a:lnSpc>
-                          <a:spcPct val="100000"/>
-                        </a:lnSpc>
-                        <a:spcBef>
-                          <a:spcPts val="0"/>
-                        </a:spcBef>
-                        <a:spcAft>
-                          <a:spcPts val="0"/>
-                        </a:spcAft>
-                        <a:buFontTx/>
-                        <a:buNone/>
-                      </a:pPr>
-                      <a:r>
-                        <a:rPr lang="en-US" altLang="ko-KR" sz="1000" b="0" i="0" kern="1200">
-                          <a:solidFill>
-                            <a:schemeClr val="tx1"/>
-                          </a:solidFill>
-                          <a:latin typeface="맑은 고딕" panose="020B0503020000020004" charset="-127"/>
-                          <a:ea typeface="맑은 고딕" panose="020B0503020000020004" charset="-127"/>
-                        </a:rPr>
-                        <a:t>6</a:t>
-                      </a:r>
-                      <a:endParaRPr lang="ko-KR" altLang="en-US" sz="1000" b="0" i="0" kern="1200">
-                        <a:solidFill>
-                          <a:schemeClr val="tx1"/>
-                        </a:solidFill>
-                        <a:latin typeface="맑은 고딕" panose="020B0503020000020004" charset="-127"/>
-                        <a:ea typeface="맑은 고딕" panose="020B0503020000020004" charset="-127"/>
-                      </a:endParaRPr>
-                    </a:p>
-                  </a:txBody>
-                  <a:tcPr marL="0" marR="0" marT="0" marB="0" anchor="ctr">
-                    <a:lnL w="12700" cap="flat" cmpd="sng" algn="ctr">
-                      <a:solidFill>
-                        <a:srgbClr val="000000">
-                          <a:alpha val="100000"/>
-                        </a:srgbClr>
-                      </a:solidFill>
-                      <a:prstDash val="solid"/>
-                      <a:round/>
-                      <a:headEnd type="none" w="med" len="med"/>
-                      <a:tailEnd type="none" w="med" len="med"/>
-                    </a:lnL>
-                    <a:lnR w="12700" cap="flat" cmpd="sng" algn="ctr">
-                      <a:solidFill>
-                        <a:srgbClr val="000000">
-                          <a:alpha val="100000"/>
-                        </a:srgbClr>
-                      </a:solidFill>
-                      <a:prstDash val="solid"/>
-                      <a:round/>
-                      <a:headEnd type="none" w="med" len="med"/>
-                      <a:tailEnd type="none" w="med" len="med"/>
-                    </a:lnR>
-                    <a:lnT w="12700" cap="flat" cmpd="sng" algn="ctr">
-                      <a:solidFill>
-                        <a:srgbClr val="000000">
-                          <a:alpha val="100000"/>
-                        </a:srgbClr>
-                      </a:solidFill>
-                      <a:prstDash val="solid"/>
-                      <a:round/>
-                      <a:headEnd type="none" w="med" len="med"/>
-                      <a:tailEnd type="none" w="med" len="med"/>
-                    </a:lnT>
-                    <a:lnB w="12700" cap="flat" cmpd="sng" algn="ctr">
-                      <a:solidFill>
-                        <a:srgbClr val="000000">
-                          <a:alpha val="100000"/>
-                        </a:srgbClr>
-                      </a:solidFill>
-                      <a:prstDash val="solid"/>
-                      <a:round/>
-                      <a:headEnd type="none" w="med" len="med"/>
-                      <a:tailEnd type="none" w="med" len="med"/>
-                    </a:lnB>
-                    <a:noFill/>
-                  </a:tcPr>
-                </a:tc>
+              <a:tr h="505460">
                 <a:tc>
                   <a:txBody>
                     <a:bodyPr/>
@@ -27730,169 +28198,6 @@
                         <a:buFontTx/>
                         <a:buNone/>
                       </a:pPr>
-                      <a:r>
-                        <a:rPr lang="en-US" altLang="ko-KR" sz="1000" b="0" i="0" kern="1200">
-                          <a:solidFill>
-                            <a:schemeClr val="tx1"/>
-                          </a:solidFill>
-                          <a:latin typeface="맑은 고딕" panose="020B0503020000020004" charset="-127"/>
-                          <a:ea typeface="맑은 고딕" panose="020B0503020000020004" charset="-127"/>
-                        </a:rPr>
-                        <a:t>Checkbox 체크 시, </a:t>
-                      </a:r>
-                      <a:endParaRPr lang="ko-KR" altLang="en-US" sz="1000" b="0" i="0" kern="1200">
-                        <a:solidFill>
-                          <a:schemeClr val="tx1"/>
-                        </a:solidFill>
-                        <a:latin typeface="맑은 고딕" panose="020B0503020000020004" charset="-127"/>
-                        <a:ea typeface="맑은 고딕" panose="020B0503020000020004" charset="-127"/>
-                      </a:endParaRPr>
-                    </a:p>
-                    <a:p>
-                      <a:pPr marL="0" indent="0" algn="ctr" defTabSz="914400" eaLnBrk="1" latinLnBrk="1" hangingPunct="1">
-                        <a:lnSpc>
-                          <a:spcPct val="100000"/>
-                        </a:lnSpc>
-                        <a:spcBef>
-                          <a:spcPts val="0"/>
-                        </a:spcBef>
-                        <a:spcAft>
-                          <a:spcPts val="0"/>
-                        </a:spcAft>
-                        <a:buFontTx/>
-                        <a:buNone/>
-                      </a:pPr>
-                      <a:r>
-                        <a:rPr lang="en-US" altLang="ko-KR" sz="1000" b="0" i="0" kern="1200">
-                          <a:solidFill>
-                            <a:schemeClr val="tx1"/>
-                          </a:solidFill>
-                          <a:latin typeface="맑은 고딕" panose="020B0503020000020004" charset="-127"/>
-                          <a:ea typeface="맑은 고딕" panose="020B0503020000020004" charset="-127"/>
-                        </a:rPr>
-                        <a:t>[결제대행서비스 이용약관 동의]</a:t>
-                      </a:r>
-                      <a:endParaRPr lang="ko-KR" altLang="en-US" sz="1000" b="0" i="0" kern="1200">
-                        <a:solidFill>
-                          <a:schemeClr val="tx1"/>
-                        </a:solidFill>
-                        <a:latin typeface="맑은 고딕" panose="020B0503020000020004" charset="-127"/>
-                        <a:ea typeface="맑은 고딕" panose="020B0503020000020004" charset="-127"/>
-                      </a:endParaRPr>
-                    </a:p>
-                    <a:p>
-                      <a:pPr marL="0" indent="0" algn="ctr" defTabSz="914400" eaLnBrk="1" latinLnBrk="1" hangingPunct="1">
-                        <a:lnSpc>
-                          <a:spcPct val="100000"/>
-                        </a:lnSpc>
-                        <a:spcBef>
-                          <a:spcPts val="0"/>
-                        </a:spcBef>
-                        <a:spcAft>
-                          <a:spcPts val="0"/>
-                        </a:spcAft>
-                        <a:buFontTx/>
-                        <a:buNone/>
-                      </a:pPr>
-                      <a:r>
-                        <a:rPr lang="en-US" altLang="ko-KR" sz="1000" b="0" i="0" kern="1200">
-                          <a:solidFill>
-                            <a:schemeClr val="tx1"/>
-                          </a:solidFill>
-                          <a:latin typeface="맑은 고딕" panose="020B0503020000020004" charset="-127"/>
-                          <a:ea typeface="맑은 고딕" panose="020B0503020000020004" charset="-127"/>
-                        </a:rPr>
-                        <a:t>항목의 checkbox 체크</a:t>
-                      </a:r>
-                      <a:endParaRPr lang="ko-KR" altLang="en-US" sz="1000" b="0" i="0" kern="1200">
-                        <a:solidFill>
-                          <a:schemeClr val="tx1"/>
-                        </a:solidFill>
-                        <a:latin typeface="맑은 고딕" panose="020B0503020000020004" charset="-127"/>
-                        <a:ea typeface="맑은 고딕" panose="020B0503020000020004" charset="-127"/>
-                      </a:endParaRPr>
-                    </a:p>
-                  </a:txBody>
-                  <a:tcPr marL="0" marR="0" marT="0" marB="0" anchor="ctr">
-                    <a:lnL w="12700" cap="flat" cmpd="sng" algn="ctr">
-                      <a:solidFill>
-                        <a:srgbClr val="000000">
-                          <a:alpha val="100000"/>
-                        </a:srgbClr>
-                      </a:solidFill>
-                      <a:prstDash val="solid"/>
-                      <a:round/>
-                      <a:headEnd type="none" w="med" len="med"/>
-                      <a:tailEnd type="none" w="med" len="med"/>
-                    </a:lnL>
-                    <a:lnR w="12700" cap="flat" cmpd="sng" algn="ctr">
-                      <a:solidFill>
-                        <a:srgbClr val="000000">
-                          <a:alpha val="100000"/>
-                        </a:srgbClr>
-                      </a:solidFill>
-                      <a:prstDash val="solid"/>
-                      <a:round/>
-                      <a:headEnd type="none" w="med" len="med"/>
-                      <a:tailEnd type="none" w="med" len="med"/>
-                    </a:lnR>
-                    <a:lnT w="12700" cap="flat" cmpd="sng" algn="ctr">
-                      <a:solidFill>
-                        <a:srgbClr val="000000">
-                          <a:alpha val="100000"/>
-                        </a:srgbClr>
-                      </a:solidFill>
-                      <a:prstDash val="solid"/>
-                      <a:round/>
-                      <a:headEnd type="none" w="med" len="med"/>
-                      <a:tailEnd type="none" w="med" len="med"/>
-                    </a:lnT>
-                    <a:lnB w="12700" cap="flat" cmpd="sng" algn="ctr">
-                      <a:solidFill>
-                        <a:srgbClr val="000000">
-                          <a:alpha val="100000"/>
-                        </a:srgbClr>
-                      </a:solidFill>
-                      <a:prstDash val="solid"/>
-                      <a:round/>
-                      <a:headEnd type="none" w="med" len="med"/>
-                      <a:tailEnd type="none" w="med" len="med"/>
-                    </a:lnB>
-                    <a:solidFill>
-                      <a:schemeClr val="bg1"/>
-                    </a:solidFill>
-                  </a:tcPr>
-                </a:tc>
-              </a:tr>
-              <a:tr h="614680">
-                <a:tc>
-                  <a:txBody>
-                    <a:bodyPr/>
-                    <a:lstStyle/>
-                    <a:p>
-                      <a:pPr marL="0" indent="0" algn="ctr" defTabSz="914400" eaLnBrk="1" latinLnBrk="1" hangingPunct="1">
-                        <a:lnSpc>
-                          <a:spcPct val="100000"/>
-                        </a:lnSpc>
-                        <a:spcBef>
-                          <a:spcPts val="0"/>
-                        </a:spcBef>
-                        <a:spcAft>
-                          <a:spcPts val="0"/>
-                        </a:spcAft>
-                        <a:buFontTx/>
-                        <a:buNone/>
-                      </a:pPr>
-                      <a:r>
-                        <a:rPr lang="en-US" altLang="ko-KR" sz="1000" b="0" i="0" kern="1200">
-                          <a:solidFill>
-                            <a:schemeClr val="tx1"/>
-                          </a:solidFill>
-                          <a:latin typeface="맑은 고딕" panose="020B0503020000020004" charset="-127"/>
-                          <a:ea typeface="맑은 고딕" panose="020B0503020000020004" charset="-127"/>
-                        </a:rPr>
-                        <a:t>7</a:t>
-                      </a:r>
                       <a:endParaRPr lang="ko-KR" altLang="en-US" sz="1000" b="0" i="0" kern="1200">
                         <a:solidFill>
                           <a:schemeClr val="tx1"/>
@@ -28022,98 +28327,13 @@
                       <a:headEnd type="none" w="med" len="med"/>
                       <a:tailEnd type="none" w="med" len="med"/>
                     </a:lnB>
-                    <a:noFill/>
-                  </a:tcPr>
-                </a:tc>
-                <a:tc>
-                  <a:txBody>
-                    <a:bodyPr/>
-                    <a:lstStyle/>
-                    <a:p>
-                      <a:pPr marL="0" indent="0" algn="ctr" defTabSz="914400" eaLnBrk="1" latinLnBrk="1" hangingPunct="1">
-                        <a:lnSpc>
-                          <a:spcPct val="100000"/>
-                        </a:lnSpc>
-                        <a:spcBef>
-                          <a:spcPts val="0"/>
-                        </a:spcBef>
-                        <a:spcAft>
-                          <a:spcPts val="0"/>
-                        </a:spcAft>
-                        <a:buFontTx/>
-                        <a:buNone/>
-                      </a:pPr>
-                      <a:r>
-                        <a:rPr lang="en-US" altLang="ko-KR" sz="1000" b="0" i="0" kern="1200">
-                          <a:solidFill>
-                            <a:schemeClr val="tx1"/>
-                          </a:solidFill>
-                          <a:latin typeface="맑은 고딕" panose="020B0503020000020004" charset="-127"/>
-                          <a:ea typeface="맑은 고딕" panose="020B0503020000020004" charset="-127"/>
-                        </a:rPr>
-                        <a:t>[배송정보] [결제정보] [주문자 동의] 각 항목의 입력 또는 동의여부 확인 후 결제진행, [주문완료] 페이지로 이동</a:t>
-                      </a:r>
-                      <a:endParaRPr lang="ko-KR" altLang="en-US" sz="1000" b="0" i="0" kern="1200">
-                        <a:solidFill>
-                          <a:schemeClr val="tx1"/>
-                        </a:solidFill>
-                        <a:latin typeface="맑은 고딕" panose="020B0503020000020004" charset="-127"/>
-                        <a:ea typeface="맑은 고딕" panose="020B0503020000020004" charset="-127"/>
-                      </a:endParaRPr>
-                    </a:p>
-                  </a:txBody>
-                  <a:tcPr marL="0" marR="0" marT="0" marB="0" anchor="ctr">
-                    <a:lnL w="12700" cap="flat" cmpd="sng" algn="ctr">
-                      <a:solidFill>
-                        <a:srgbClr val="000000">
-                          <a:alpha val="100000"/>
-                        </a:srgbClr>
-                      </a:solidFill>
-                      <a:prstDash val="solid"/>
-                      <a:round/>
-                      <a:headEnd type="none" w="med" len="med"/>
-                      <a:tailEnd type="none" w="med" len="med"/>
-                    </a:lnL>
-                    <a:lnR w="12700" cap="flat" cmpd="sng" algn="ctr">
-                      <a:solidFill>
-                        <a:srgbClr val="000000">
-                          <a:alpha val="100000"/>
-                        </a:srgbClr>
-                      </a:solidFill>
-                      <a:prstDash val="solid"/>
-                      <a:round/>
-                      <a:headEnd type="none" w="med" len="med"/>
-                      <a:tailEnd type="none" w="med" len="med"/>
-                    </a:lnR>
-                    <a:lnT w="12700" cap="flat" cmpd="sng" algn="ctr">
-                      <a:solidFill>
-                        <a:srgbClr val="000000">
-                          <a:alpha val="100000"/>
-                        </a:srgbClr>
-                      </a:solidFill>
-                      <a:prstDash val="solid"/>
-                      <a:round/>
-                      <a:headEnd type="none" w="med" len="med"/>
-                      <a:tailEnd type="none" w="med" len="med"/>
-                    </a:lnT>
-                    <a:lnB w="12700" cap="flat" cmpd="sng" algn="ctr">
-                      <a:solidFill>
-                        <a:srgbClr val="000000">
-                          <a:alpha val="100000"/>
-                        </a:srgbClr>
-                      </a:solidFill>
-                      <a:prstDash val="solid"/>
-                      <a:round/>
-                      <a:headEnd type="none" w="med" len="med"/>
-                      <a:tailEnd type="none" w="med" len="med"/>
-                    </a:lnB>
                     <a:solidFill>
                       <a:schemeClr val="bg1"/>
                     </a:solidFill>
                   </a:tcPr>
                 </a:tc>
               </a:tr>
-              <a:tr h="509270">
+              <a:tr h="505460">
                 <a:tc>
                   <a:txBody>
                     <a:bodyPr/>
@@ -28342,7 +28562,7 @@
                   </a:tcPr>
                 </a:tc>
               </a:tr>
-              <a:tr h="509270">
+              <a:tr h="506095">
                 <a:tc>
                   <a:txBody>
                     <a:bodyPr/>
@@ -28571,7 +28791,7 @@
                   </a:tcPr>
                 </a:tc>
               </a:tr>
-              <a:tr h="509270">
+              <a:tr h="487680">
                 <a:tc>
                   <a:txBody>
                     <a:bodyPr/>
@@ -28800,255 +29020,20 @@
                   </a:tcPr>
                 </a:tc>
               </a:tr>
-              <a:tr h="491490">
-                <a:tc>
-                  <a:txBody>
-                    <a:bodyPr/>
-                    <a:lstStyle/>
-                    <a:p>
-                      <a:pPr marL="0" indent="0" algn="ctr" defTabSz="914400" eaLnBrk="1" latinLnBrk="1" hangingPunct="1">
-                        <a:lnSpc>
-                          <a:spcPct val="100000"/>
-                        </a:lnSpc>
-                        <a:spcBef>
-                          <a:spcPts val="0"/>
-                        </a:spcBef>
-                        <a:spcAft>
-                          <a:spcPts val="0"/>
-                        </a:spcAft>
-                        <a:buFontTx/>
-                        <a:buNone/>
-                      </a:pPr>
-                      <a:endParaRPr lang="ko-KR" altLang="en-US" sz="1000" b="0" i="0" kern="1200">
-                        <a:solidFill>
-                          <a:schemeClr val="tx1"/>
-                        </a:solidFill>
-                        <a:latin typeface="맑은 고딕" panose="020B0503020000020004" charset="-127"/>
-                        <a:ea typeface="맑은 고딕" panose="020B0503020000020004" charset="-127"/>
-                      </a:endParaRPr>
-                    </a:p>
-                  </a:txBody>
-                  <a:tcPr marL="0" marR="0" marT="0" marB="0" anchor="ctr">
-                    <a:lnL w="12700" cap="flat" cmpd="sng" algn="ctr">
-                      <a:solidFill>
-                        <a:srgbClr val="000000">
-                          <a:alpha val="100000"/>
-                        </a:srgbClr>
-                      </a:solidFill>
-                      <a:prstDash val="solid"/>
-                      <a:round/>
-                      <a:headEnd type="none" w="med" len="med"/>
-                      <a:tailEnd type="none" w="med" len="med"/>
-                    </a:lnL>
-                    <a:lnR w="12700" cap="flat" cmpd="sng" algn="ctr">
-                      <a:solidFill>
-                        <a:srgbClr val="000000">
-                          <a:alpha val="100000"/>
-                        </a:srgbClr>
-                      </a:solidFill>
-                      <a:prstDash val="solid"/>
-                      <a:round/>
-                      <a:headEnd type="none" w="med" len="med"/>
-                      <a:tailEnd type="none" w="med" len="med"/>
-                    </a:lnR>
-                    <a:lnT w="12700" cap="flat" cmpd="sng" algn="ctr">
-                      <a:solidFill>
-                        <a:srgbClr val="000000">
-                          <a:alpha val="100000"/>
-                        </a:srgbClr>
-                      </a:solidFill>
-                      <a:prstDash val="solid"/>
-                      <a:round/>
-                      <a:headEnd type="none" w="med" len="med"/>
-                      <a:tailEnd type="none" w="med" len="med"/>
-                    </a:lnT>
-                    <a:lnB w="12700" cap="flat" cmpd="sng" algn="ctr">
-                      <a:solidFill>
-                        <a:srgbClr val="000000">
-                          <a:alpha val="100000"/>
-                        </a:srgbClr>
-                      </a:solidFill>
-                      <a:prstDash val="solid"/>
-                      <a:round/>
-                      <a:headEnd type="none" w="med" len="med"/>
-                      <a:tailEnd type="none" w="med" len="med"/>
-                    </a:lnB>
-                    <a:noFill/>
-                  </a:tcPr>
-                </a:tc>
-                <a:tc>
-                  <a:txBody>
-                    <a:bodyPr/>
-                    <a:lstStyle/>
-                    <a:p>
-                      <a:pPr marL="0" indent="0" algn="ctr" defTabSz="914400" eaLnBrk="1" latinLnBrk="1" hangingPunct="1">
-                        <a:lnSpc>
-                          <a:spcPct val="100000"/>
-                        </a:lnSpc>
-                        <a:spcBef>
-                          <a:spcPts val="0"/>
-                        </a:spcBef>
-                        <a:spcAft>
-                          <a:spcPts val="0"/>
-                        </a:spcAft>
-                        <a:buFontTx/>
-                        <a:buNone/>
-                      </a:pPr>
-                      <a:endParaRPr lang="ko-KR" altLang="en-US" sz="1000" b="0" i="0" kern="1200">
-                        <a:solidFill>
-                          <a:schemeClr val="tx1"/>
-                        </a:solidFill>
-                        <a:latin typeface="맑은 고딕" panose="020B0503020000020004" charset="-127"/>
-                        <a:ea typeface="맑은 고딕" panose="020B0503020000020004" charset="-127"/>
-                      </a:endParaRPr>
-                    </a:p>
-                  </a:txBody>
-                  <a:tcPr marL="0" marR="0" marT="0" marB="0" anchor="ctr">
-                    <a:lnL w="12700" cap="flat" cmpd="sng" algn="ctr">
-                      <a:solidFill>
-                        <a:srgbClr val="000000">
-                          <a:alpha val="100000"/>
-                        </a:srgbClr>
-                      </a:solidFill>
-                      <a:prstDash val="solid"/>
-                      <a:round/>
-                      <a:headEnd type="none" w="med" len="med"/>
-                      <a:tailEnd type="none" w="med" len="med"/>
-                    </a:lnL>
-                    <a:lnR w="12700" cap="flat" cmpd="sng" algn="ctr">
-                      <a:solidFill>
-                        <a:srgbClr val="000000">
-                          <a:alpha val="100000"/>
-                        </a:srgbClr>
-                      </a:solidFill>
-                      <a:prstDash val="solid"/>
-                      <a:round/>
-                      <a:headEnd type="none" w="med" len="med"/>
-                      <a:tailEnd type="none" w="med" len="med"/>
-                    </a:lnR>
-                    <a:lnT w="12700" cap="flat" cmpd="sng" algn="ctr">
-                      <a:solidFill>
-                        <a:srgbClr val="000000">
-                          <a:alpha val="100000"/>
-                        </a:srgbClr>
-                      </a:solidFill>
-                      <a:prstDash val="solid"/>
-                      <a:round/>
-                      <a:headEnd type="none" w="med" len="med"/>
-                      <a:tailEnd type="none" w="med" len="med"/>
-                    </a:lnT>
-                    <a:lnB w="12700" cap="flat" cmpd="sng" algn="ctr">
-                      <a:solidFill>
-                        <a:srgbClr val="000000">
-                          <a:alpha val="100000"/>
-                        </a:srgbClr>
-                      </a:solidFill>
-                      <a:prstDash val="solid"/>
-                      <a:round/>
-                      <a:headEnd type="none" w="med" len="med"/>
-                      <a:tailEnd type="none" w="med" len="med"/>
-                    </a:lnB>
-                    <a:noFill/>
-                  </a:tcPr>
-                </a:tc>
-                <a:tc>
-                  <a:txBody>
-                    <a:bodyPr/>
-                    <a:lstStyle/>
-                    <a:p>
-                      <a:pPr marL="0" indent="0" algn="ctr" defTabSz="914400" eaLnBrk="1" latinLnBrk="1" hangingPunct="1">
-                        <a:lnSpc>
-                          <a:spcPct val="100000"/>
-                        </a:lnSpc>
-                        <a:spcBef>
-                          <a:spcPts val="0"/>
-                        </a:spcBef>
-                        <a:spcAft>
-                          <a:spcPts val="0"/>
-                        </a:spcAft>
-                        <a:buFontTx/>
-                        <a:buNone/>
-                      </a:pPr>
-                      <a:endParaRPr lang="ko-KR" altLang="en-US" sz="1000" b="0" i="0" kern="1200">
-                        <a:solidFill>
-                          <a:schemeClr val="tx1"/>
-                        </a:solidFill>
-                        <a:latin typeface="맑은 고딕" panose="020B0503020000020004" charset="-127"/>
-                        <a:ea typeface="맑은 고딕" panose="020B0503020000020004" charset="-127"/>
-                      </a:endParaRPr>
-                    </a:p>
-                  </a:txBody>
-                  <a:tcPr marL="0" marR="0" marT="0" marB="0" anchor="ctr">
-                    <a:lnL w="12700" cap="flat" cmpd="sng" algn="ctr">
-                      <a:solidFill>
-                        <a:srgbClr val="000000">
-                          <a:alpha val="100000"/>
-                        </a:srgbClr>
-                      </a:solidFill>
-                      <a:prstDash val="solid"/>
-                      <a:round/>
-                      <a:headEnd type="none" w="med" len="med"/>
-                      <a:tailEnd type="none" w="med" len="med"/>
-                    </a:lnL>
-                    <a:lnR w="12700" cap="flat" cmpd="sng" algn="ctr">
-                      <a:solidFill>
-                        <a:srgbClr val="000000">
-                          <a:alpha val="100000"/>
-                        </a:srgbClr>
-                      </a:solidFill>
-                      <a:prstDash val="solid"/>
-                      <a:round/>
-                      <a:headEnd type="none" w="med" len="med"/>
-                      <a:tailEnd type="none" w="med" len="med"/>
-                    </a:lnR>
-                    <a:lnT w="12700" cap="flat" cmpd="sng" algn="ctr">
-                      <a:solidFill>
-                        <a:srgbClr val="000000">
-                          <a:alpha val="100000"/>
-                        </a:srgbClr>
-                      </a:solidFill>
-                      <a:prstDash val="solid"/>
-                      <a:round/>
-                      <a:headEnd type="none" w="med" len="med"/>
-                      <a:tailEnd type="none" w="med" len="med"/>
-                    </a:lnT>
-                    <a:lnB w="12700" cap="flat" cmpd="sng" algn="ctr">
-                      <a:solidFill>
-                        <a:srgbClr val="000000">
-                          <a:alpha val="100000"/>
-                        </a:srgbClr>
-                      </a:solidFill>
-                      <a:prstDash val="solid"/>
-                      <a:round/>
-                      <a:headEnd type="none" w="med" len="med"/>
-                      <a:tailEnd type="none" w="med" len="med"/>
-                    </a:lnB>
-                    <a:solidFill>
-                      <a:schemeClr val="bg1"/>
-                    </a:solidFill>
-                  </a:tcPr>
-                </a:tc>
-              </a:tr>
             </a:tbl>
           </a:graphicData>
         </a:graphic>
       </p:graphicFrame>
       <p:pic>
         <p:nvPicPr>
-          <p:cNvPr id="7" name="그림 6" descr="C:/Users/KOSMO-08/AppData/Roaming/PolarisOffice/ETemp/11312_17366784/fImage5580910415436.png"/>
+          <p:cNvPr id="7" name="그림 6" descr="C:/Users/KOSMO-08/AppData/Roaming/PolarisOffice/ETemp/12752_7558552/fImage558093889961.png"/>
           <p:cNvPicPr>
             <a:picLocks noChangeAspect="1"/>
           </p:cNvPicPr>
           <p:nvPr/>
         </p:nvPicPr>
         <p:blipFill rotWithShape="1">
-          <a:blip r:embed="rId1" cstate="print">
-            <a:extLst>
-              <a:ext uri="{28A0092B-C50C-407E-A947-70E740481C1C}">
-                <a14:useLocalDpi xmlns:a14="http://schemas.microsoft.com/office/drawing/2010/main" val="0"/>
-              </a:ext>
-            </a:extLst>
-          </a:blip>
+          <a:blip r:embed="rId1" cstate="hqprint"/>
           <a:srcRect/>
           <a:stretch>
             <a:fillRect/>
@@ -29057,7 +29042,7 @@
         <p:spPr>
           <a:xfrm>
             <a:off x="2156460" y="752475"/>
-            <a:ext cx="4966335" cy="5887720"/>
+            <a:ext cx="4966970" cy="5888355"/>
           </a:xfrm>
           <a:prstGeom prst="rect">
             <a:avLst/>
@@ -29074,9 +29059,9 @@
         <p:grpSpPr>
           <a:xfrm rot="0">
             <a:off x="6444615" y="1317625"/>
-            <a:ext cx="238760" cy="260985"/>
+            <a:ext cx="239395" cy="261620"/>
             <a:chOff x="6444615" y="1317625"/>
-            <a:chExt cx="238760" cy="260985"/>
+            <a:chExt cx="239395" cy="261620"/>
           </a:xfrm>
         </p:grpSpPr>
         <p:sp>
@@ -29088,7 +29073,7 @@
           <p:spPr>
             <a:xfrm>
               <a:off x="6474460" y="1352550"/>
-              <a:ext cx="209550" cy="209550"/>
+              <a:ext cx="210185" cy="210185"/>
             </a:xfrm>
             <a:prstGeom prst="ellipse">
               <a:avLst/>
@@ -29149,7 +29134,7 @@
           <p:spPr>
             <a:xfrm>
               <a:off x="6444615" y="1317625"/>
-              <a:ext cx="220345" cy="260985"/>
+              <a:ext cx="220980" cy="261620"/>
             </a:xfrm>
             <a:prstGeom prst="rect">
               <a:avLst/>
@@ -29198,137 +29183,6 @@
       </p:grpSp>
       <p:grpSp>
         <p:nvGrpSpPr>
-          <p:cNvPr id="8" name="그룹 7"/>
-          <p:cNvGrpSpPr/>
-          <p:nvPr/>
-        </p:nvGrpSpPr>
-        <p:grpSpPr>
-          <a:xfrm rot="0">
-            <a:off x="6444615" y="1577975"/>
-            <a:ext cx="239395" cy="260985"/>
-            <a:chOff x="6444615" y="1577975"/>
-            <a:chExt cx="239395" cy="260985"/>
-          </a:xfrm>
-        </p:grpSpPr>
-        <p:sp>
-          <p:nvSpPr>
-            <p:cNvPr id="9" name="도형 8"/>
-            <p:cNvSpPr/>
-            <p:nvPr/>
-          </p:nvSpPr>
-          <p:spPr>
-            <a:xfrm>
-              <a:off x="6474460" y="1612900"/>
-              <a:ext cx="209550" cy="209550"/>
-            </a:xfrm>
-            <a:prstGeom prst="ellipse">
-              <a:avLst/>
-            </a:prstGeom>
-            <a:solidFill>
-              <a:srgbClr val="FF0000"/>
-            </a:solidFill>
-          </p:spPr>
-          <p:style>
-            <a:lnRef idx="1">
-              <a:schemeClr val="accent2"/>
-            </a:lnRef>
-            <a:fillRef idx="3">
-              <a:schemeClr val="accent2"/>
-            </a:fillRef>
-            <a:effectRef idx="2">
-              <a:schemeClr val="accent2"/>
-            </a:effectRef>
-            <a:fontRef idx="minor">
-              <a:schemeClr val="lt1"/>
-            </a:fontRef>
-          </p:style>
-          <p:txBody>
-            <a:bodyPr vert="horz" wrap="square" lIns="91440" tIns="45720" rIns="91440" bIns="45720" anchor="ctr">
-              <a:noAutofit/>
-            </a:bodyPr>
-            <a:lstStyle/>
-            <a:p>
-              <a:pPr marL="0" indent="0" algn="ctr" defTabSz="914400" eaLnBrk="1" latinLnBrk="1" hangingPunct="1">
-                <a:lnSpc>
-                  <a:spcPct val="100000"/>
-                </a:lnSpc>
-                <a:spcBef>
-                  <a:spcPts val="0"/>
-                </a:spcBef>
-                <a:spcAft>
-                  <a:spcPts val="0"/>
-                </a:spcAft>
-                <a:buFontTx/>
-                <a:buNone/>
-              </a:pPr>
-              <a:endParaRPr lang="ko-KR" altLang="en-US" sz="1800">
-                <a:solidFill>
-                  <a:srgbClr val="000000"/>
-                </a:solidFill>
-                <a:latin typeface="맑은 고딕" panose="020B0503020000020004" charset="-127"/>
-                <a:ea typeface="맑은 고딕" panose="020B0503020000020004" charset="-127"/>
-              </a:endParaRPr>
-            </a:p>
-          </p:txBody>
-        </p:sp>
-        <p:sp>
-          <p:nvSpPr>
-            <p:cNvPr id="10" name="텍스트 상자 9"/>
-            <p:cNvSpPr txBox="1"/>
-            <p:nvPr/>
-          </p:nvSpPr>
-          <p:spPr>
-            <a:xfrm>
-              <a:off x="6444615" y="1577975"/>
-              <a:ext cx="220345" cy="260985"/>
-            </a:xfrm>
-            <a:prstGeom prst="rect">
-              <a:avLst/>
-            </a:prstGeom>
-            <a:noFill/>
-          </p:spPr>
-          <p:txBody>
-            <a:bodyPr vert="horz" wrap="square" lIns="91440" tIns="45720" rIns="91440" bIns="45720" anchor="t">
-              <a:spAutoFit/>
-            </a:bodyPr>
-            <a:lstStyle/>
-            <a:p>
-              <a:pPr marL="0" indent="0" algn="l" defTabSz="914400" eaLnBrk="1" latinLnBrk="1" hangingPunct="1">
-                <a:lnSpc>
-                  <a:spcPct val="100000"/>
-                </a:lnSpc>
-                <a:spcBef>
-                  <a:spcPts val="0"/>
-                </a:spcBef>
-                <a:spcAft>
-                  <a:spcPts val="0"/>
-                </a:spcAft>
-                <a:buFontTx/>
-                <a:buNone/>
-              </a:pPr>
-              <a:r>
-                <a:rPr lang="en-US" altLang="ko-KR" sz="1100" b="1">
-                  <a:solidFill>
-                    <a:schemeClr val="bg1"/>
-                  </a:solidFill>
-                  <a:latin typeface="맑은 고딕" panose="020B0503020000020004" charset="-127"/>
-                  <a:ea typeface="맑은 고딕" panose="020B0503020000020004" charset="-127"/>
-                </a:rPr>
-                <a:t>2</a:t>
-              </a:r>
-              <a:endParaRPr lang="ko-KR" altLang="en-US" sz="1100" b="1">
-                <a:solidFill>
-                  <a:schemeClr val="bg1"/>
-                </a:solidFill>
-                <a:latin typeface="맑은 고딕" panose="020B0503020000020004" charset="-127"/>
-                <a:ea typeface="맑은 고딕" panose="020B0503020000020004" charset="-127"/>
-              </a:endParaRPr>
-            </a:p>
-          </p:txBody>
-        </p:sp>
-      </p:grpSp>
-      <p:grpSp>
-        <p:nvGrpSpPr>
           <p:cNvPr id="11" name="그룹 10"/>
           <p:cNvGrpSpPr/>
           <p:nvPr/>
@@ -29336,9 +29190,9 @@
         <p:grpSpPr>
           <a:xfrm rot="0">
             <a:off x="2513965" y="1343025"/>
-            <a:ext cx="239395" cy="260985"/>
+            <a:ext cx="240030" cy="260350"/>
             <a:chOff x="2513965" y="1343025"/>
-            <a:chExt cx="239395" cy="260985"/>
+            <a:chExt cx="240030" cy="260350"/>
           </a:xfrm>
         </p:grpSpPr>
         <p:sp>
@@ -29350,7 +29204,7 @@
           <p:spPr>
             <a:xfrm>
               <a:off x="2543810" y="1377950"/>
-              <a:ext cx="209550" cy="209550"/>
+              <a:ext cx="210185" cy="210185"/>
             </a:xfrm>
             <a:prstGeom prst="ellipse">
               <a:avLst/>
@@ -29411,7 +29265,7 @@
           <p:spPr>
             <a:xfrm>
               <a:off x="2513965" y="1343025"/>
-              <a:ext cx="220345" cy="260985"/>
+              <a:ext cx="220980" cy="260350"/>
             </a:xfrm>
             <a:prstGeom prst="rect">
               <a:avLst/>
@@ -29445,9 +29299,9 @@
                   <a:latin typeface="맑은 고딕" panose="020B0503020000020004" charset="-127"/>
                   <a:ea typeface="맑은 고딕" panose="020B0503020000020004" charset="-127"/>
                 </a:rPr>
-                <a:t>3</a:t>
+                <a:t>2</a:t>
               </a:r>
-              <a:endParaRPr lang="ko-KR" altLang="en-US" sz="1100" b="1">
+              <a:endParaRPr lang="en-US" altLang="ko-KR" sz="1100" b="1">
                 <a:solidFill>
                   <a:schemeClr val="bg1"/>
                 </a:solidFill>
@@ -29467,9 +29321,9 @@
         <p:grpSpPr>
           <a:xfrm rot="0">
             <a:off x="2519045" y="2384425"/>
-            <a:ext cx="248920" cy="260985"/>
+            <a:ext cx="249555" cy="260350"/>
             <a:chOff x="2519045" y="2384425"/>
-            <a:chExt cx="248920" cy="260985"/>
+            <a:chExt cx="249555" cy="260350"/>
           </a:xfrm>
         </p:grpSpPr>
         <p:sp>
@@ -29481,7 +29335,7 @@
           <p:spPr>
             <a:xfrm>
               <a:off x="2558415" y="2419350"/>
-              <a:ext cx="209550" cy="209550"/>
+              <a:ext cx="210185" cy="210185"/>
             </a:xfrm>
             <a:prstGeom prst="ellipse">
               <a:avLst/>
@@ -29542,7 +29396,7 @@
           <p:spPr>
             <a:xfrm>
               <a:off x="2519045" y="2384425"/>
-              <a:ext cx="220345" cy="260985"/>
+              <a:ext cx="220980" cy="260350"/>
             </a:xfrm>
             <a:prstGeom prst="rect">
               <a:avLst/>
@@ -29576,9 +29430,9 @@
                   <a:latin typeface="맑은 고딕" panose="020B0503020000020004" charset="-127"/>
                   <a:ea typeface="맑은 고딕" panose="020B0503020000020004" charset="-127"/>
                 </a:rPr>
-                <a:t>4</a:t>
+                <a:t>3</a:t>
               </a:r>
-              <a:endParaRPr lang="ko-KR" altLang="en-US" sz="1100" b="1">
+              <a:endParaRPr lang="en-US" altLang="ko-KR" sz="1100" b="1">
                 <a:solidFill>
                   <a:schemeClr val="bg1"/>
                 </a:solidFill>
@@ -29598,9 +29452,9 @@
         <p:grpSpPr>
           <a:xfrm rot="0">
             <a:off x="2539365" y="3489960"/>
-            <a:ext cx="248920" cy="260985"/>
+            <a:ext cx="249555" cy="260350"/>
             <a:chOff x="2539365" y="3489960"/>
-            <a:chExt cx="248920" cy="260985"/>
+            <a:chExt cx="249555" cy="260350"/>
           </a:xfrm>
         </p:grpSpPr>
         <p:sp>
@@ -29612,7 +29466,7 @@
           <p:spPr>
             <a:xfrm>
               <a:off x="2578735" y="3524885"/>
-              <a:ext cx="209550" cy="209550"/>
+              <a:ext cx="210185" cy="210185"/>
             </a:xfrm>
             <a:prstGeom prst="ellipse">
               <a:avLst/>
@@ -29673,7 +29527,7 @@
           <p:spPr>
             <a:xfrm>
               <a:off x="2539365" y="3489960"/>
-              <a:ext cx="220345" cy="260985"/>
+              <a:ext cx="220980" cy="260350"/>
             </a:xfrm>
             <a:prstGeom prst="rect">
               <a:avLst/>
@@ -29707,9 +29561,9 @@
                   <a:latin typeface="맑은 고딕" panose="020B0503020000020004" charset="-127"/>
                   <a:ea typeface="맑은 고딕" panose="020B0503020000020004" charset="-127"/>
                 </a:rPr>
-                <a:t>5</a:t>
+                <a:t>4</a:t>
               </a:r>
-              <a:endParaRPr lang="ko-KR" altLang="en-US" sz="1100" b="1">
+              <a:endParaRPr lang="en-US" altLang="ko-KR" sz="1100" b="1">
                 <a:solidFill>
                   <a:schemeClr val="bg1"/>
                 </a:solidFill>
@@ -29729,9 +29583,9 @@
         <p:grpSpPr>
           <a:xfrm rot="0">
             <a:off x="2548890" y="4657725"/>
-            <a:ext cx="248920" cy="260985"/>
+            <a:ext cx="249555" cy="260350"/>
             <a:chOff x="2548890" y="4657725"/>
-            <a:chExt cx="248920" cy="260985"/>
+            <a:chExt cx="249555" cy="260350"/>
           </a:xfrm>
         </p:grpSpPr>
         <p:sp>
@@ -29743,7 +29597,7 @@
           <p:spPr>
             <a:xfrm>
               <a:off x="2588260" y="4692650"/>
-              <a:ext cx="209550" cy="209550"/>
+              <a:ext cx="210185" cy="210185"/>
             </a:xfrm>
             <a:prstGeom prst="ellipse">
               <a:avLst/>
@@ -29804,7 +29658,7 @@
           <p:spPr>
             <a:xfrm>
               <a:off x="2548890" y="4657725"/>
-              <a:ext cx="220345" cy="260985"/>
+              <a:ext cx="220980" cy="260350"/>
             </a:xfrm>
             <a:prstGeom prst="rect">
               <a:avLst/>
@@ -29838,9 +29692,9 @@
                   <a:latin typeface="맑은 고딕" panose="020B0503020000020004" charset="-127"/>
                   <a:ea typeface="맑은 고딕" panose="020B0503020000020004" charset="-127"/>
                 </a:rPr>
-                <a:t>6</a:t>
+                <a:t>5</a:t>
               </a:r>
-              <a:endParaRPr lang="ko-KR" altLang="en-US" sz="1100" b="1">
+              <a:endParaRPr lang="en-US" altLang="ko-KR" sz="1100" b="1">
                 <a:solidFill>
                   <a:schemeClr val="bg1"/>
                 </a:solidFill>
@@ -29859,10 +29713,10 @@
         </p:nvGrpSpPr>
         <p:grpSpPr>
           <a:xfrm rot="0">
-            <a:off x="3943985" y="5811520"/>
-            <a:ext cx="248920" cy="260985"/>
+            <a:off x="3963035" y="5868670"/>
+            <a:ext cx="249555" cy="260350"/>
             <a:chOff x="3943985" y="5811520"/>
-            <a:chExt cx="248920" cy="260985"/>
+            <a:chExt cx="249555" cy="260350"/>
           </a:xfrm>
         </p:grpSpPr>
         <p:sp>
@@ -29874,7 +29728,7 @@
           <p:spPr>
             <a:xfrm>
               <a:off x="3983355" y="5846445"/>
-              <a:ext cx="209550" cy="209550"/>
+              <a:ext cx="210185" cy="210185"/>
             </a:xfrm>
             <a:prstGeom prst="ellipse">
               <a:avLst/>
@@ -29935,7 +29789,7 @@
           <p:spPr>
             <a:xfrm>
               <a:off x="3943985" y="5811520"/>
-              <a:ext cx="220345" cy="260985"/>
+              <a:ext cx="220980" cy="260350"/>
             </a:xfrm>
             <a:prstGeom prst="rect">
               <a:avLst/>
@@ -29969,9 +29823,9 @@
                   <a:latin typeface="맑은 고딕" panose="020B0503020000020004" charset="-127"/>
                   <a:ea typeface="맑은 고딕" panose="020B0503020000020004" charset="-127"/>
                 </a:rPr>
-                <a:t>7</a:t>
+                <a:t>6</a:t>
               </a:r>
-              <a:endParaRPr lang="ko-KR" altLang="en-US" sz="1100" b="1">
+              <a:endParaRPr lang="en-US" altLang="ko-KR" sz="1100" b="1">
                 <a:solidFill>
                   <a:schemeClr val="bg1"/>
                 </a:solidFill>
@@ -29984,7 +29838,7 @@
       </p:grpSp>
       <p:graphicFrame>
         <p:nvGraphicFramePr>
-          <p:cNvPr id="29" name="표 1"/>
+          <p:cNvPr id="29" name="표 28"/>
           <p:cNvGraphicFramePr>
             <a:graphicFrameLocks noGrp="1"/>
           </p:cNvGraphicFramePr>
@@ -30010,6 +29864,7 @@
                 <a:tc>
                   <a:txBody>
                     <a:bodyPr/>
+                    <a:lstStyle/>
                     <a:p>
                       <a:pPr marL="0" indent="0" algn="ctr" defTabSz="914400" eaLnBrk="1" latinLnBrk="1" hangingPunct="1">
                         <a:lnSpc>
@@ -30099,6 +29954,7 @@
                 <a:tc>
                   <a:txBody>
                     <a:bodyPr/>
+                    <a:lstStyle/>
                     <a:p>
                       <a:pPr marL="0" indent="0" algn="ctr" defTabSz="914400" eaLnBrk="1" latinLnBrk="1" hangingPunct="1">
                         <a:lnSpc>
@@ -30188,6 +30044,7 @@
                 <a:tc>
                   <a:txBody>
                     <a:bodyPr/>
+                    <a:lstStyle/>
                     <a:p>
                       <a:pPr marL="0" indent="0" algn="ctr" defTabSz="914400" eaLnBrk="1" latinLnBrk="1" hangingPunct="1">
                         <a:lnSpc>
@@ -30277,6 +30134,7 @@
                 <a:tc>
                   <a:txBody>
                     <a:bodyPr/>
+                    <a:lstStyle/>
                     <a:p>
                       <a:pPr marL="0" indent="0" algn="ctr" defTabSz="914400" eaLnBrk="1" latinLnBrk="1" hangingPunct="1">
                         <a:lnSpc>
@@ -30368,6 +30226,7 @@
                 <a:tc>
                   <a:txBody>
                     <a:bodyPr/>
+                    <a:lstStyle/>
                     <a:p>
                       <a:pPr marL="0" indent="0" algn="ctr" defTabSz="914400" eaLnBrk="1" latinLnBrk="1" hangingPunct="1">
                         <a:lnSpc>
@@ -30383,23 +30242,21 @@
                         <a:buNone/>
                       </a:pPr>
                       <a:r>
-                        <a:rPr lang="en-US" altLang="ko-KR" sz="1000" b="0">
+                        <a:rPr lang="en-US" altLang="ko-KR" sz="1000" b="0" kern="1200">
                           <a:solidFill>
                             <a:schemeClr val="tx1"/>
                           </a:solidFill>
                           <a:latin typeface="맑은 고딕" panose="020B0503020000020004" charset="-127"/>
                           <a:ea typeface="맑은 고딕" panose="020B0503020000020004" charset="-127"/>
-                          <a:sym typeface="+mn-ea"/>
                         </a:rPr>
                         <a:t>F-BP-BO-OA</a:t>
                       </a:r>
-                      <a:endParaRPr lang="en-US" altLang="ko-KR" sz="1000" b="0" i="0" kern="1200">
+                      <a:endParaRPr lang="ko-KR" altLang="en-US" sz="1000" b="0" kern="1200">
                         <a:solidFill>
                           <a:schemeClr val="tx1"/>
                         </a:solidFill>
                         <a:latin typeface="맑은 고딕" panose="020B0503020000020004" charset="-127"/>
                         <a:ea typeface="맑은 고딕" panose="020B0503020000020004" charset="-127"/>
-                        <a:sym typeface="+mn-ea"/>
                       </a:endParaRPr>
                     </a:p>
                   </a:txBody>
@@ -30456,6 +30313,7 @@
                 <a:tc>
                   <a:txBody>
                     <a:bodyPr/>
+                    <a:lstStyle/>
                     <a:p>
                       <a:pPr marL="0" indent="0" algn="ctr" defTabSz="914400" eaLnBrk="1" latinLnBrk="1" hangingPunct="1">
                         <a:lnSpc>
@@ -30480,7 +30338,7 @@
                         </a:rPr>
                         <a:t>order.html</a:t>
                       </a:r>
-                      <a:endParaRPr lang="en-US" altLang="ko-KR" sz="1000" b="0" i="0" kern="1200">
+                      <a:endParaRPr lang="ko-KR" altLang="en-US" sz="1000" b="0" i="0" kern="1200">
                         <a:solidFill>
                           <a:schemeClr val="tx1"/>
                         </a:solidFill>
@@ -30542,6 +30400,7 @@
                 <a:tc>
                   <a:txBody>
                     <a:bodyPr/>
+                    <a:lstStyle/>
                     <a:p>
                       <a:pPr marL="0" indent="0" algn="ctr" defTabSz="914400" eaLnBrk="1" latinLnBrk="1" hangingPunct="1">
                         <a:lnSpc>
@@ -30556,16 +30415,6 @@
                         <a:buFontTx/>
                         <a:buNone/>
                       </a:pPr>
-                      <a:r>
-                        <a:rPr lang="ko-KR" altLang="en-US" sz="1000" b="0" i="0" kern="1200">
-                          <a:solidFill>
-                            <a:schemeClr val="tx1"/>
-                          </a:solidFill>
-                          <a:latin typeface="맑은 고딕" panose="020B0503020000020004" charset="-127"/>
-                          <a:ea typeface="맑은 고딕" panose="020B0503020000020004" charset="-127"/>
-                        </a:rPr>
-                        <a:t>교재구매 </a:t>
-                      </a:r>
                       <a:r>
                         <a:rPr lang="en-US" altLang="ko-KR" sz="1000" b="0" i="0" kern="1200">
                           <a:solidFill>
@@ -30574,37 +30423,7 @@
                           <a:latin typeface="맑은 고딕" panose="020B0503020000020004" charset="-127"/>
                           <a:ea typeface="맑은 고딕" panose="020B0503020000020004" charset="-127"/>
                         </a:rPr>
-                        <a:t>&gt; </a:t>
-                      </a:r>
-                      <a:r>
-                        <a:rPr lang="ko-KR" altLang="en-US" sz="1000" b="0" i="0" kern="1200">
-                          <a:solidFill>
-                            <a:schemeClr val="tx1"/>
-                          </a:solidFill>
-                          <a:latin typeface="맑은 고딕" panose="020B0503020000020004" charset="-127"/>
-                          <a:ea typeface="맑은 고딕" panose="020B0503020000020004" charset="-127"/>
-                        </a:rPr>
-                        <a:t>주문결제 </a:t>
-                      </a:r>
-                      <a:r>
-                        <a:rPr lang="en-US" altLang="ko-KR" sz="1000" b="0" i="0" kern="1200">
-                          <a:solidFill>
-                            <a:schemeClr val="tx1"/>
-                          </a:solidFill>
-                          <a:latin typeface="맑은 고딕" panose="020B0503020000020004" charset="-127"/>
-                          <a:ea typeface="맑은 고딕" panose="020B0503020000020004" charset="-127"/>
-                        </a:rPr>
-                        <a:t>&gt; </a:t>
-                      </a:r>
-                      <a:r>
-                        <a:rPr lang="ko-KR" altLang="en-US" sz="1000" b="0" i="0" kern="1200">
-                          <a:solidFill>
-                            <a:schemeClr val="tx1"/>
-                          </a:solidFill>
-                          <a:latin typeface="맑은 고딕" panose="020B0503020000020004" charset="-127"/>
-                          <a:ea typeface="맑은 고딕" panose="020B0503020000020004" charset="-127"/>
-                        </a:rPr>
-                        <a:t>주문자동의</a:t>
+                        <a:t>교재구매 &gt; 주문결제 &gt; 주문자동의</a:t>
                       </a:r>
                       <a:endParaRPr lang="ko-KR" altLang="en-US" sz="1000" b="0" i="0" kern="1200">
                         <a:solidFill>
@@ -30668,6 +30487,7 @@
                 <a:tc>
                   <a:txBody>
                     <a:bodyPr/>
+                    <a:lstStyle/>
                     <a:p>
                       <a:pPr marL="0" indent="0" algn="ctr" defTabSz="914400" eaLnBrk="1" latinLnBrk="1" hangingPunct="1">
                         <a:lnSpc>
@@ -30683,7 +30503,7 @@
                         <a:buNone/>
                       </a:pPr>
                       <a:r>
-                        <a:rPr lang="ko-KR" altLang="en-US" sz="1000" b="0" i="0" kern="1200">
+                        <a:rPr lang="en-US" altLang="ko-KR" sz="1000" b="0" i="0" kern="1200">
                           <a:solidFill>
                             <a:schemeClr val="tx1"/>
                           </a:solidFill>
@@ -30805,7 +30625,7 @@
         <p:spPr>
           <a:xfrm>
             <a:off x="142875" y="714375"/>
-            <a:ext cx="8993505" cy="5945505"/>
+            <a:ext cx="8994140" cy="5946140"/>
           </a:xfrm>
           <a:prstGeom prst="rect">
             <a:avLst/>
@@ -34018,20 +33838,14 @@
       </p:graphicFrame>
       <p:pic>
         <p:nvPicPr>
-          <p:cNvPr id="30" name="그림 29" descr="C:/Users/KOSMO-08/AppData/Roaming/PolarisOffice/ETemp/11312_17366784/fImage2465410712391.png"/>
+          <p:cNvPr id="30" name="그림 29" descr="C:/Users/KOSMO-08/AppData/Roaming/PolarisOffice/ETemp/12752_7558552/fImage24654416491.png"/>
           <p:cNvPicPr>
             <a:picLocks noChangeAspect="1"/>
           </p:cNvPicPr>
           <p:nvPr/>
         </p:nvPicPr>
         <p:blipFill rotWithShape="1">
-          <a:blip r:embed="rId1" cstate="print">
-            <a:extLst>
-              <a:ext uri="{28A0092B-C50C-407E-A947-70E740481C1C}">
-                <a14:useLocalDpi xmlns:a14="http://schemas.microsoft.com/office/drawing/2010/main" val="0"/>
-              </a:ext>
-            </a:extLst>
-          </a:blip>
+          <a:blip r:embed="rId1" cstate="hqprint"/>
           <a:srcRect/>
           <a:stretch>
             <a:fillRect/>
@@ -34040,7 +33854,7 @@
         <p:spPr>
           <a:xfrm>
             <a:off x="594995" y="1336040"/>
-            <a:ext cx="8321040" cy="4358005"/>
+            <a:ext cx="8321675" cy="4358640"/>
           </a:xfrm>
           <a:prstGeom prst="rect">
             <a:avLst/>
@@ -34057,9 +33871,9 @@
         <p:grpSpPr>
           <a:xfrm rot="0">
             <a:off x="6210300" y="2229485"/>
-            <a:ext cx="238760" cy="260985"/>
+            <a:ext cx="239395" cy="261620"/>
             <a:chOff x="6210300" y="2229485"/>
-            <a:chExt cx="238760" cy="260985"/>
+            <a:chExt cx="239395" cy="261620"/>
           </a:xfrm>
         </p:grpSpPr>
         <p:sp>
@@ -34071,7 +33885,7 @@
           <p:spPr>
             <a:xfrm>
               <a:off x="6240145" y="2264410"/>
-              <a:ext cx="209550" cy="209550"/>
+              <a:ext cx="210185" cy="210185"/>
             </a:xfrm>
             <a:prstGeom prst="ellipse">
               <a:avLst/>
@@ -34132,7 +33946,7 @@
           <p:spPr>
             <a:xfrm>
               <a:off x="6210300" y="2229485"/>
-              <a:ext cx="220345" cy="260985"/>
+              <a:ext cx="220980" cy="261620"/>
             </a:xfrm>
             <a:prstGeom prst="rect">
               <a:avLst/>
@@ -34188,9 +34002,9 @@
         <p:grpSpPr>
           <a:xfrm rot="0">
             <a:off x="5723255" y="3018155"/>
-            <a:ext cx="239395" cy="260985"/>
+            <a:ext cx="240030" cy="261620"/>
             <a:chOff x="5723255" y="3018155"/>
-            <a:chExt cx="239395" cy="260985"/>
+            <a:chExt cx="240030" cy="261620"/>
           </a:xfrm>
         </p:grpSpPr>
         <p:sp>
@@ -34202,7 +34016,7 @@
           <p:spPr>
             <a:xfrm>
               <a:off x="5753100" y="3053080"/>
-              <a:ext cx="209550" cy="209550"/>
+              <a:ext cx="210185" cy="210185"/>
             </a:xfrm>
             <a:prstGeom prst="ellipse">
               <a:avLst/>
@@ -34263,7 +34077,7 @@
           <p:spPr>
             <a:xfrm>
               <a:off x="5723255" y="3018155"/>
-              <a:ext cx="220345" cy="260985"/>
+              <a:ext cx="220980" cy="261620"/>
             </a:xfrm>
             <a:prstGeom prst="rect">
               <a:avLst/>
@@ -34319,9 +34133,9 @@
         <p:grpSpPr>
           <a:xfrm rot="0">
             <a:off x="5293995" y="3806825"/>
-            <a:ext cx="239395" cy="260985"/>
+            <a:ext cx="240030" cy="261620"/>
             <a:chOff x="5293995" y="3806825"/>
-            <a:chExt cx="239395" cy="260985"/>
+            <a:chExt cx="240030" cy="261620"/>
           </a:xfrm>
         </p:grpSpPr>
         <p:sp>
@@ -34333,7 +34147,7 @@
           <p:spPr>
             <a:xfrm>
               <a:off x="5323840" y="3841750"/>
-              <a:ext cx="209550" cy="209550"/>
+              <a:ext cx="210185" cy="210185"/>
             </a:xfrm>
             <a:prstGeom prst="ellipse">
               <a:avLst/>
@@ -34394,7 +34208,7 @@
           <p:spPr>
             <a:xfrm>
               <a:off x="5293995" y="3806825"/>
-              <a:ext cx="220345" cy="260985"/>
+              <a:ext cx="220980" cy="261620"/>
             </a:xfrm>
             <a:prstGeom prst="rect">
               <a:avLst/>
@@ -34450,9 +34264,9 @@
         <p:grpSpPr>
           <a:xfrm rot="0">
             <a:off x="5236845" y="4874260"/>
-            <a:ext cx="239395" cy="260985"/>
+            <a:ext cx="240030" cy="261620"/>
             <a:chOff x="5236845" y="4874260"/>
-            <a:chExt cx="239395" cy="260985"/>
+            <a:chExt cx="240030" cy="261620"/>
           </a:xfrm>
         </p:grpSpPr>
         <p:sp>
@@ -34464,7 +34278,7 @@
           <p:spPr>
             <a:xfrm>
               <a:off x="5266690" y="4909185"/>
-              <a:ext cx="209550" cy="209550"/>
+              <a:ext cx="210185" cy="210185"/>
             </a:xfrm>
             <a:prstGeom prst="ellipse">
               <a:avLst/>
@@ -34525,7 +34339,7 @@
           <p:spPr>
             <a:xfrm>
               <a:off x="5236845" y="4874260"/>
-              <a:ext cx="220345" cy="260985"/>
+              <a:ext cx="220980" cy="261620"/>
             </a:xfrm>
             <a:prstGeom prst="rect">
               <a:avLst/>
@@ -34581,9 +34395,9 @@
         <p:grpSpPr>
           <a:xfrm rot="0">
             <a:off x="8098790" y="1443355"/>
-            <a:ext cx="389890" cy="260985"/>
+            <a:ext cx="390525" cy="261620"/>
             <a:chOff x="8098790" y="1443355"/>
-            <a:chExt cx="389890" cy="260985"/>
+            <a:chExt cx="390525" cy="261620"/>
           </a:xfrm>
         </p:grpSpPr>
         <p:sp>
@@ -34595,7 +34409,7 @@
           <p:spPr>
             <a:xfrm>
               <a:off x="8128635" y="1478280"/>
-              <a:ext cx="209550" cy="209550"/>
+              <a:ext cx="210185" cy="210185"/>
             </a:xfrm>
             <a:prstGeom prst="ellipse">
               <a:avLst/>
@@ -34656,7 +34470,7 @@
           <p:spPr>
             <a:xfrm>
               <a:off x="8098790" y="1443355"/>
-              <a:ext cx="389890" cy="260985"/>
+              <a:ext cx="390525" cy="261620"/>
             </a:xfrm>
             <a:prstGeom prst="rect">
               <a:avLst/>
@@ -34705,7 +34519,7 @@
       </p:grpSp>
       <p:graphicFrame>
         <p:nvGraphicFramePr>
-          <p:cNvPr id="7" name="표 1"/>
+          <p:cNvPr id="7" name="표 6"/>
           <p:cNvGraphicFramePr>
             <a:graphicFrameLocks noGrp="1"/>
           </p:cNvGraphicFramePr>
@@ -34731,6 +34545,7 @@
                 <a:tc>
                   <a:txBody>
                     <a:bodyPr/>
+                    <a:lstStyle/>
                     <a:p>
                       <a:pPr marL="0" indent="0" algn="ctr" defTabSz="914400" eaLnBrk="1" latinLnBrk="1" hangingPunct="1">
                         <a:lnSpc>
@@ -34820,6 +34635,7 @@
                 <a:tc>
                   <a:txBody>
                     <a:bodyPr/>
+                    <a:lstStyle/>
                     <a:p>
                       <a:pPr marL="0" indent="0" algn="ctr" defTabSz="914400" eaLnBrk="1" latinLnBrk="1" hangingPunct="1">
                         <a:lnSpc>
@@ -34909,6 +34725,7 @@
                 <a:tc>
                   <a:txBody>
                     <a:bodyPr/>
+                    <a:lstStyle/>
                     <a:p>
                       <a:pPr marL="0" indent="0" algn="ctr" defTabSz="914400" eaLnBrk="1" latinLnBrk="1" hangingPunct="1">
                         <a:lnSpc>
@@ -34998,6 +34815,7 @@
                 <a:tc>
                   <a:txBody>
                     <a:bodyPr/>
+                    <a:lstStyle/>
                     <a:p>
                       <a:pPr marL="0" indent="0" algn="ctr" defTabSz="914400" eaLnBrk="1" latinLnBrk="1" hangingPunct="1">
                         <a:lnSpc>
@@ -35089,6 +34907,7 @@
                 <a:tc>
                   <a:txBody>
                     <a:bodyPr/>
+                    <a:lstStyle/>
                     <a:p>
                       <a:pPr marL="0" indent="0" algn="ctr" defTabSz="914400" eaLnBrk="1" latinLnBrk="1" hangingPunct="1">
                         <a:lnSpc>
@@ -35104,23 +34923,21 @@
                         <a:buNone/>
                       </a:pPr>
                       <a:r>
-                        <a:rPr lang="en-US" altLang="ko-KR" sz="1000" b="0">
+                        <a:rPr lang="en-US" altLang="ko-KR" sz="1000" b="0" kern="1200">
                           <a:solidFill>
                             <a:schemeClr val="tx1"/>
                           </a:solidFill>
                           <a:latin typeface="맑은 고딕" panose="020B0503020000020004" charset="-127"/>
                           <a:ea typeface="맑은 고딕" panose="020B0503020000020004" charset="-127"/>
-                          <a:sym typeface="+mn-ea"/>
                         </a:rPr>
                         <a:t>F-BP-OC-DI</a:t>
                       </a:r>
-                      <a:endParaRPr lang="en-US" altLang="ko-KR" sz="1000" b="0" i="0" kern="1200">
+                      <a:endParaRPr lang="ko-KR" altLang="en-US" sz="1000" b="0" kern="1200">
                         <a:solidFill>
                           <a:schemeClr val="tx1"/>
                         </a:solidFill>
                         <a:latin typeface="맑은 고딕" panose="020B0503020000020004" charset="-127"/>
                         <a:ea typeface="맑은 고딕" panose="020B0503020000020004" charset="-127"/>
-                        <a:sym typeface="+mn-ea"/>
                       </a:endParaRPr>
                     </a:p>
                   </a:txBody>
@@ -35177,6 +34994,7 @@
                 <a:tc>
                   <a:txBody>
                     <a:bodyPr/>
+                    <a:lstStyle/>
                     <a:p>
                       <a:pPr marL="0" indent="0" algn="ctr" defTabSz="914400" eaLnBrk="1" latinLnBrk="1" hangingPunct="1">
                         <a:lnSpc>
@@ -35201,7 +35019,7 @@
                         </a:rPr>
                         <a:t>completed.html</a:t>
                       </a:r>
-                      <a:endParaRPr lang="en-US" altLang="ko-KR" sz="1000" b="0" i="0" kern="1200">
+                      <a:endParaRPr lang="ko-KR" altLang="en-US" sz="1000" b="0" i="0" kern="1200">
                         <a:solidFill>
                           <a:schemeClr val="tx1"/>
                         </a:solidFill>
@@ -35263,6 +35081,7 @@
                 <a:tc>
                   <a:txBody>
                     <a:bodyPr/>
+                    <a:lstStyle/>
                     <a:p>
                       <a:pPr marL="0" indent="0" algn="ctr" defTabSz="914400" eaLnBrk="1" latinLnBrk="1" hangingPunct="1">
                         <a:lnSpc>
@@ -35277,16 +35096,6 @@
                         <a:buFontTx/>
                         <a:buNone/>
                       </a:pPr>
-                      <a:r>
-                        <a:rPr lang="ko-KR" altLang="en-US" sz="1000" b="0" i="0" kern="1200">
-                          <a:solidFill>
-                            <a:schemeClr val="tx1"/>
-                          </a:solidFill>
-                          <a:latin typeface="맑은 고딕" panose="020B0503020000020004" charset="-127"/>
-                          <a:ea typeface="맑은 고딕" panose="020B0503020000020004" charset="-127"/>
-                        </a:rPr>
-                        <a:t>교재구매 </a:t>
-                      </a:r>
                       <a:r>
                         <a:rPr lang="en-US" altLang="ko-KR" sz="1000" b="0" i="0" kern="1200">
                           <a:solidFill>
@@ -35295,39 +35104,9 @@
                           <a:latin typeface="맑은 고딕" panose="020B0503020000020004" charset="-127"/>
                           <a:ea typeface="맑은 고딕" panose="020B0503020000020004" charset="-127"/>
                         </a:rPr>
-                        <a:t>&gt; </a:t>
+                        <a:t>교재구매 &gt; 주문완료 &gt; 배송지정보</a:t>
                       </a:r>
-                      <a:r>
-                        <a:rPr lang="ko-KR" altLang="en-US" sz="1000" b="0" i="0" kern="1200">
-                          <a:solidFill>
-                            <a:schemeClr val="tx1"/>
-                          </a:solidFill>
-                          <a:latin typeface="맑은 고딕" panose="020B0503020000020004" charset="-127"/>
-                          <a:ea typeface="맑은 고딕" panose="020B0503020000020004" charset="-127"/>
-                        </a:rPr>
-                        <a:t>주문완료 </a:t>
-                      </a:r>
-                      <a:r>
-                        <a:rPr lang="en-US" altLang="ko-KR" sz="1000" b="0" i="0" kern="1200">
-                          <a:solidFill>
-                            <a:schemeClr val="tx1"/>
-                          </a:solidFill>
-                          <a:latin typeface="맑은 고딕" panose="020B0503020000020004" charset="-127"/>
-                          <a:ea typeface="맑은 고딕" panose="020B0503020000020004" charset="-127"/>
-                        </a:rPr>
-                        <a:t>&gt; </a:t>
-                      </a:r>
-                      <a:r>
-                        <a:rPr altLang="en-US" sz="1000" b="0" i="0" kern="1200">
-                          <a:solidFill>
-                            <a:schemeClr val="tx1"/>
-                          </a:solidFill>
-                          <a:latin typeface="맑은 고딕" panose="020B0503020000020004" charset="-127"/>
-                          <a:ea typeface="맑은 고딕" panose="020B0503020000020004" charset="-127"/>
-                        </a:rPr>
-                        <a:t>배송지정보</a:t>
-                      </a:r>
-                      <a:endParaRPr altLang="en-US" sz="1000" b="0" i="0" kern="1200">
+                      <a:endParaRPr lang="ko-KR" altLang="en-US" sz="1000" b="0" i="0" kern="1200">
                         <a:solidFill>
                           <a:schemeClr val="tx1"/>
                         </a:solidFill>
@@ -35389,6 +35168,7 @@
                 <a:tc>
                   <a:txBody>
                     <a:bodyPr/>
+                    <a:lstStyle/>
                     <a:p>
                       <a:pPr marL="0" indent="0" algn="ctr" defTabSz="914400" eaLnBrk="1" latinLnBrk="1" hangingPunct="1">
                         <a:lnSpc>
@@ -35404,7 +35184,7 @@
                         <a:buNone/>
                       </a:pPr>
                       <a:r>
-                        <a:rPr lang="ko-KR" altLang="en-US" sz="1000" b="0" i="0" kern="1200">
+                        <a:rPr lang="en-US" altLang="ko-KR" sz="1000" b="0" i="0" kern="1200">
                           <a:solidFill>
                             <a:schemeClr val="tx1"/>
                           </a:solidFill>
@@ -35526,7 +35306,7 @@
         <p:spPr>
           <a:xfrm>
             <a:off x="142875" y="714375"/>
-            <a:ext cx="8993505" cy="5945505"/>
+            <a:ext cx="8994140" cy="5946140"/>
           </a:xfrm>
           <a:prstGeom prst="rect">
             <a:avLst/>
@@ -38729,20 +38509,14 @@
       </p:graphicFrame>
       <p:pic>
         <p:nvPicPr>
-          <p:cNvPr id="24" name="그림 23" descr="C:/Users/KOSMO-08/AppData/Roaming/PolarisOffice/ETemp/11312_17366784/fImage1762810954604.png"/>
+          <p:cNvPr id="24" name="그림 23" descr="C:/Users/KOSMO-08/AppData/Roaming/PolarisOffice/ETemp/12752_7558552/fImage176284382995.png"/>
           <p:cNvPicPr>
             <a:picLocks noChangeAspect="1"/>
           </p:cNvPicPr>
           <p:nvPr/>
         </p:nvPicPr>
         <p:blipFill rotWithShape="1">
-          <a:blip r:embed="rId1" cstate="print">
-            <a:extLst>
-              <a:ext uri="{28A0092B-C50C-407E-A947-70E740481C1C}">
-                <a14:useLocalDpi xmlns:a14="http://schemas.microsoft.com/office/drawing/2010/main" val="0"/>
-              </a:ext>
-            </a:extLst>
-          </a:blip>
+          <a:blip r:embed="rId1" cstate="hqprint"/>
           <a:srcRect/>
           <a:stretch>
             <a:fillRect/>
@@ -38751,7 +38525,7 @@
         <p:spPr>
           <a:xfrm>
             <a:off x="493395" y="1290955"/>
-            <a:ext cx="8503285" cy="4178300"/>
+            <a:ext cx="8503920" cy="4178935"/>
           </a:xfrm>
           <a:prstGeom prst="rect">
             <a:avLst/>
@@ -38768,9 +38542,9 @@
         <p:grpSpPr>
           <a:xfrm rot="0">
             <a:off x="4781550" y="2047240"/>
-            <a:ext cx="238760" cy="260985"/>
+            <a:ext cx="239395" cy="261620"/>
             <a:chOff x="4781550" y="2047240"/>
-            <a:chExt cx="238760" cy="260985"/>
+            <a:chExt cx="239395" cy="261620"/>
           </a:xfrm>
         </p:grpSpPr>
         <p:sp>
@@ -38782,7 +38556,7 @@
           <p:spPr>
             <a:xfrm>
               <a:off x="4811395" y="2082165"/>
-              <a:ext cx="209550" cy="209550"/>
+              <a:ext cx="210185" cy="210185"/>
             </a:xfrm>
             <a:prstGeom prst="ellipse">
               <a:avLst/>
@@ -38843,7 +38617,7 @@
           <p:spPr>
             <a:xfrm>
               <a:off x="4781550" y="2047240"/>
-              <a:ext cx="220345" cy="260985"/>
+              <a:ext cx="220980" cy="261620"/>
             </a:xfrm>
             <a:prstGeom prst="rect">
               <a:avLst/>
@@ -38899,9 +38673,9 @@
         <p:grpSpPr>
           <a:xfrm rot="0">
             <a:off x="5986145" y="2049780"/>
-            <a:ext cx="239395" cy="260985"/>
+            <a:ext cx="240030" cy="261620"/>
             <a:chOff x="5986145" y="2049780"/>
-            <a:chExt cx="239395" cy="260985"/>
+            <a:chExt cx="240030" cy="261620"/>
           </a:xfrm>
         </p:grpSpPr>
         <p:sp>
@@ -38913,7 +38687,7 @@
           <p:spPr>
             <a:xfrm>
               <a:off x="6015990" y="2084705"/>
-              <a:ext cx="209550" cy="209550"/>
+              <a:ext cx="210185" cy="210185"/>
             </a:xfrm>
             <a:prstGeom prst="ellipse">
               <a:avLst/>
@@ -38974,7 +38748,7 @@
           <p:spPr>
             <a:xfrm>
               <a:off x="5986145" y="2049780"/>
-              <a:ext cx="220345" cy="260985"/>
+              <a:ext cx="220980" cy="261620"/>
             </a:xfrm>
             <a:prstGeom prst="rect">
               <a:avLst/>
@@ -39030,9 +38804,9 @@
         <p:grpSpPr>
           <a:xfrm rot="0">
             <a:off x="4791075" y="2973070"/>
-            <a:ext cx="239395" cy="260985"/>
+            <a:ext cx="240030" cy="261620"/>
             <a:chOff x="4791075" y="2973070"/>
-            <a:chExt cx="239395" cy="260985"/>
+            <a:chExt cx="240030" cy="261620"/>
           </a:xfrm>
         </p:grpSpPr>
         <p:sp>
@@ -39044,7 +38818,7 @@
           <p:spPr>
             <a:xfrm>
               <a:off x="4820920" y="3007995"/>
-              <a:ext cx="209550" cy="209550"/>
+              <a:ext cx="210185" cy="210185"/>
             </a:xfrm>
             <a:prstGeom prst="ellipse">
               <a:avLst/>
@@ -39105,7 +38879,7 @@
           <p:spPr>
             <a:xfrm>
               <a:off x="4791075" y="2973070"/>
-              <a:ext cx="220345" cy="260985"/>
+              <a:ext cx="220980" cy="261620"/>
             </a:xfrm>
             <a:prstGeom prst="rect">
               <a:avLst/>
@@ -39161,9 +38935,9 @@
         <p:grpSpPr>
           <a:xfrm rot="0">
             <a:off x="2539365" y="4251325"/>
-            <a:ext cx="239395" cy="260985"/>
+            <a:ext cx="240030" cy="261620"/>
             <a:chOff x="2539365" y="4251325"/>
-            <a:chExt cx="239395" cy="260985"/>
+            <a:chExt cx="240030" cy="261620"/>
           </a:xfrm>
         </p:grpSpPr>
         <p:sp>
@@ -39175,7 +38949,7 @@
           <p:spPr>
             <a:xfrm>
               <a:off x="2569210" y="4286250"/>
-              <a:ext cx="209550" cy="209550"/>
+              <a:ext cx="210185" cy="210185"/>
             </a:xfrm>
             <a:prstGeom prst="ellipse">
               <a:avLst/>
@@ -39236,7 +39010,7 @@
           <p:spPr>
             <a:xfrm>
               <a:off x="2539365" y="4251325"/>
-              <a:ext cx="220345" cy="260985"/>
+              <a:ext cx="220980" cy="261620"/>
             </a:xfrm>
             <a:prstGeom prst="rect">
               <a:avLst/>
@@ -39292,9 +39066,9 @@
         <p:grpSpPr>
           <a:xfrm rot="0">
             <a:off x="4653915" y="4234815"/>
-            <a:ext cx="239395" cy="260985"/>
+            <a:ext cx="240030" cy="261620"/>
             <a:chOff x="4653915" y="4234815"/>
-            <a:chExt cx="239395" cy="260985"/>
+            <a:chExt cx="240030" cy="261620"/>
           </a:xfrm>
         </p:grpSpPr>
         <p:sp>
@@ -39306,7 +39080,7 @@
           <p:spPr>
             <a:xfrm>
               <a:off x="4683760" y="4269740"/>
-              <a:ext cx="209550" cy="209550"/>
+              <a:ext cx="210185" cy="210185"/>
             </a:xfrm>
             <a:prstGeom prst="ellipse">
               <a:avLst/>
@@ -39367,7 +39141,7 @@
           <p:spPr>
             <a:xfrm>
               <a:off x="4653915" y="4234815"/>
-              <a:ext cx="220345" cy="260985"/>
+              <a:ext cx="220980" cy="261620"/>
             </a:xfrm>
             <a:prstGeom prst="rect">
               <a:avLst/>
@@ -39416,7 +39190,7 @@
       </p:grpSp>
       <p:graphicFrame>
         <p:nvGraphicFramePr>
-          <p:cNvPr id="7" name="표 1"/>
+          <p:cNvPr id="7" name="표 6"/>
           <p:cNvGraphicFramePr>
             <a:graphicFrameLocks noGrp="1"/>
           </p:cNvGraphicFramePr>
@@ -39442,6 +39216,7 @@
                 <a:tc>
                   <a:txBody>
                     <a:bodyPr/>
+                    <a:lstStyle/>
                     <a:p>
                       <a:pPr marL="0" indent="0" algn="ctr" defTabSz="914400" eaLnBrk="1" latinLnBrk="1" hangingPunct="1">
                         <a:lnSpc>
@@ -39531,6 +39306,7 @@
                 <a:tc>
                   <a:txBody>
                     <a:bodyPr/>
+                    <a:lstStyle/>
                     <a:p>
                       <a:pPr marL="0" indent="0" algn="ctr" defTabSz="914400" eaLnBrk="1" latinLnBrk="1" hangingPunct="1">
                         <a:lnSpc>
@@ -39620,6 +39396,7 @@
                 <a:tc>
                   <a:txBody>
                     <a:bodyPr/>
+                    <a:lstStyle/>
                     <a:p>
                       <a:pPr marL="0" indent="0" algn="ctr" defTabSz="914400" eaLnBrk="1" latinLnBrk="1" hangingPunct="1">
                         <a:lnSpc>
@@ -39709,6 +39486,7 @@
                 <a:tc>
                   <a:txBody>
                     <a:bodyPr/>
+                    <a:lstStyle/>
                     <a:p>
                       <a:pPr marL="0" indent="0" algn="ctr" defTabSz="914400" eaLnBrk="1" latinLnBrk="1" hangingPunct="1">
                         <a:lnSpc>
@@ -39800,6 +39578,7 @@
                 <a:tc>
                   <a:txBody>
                     <a:bodyPr/>
+                    <a:lstStyle/>
                     <a:p>
                       <a:pPr marL="0" indent="0" algn="ctr" defTabSz="914400" eaLnBrk="1" latinLnBrk="1" hangingPunct="1">
                         <a:lnSpc>
@@ -39815,23 +39594,21 @@
                         <a:buNone/>
                       </a:pPr>
                       <a:r>
-                        <a:rPr lang="en-US" altLang="ko-KR" sz="1000" b="0">
+                        <a:rPr lang="en-US" altLang="ko-KR" sz="1000" b="0" kern="1200">
                           <a:solidFill>
                             <a:schemeClr val="tx1"/>
                           </a:solidFill>
                           <a:latin typeface="맑은 고딕" panose="020B0503020000020004" charset="-127"/>
                           <a:ea typeface="맑은 고딕" panose="020B0503020000020004" charset="-127"/>
-                          <a:sym typeface="+mn-ea"/>
                         </a:rPr>
                         <a:t>F-BP-OC-PI</a:t>
                       </a:r>
-                      <a:endParaRPr lang="en-US" altLang="ko-KR" sz="1000" b="0" i="0" kern="1200">
+                      <a:endParaRPr lang="ko-KR" altLang="en-US" sz="1000" b="0" kern="1200">
                         <a:solidFill>
                           <a:schemeClr val="tx1"/>
                         </a:solidFill>
                         <a:latin typeface="맑은 고딕" panose="020B0503020000020004" charset="-127"/>
                         <a:ea typeface="맑은 고딕" panose="020B0503020000020004" charset="-127"/>
-                        <a:sym typeface="+mn-ea"/>
                       </a:endParaRPr>
                     </a:p>
                   </a:txBody>
@@ -39888,6 +39665,7 @@
                 <a:tc>
                   <a:txBody>
                     <a:bodyPr/>
+                    <a:lstStyle/>
                     <a:p>
                       <a:pPr marL="0" indent="0" algn="ctr" defTabSz="914400" eaLnBrk="1" latinLnBrk="1" hangingPunct="1">
                         <a:lnSpc>
@@ -39912,7 +39690,7 @@
                         </a:rPr>
                         <a:t>completed.html</a:t>
                       </a:r>
-                      <a:endParaRPr lang="en-US" altLang="ko-KR" sz="1000" b="0" i="0" kern="1200">
+                      <a:endParaRPr lang="ko-KR" altLang="en-US" sz="1000" b="0" i="0" kern="1200">
                         <a:solidFill>
                           <a:schemeClr val="tx1"/>
                         </a:solidFill>
@@ -39974,6 +39752,7 @@
                 <a:tc>
                   <a:txBody>
                     <a:bodyPr/>
+                    <a:lstStyle/>
                     <a:p>
                       <a:pPr marL="0" indent="0" algn="ctr" defTabSz="914400" eaLnBrk="1" latinLnBrk="1" hangingPunct="1">
                         <a:lnSpc>
@@ -39988,16 +39767,6 @@
                         <a:buFontTx/>
                         <a:buNone/>
                       </a:pPr>
-                      <a:r>
-                        <a:rPr lang="ko-KR" altLang="en-US" sz="1000" b="0" i="0" kern="1200">
-                          <a:solidFill>
-                            <a:schemeClr val="tx1"/>
-                          </a:solidFill>
-                          <a:latin typeface="맑은 고딕" panose="020B0503020000020004" charset="-127"/>
-                          <a:ea typeface="맑은 고딕" panose="020B0503020000020004" charset="-127"/>
-                        </a:rPr>
-                        <a:t>교재구매 </a:t>
-                      </a:r>
                       <a:r>
                         <a:rPr lang="en-US" altLang="ko-KR" sz="1000" b="0" i="0" kern="1200">
                           <a:solidFill>
@@ -40006,37 +39775,7 @@
                           <a:latin typeface="맑은 고딕" panose="020B0503020000020004" charset="-127"/>
                           <a:ea typeface="맑은 고딕" panose="020B0503020000020004" charset="-127"/>
                         </a:rPr>
-                        <a:t>&gt; </a:t>
-                      </a:r>
-                      <a:r>
-                        <a:rPr lang="ko-KR" altLang="en-US" sz="1000" b="0" i="0" kern="1200">
-                          <a:solidFill>
-                            <a:schemeClr val="tx1"/>
-                          </a:solidFill>
-                          <a:latin typeface="맑은 고딕" panose="020B0503020000020004" charset="-127"/>
-                          <a:ea typeface="맑은 고딕" panose="020B0503020000020004" charset="-127"/>
-                        </a:rPr>
-                        <a:t>주문완료 </a:t>
-                      </a:r>
-                      <a:r>
-                        <a:rPr lang="en-US" altLang="ko-KR" sz="1000" b="0" i="0" kern="1200">
-                          <a:solidFill>
-                            <a:schemeClr val="tx1"/>
-                          </a:solidFill>
-                          <a:latin typeface="맑은 고딕" panose="020B0503020000020004" charset="-127"/>
-                          <a:ea typeface="맑은 고딕" panose="020B0503020000020004" charset="-127"/>
-                        </a:rPr>
-                        <a:t>&gt; </a:t>
-                      </a:r>
-                      <a:r>
-                        <a:rPr lang="ko-KR" altLang="en-US" sz="1000" b="0" i="0" kern="1200">
-                          <a:solidFill>
-                            <a:schemeClr val="tx1"/>
-                          </a:solidFill>
-                          <a:latin typeface="맑은 고딕" panose="020B0503020000020004" charset="-127"/>
-                          <a:ea typeface="맑은 고딕" panose="020B0503020000020004" charset="-127"/>
-                        </a:rPr>
-                        <a:t>결제정보</a:t>
+                        <a:t>교재구매 &gt; 주문완료 &gt; 결제정보</a:t>
                       </a:r>
                       <a:endParaRPr lang="ko-KR" altLang="en-US" sz="1000" b="0" i="0" kern="1200">
                         <a:solidFill>
@@ -40100,6 +39839,7 @@
                 <a:tc>
                   <a:txBody>
                     <a:bodyPr/>
+                    <a:lstStyle/>
                     <a:p>
                       <a:pPr marL="0" indent="0" algn="ctr" defTabSz="914400" eaLnBrk="1" latinLnBrk="1" hangingPunct="1">
                         <a:lnSpc>
@@ -40115,7 +39855,7 @@
                         <a:buNone/>
                       </a:pPr>
                       <a:r>
-                        <a:rPr lang="ko-KR" altLang="en-US" sz="1000" b="0" i="0" kern="1200">
+                        <a:rPr lang="en-US" altLang="ko-KR" sz="1000" b="0" i="0" kern="1200">
                           <a:solidFill>
                             <a:schemeClr val="tx1"/>
                           </a:solidFill>
